--- a/쇼핑카트 자료.pptx
+++ b/쇼핑카트 자료.pptx
@@ -8,22 +8,24 @@
     <p:sldId id="256" r:id="rId2"/>
     <p:sldId id="257" r:id="rId3"/>
     <p:sldId id="264" r:id="rId4"/>
-    <p:sldId id="258" r:id="rId5"/>
-    <p:sldId id="265" r:id="rId6"/>
-    <p:sldId id="259" r:id="rId7"/>
-    <p:sldId id="260" r:id="rId8"/>
-    <p:sldId id="261" r:id="rId9"/>
-    <p:sldId id="274" r:id="rId10"/>
-    <p:sldId id="263" r:id="rId11"/>
-    <p:sldId id="266" r:id="rId12"/>
-    <p:sldId id="267" r:id="rId13"/>
-    <p:sldId id="275" r:id="rId14"/>
-    <p:sldId id="268" r:id="rId15"/>
-    <p:sldId id="269" r:id="rId16"/>
-    <p:sldId id="271" r:id="rId17"/>
-    <p:sldId id="272" r:id="rId18"/>
-    <p:sldId id="270" r:id="rId19"/>
-    <p:sldId id="273" r:id="rId20"/>
+    <p:sldId id="276" r:id="rId5"/>
+    <p:sldId id="258" r:id="rId6"/>
+    <p:sldId id="265" r:id="rId7"/>
+    <p:sldId id="277" r:id="rId8"/>
+    <p:sldId id="259" r:id="rId9"/>
+    <p:sldId id="260" r:id="rId10"/>
+    <p:sldId id="261" r:id="rId11"/>
+    <p:sldId id="263" r:id="rId12"/>
+    <p:sldId id="274" r:id="rId13"/>
+    <p:sldId id="266" r:id="rId14"/>
+    <p:sldId id="267" r:id="rId15"/>
+    <p:sldId id="275" r:id="rId16"/>
+    <p:sldId id="268" r:id="rId17"/>
+    <p:sldId id="269" r:id="rId18"/>
+    <p:sldId id="271" r:id="rId19"/>
+    <p:sldId id="272" r:id="rId20"/>
+    <p:sldId id="270" r:id="rId21"/>
+    <p:sldId id="273" r:id="rId22"/>
   </p:sldIdLst>
   <p:sldSz cx="12192000" cy="6858000"/>
   <p:notesSz cx="6858000" cy="9144000"/>
@@ -3697,22 +3699,31 @@
           <a:p>
             <a:pPr algn="l"/>
             <a:r>
-              <a:rPr lang="ko-KR" altLang="en-US" dirty="0" err="1"/>
-              <a:t>리덕스</a:t>
-            </a:r>
-            <a:r>
               <a:rPr lang="ko-KR" altLang="en-US" dirty="0"/>
-              <a:t> 슬라이스</a:t>
-            </a:r>
+              <a:t>홈 </a:t>
+            </a:r>
+            <a:r>
+              <a:rPr lang="en-US" altLang="ko-KR" dirty="0"/>
+              <a:t>– </a:t>
+            </a:r>
+            <a:r>
+              <a:rPr lang="ko-KR" altLang="en-US" dirty="0"/>
+              <a:t>상품 타일</a:t>
+            </a:r>
+            <a:endParaRPr lang="en-US" altLang="ko-KR" dirty="0"/>
+          </a:p>
+          <a:p>
+            <a:pPr algn="l"/>
+            <a:endParaRPr lang="ko-KR" altLang="en-US" dirty="0"/>
           </a:p>
         </p:txBody>
       </p:sp>
       <p:pic>
         <p:nvPicPr>
-          <p:cNvPr id="9" name="그림 8">
-            <a:extLst>
-              <a:ext uri="{FF2B5EF4-FFF2-40B4-BE49-F238E27FC236}">
-                <a16:creationId xmlns:a16="http://schemas.microsoft.com/office/drawing/2014/main" id="{32387E6C-DE06-386F-BA14-82AC0160AED3}"/>
+          <p:cNvPr id="8" name="그림 7">
+            <a:extLst>
+              <a:ext uri="{FF2B5EF4-FFF2-40B4-BE49-F238E27FC236}">
+                <a16:creationId xmlns:a16="http://schemas.microsoft.com/office/drawing/2014/main" id="{53E6E315-C78E-D26B-C07F-CEF1B45450C7}"/>
               </a:ext>
             </a:extLst>
           </p:cNvPr>
@@ -3729,8 +3740,8 @@
         </p:blipFill>
         <p:spPr>
           <a:xfrm>
-            <a:off x="193806" y="546127"/>
-            <a:ext cx="6201640" cy="5506218"/>
+            <a:off x="0" y="775917"/>
+            <a:ext cx="6916115" cy="3143689"/>
           </a:xfrm>
           <a:prstGeom prst="rect">
             <a:avLst/>
@@ -3742,7 +3753,7 @@
           <p:cNvPr id="5" name="그림 4">
             <a:extLst>
               <a:ext uri="{FF2B5EF4-FFF2-40B4-BE49-F238E27FC236}">
-                <a16:creationId xmlns:a16="http://schemas.microsoft.com/office/drawing/2014/main" id="{DAFA7A43-71A2-021F-39A0-ABF76A729217}"/>
+                <a16:creationId xmlns:a16="http://schemas.microsoft.com/office/drawing/2014/main" id="{5E1F996B-0F73-09DF-EF98-77FF89F1E5FC}"/>
               </a:ext>
             </a:extLst>
           </p:cNvPr>
@@ -3759,18 +3770,68 @@
         </p:blipFill>
         <p:spPr>
           <a:xfrm>
-            <a:off x="6724339" y="546127"/>
-            <a:ext cx="4458322" cy="2753109"/>
+            <a:off x="6096000" y="1944169"/>
+            <a:ext cx="5249066" cy="4913831"/>
           </a:xfrm>
           <a:prstGeom prst="rect">
             <a:avLst/>
           </a:prstGeom>
         </p:spPr>
       </p:pic>
+      <p:sp>
+        <p:nvSpPr>
+          <p:cNvPr id="2" name="직사각형 1">
+            <a:extLst>
+              <a:ext uri="{FF2B5EF4-FFF2-40B4-BE49-F238E27FC236}">
+                <a16:creationId xmlns:a16="http://schemas.microsoft.com/office/drawing/2014/main" id="{A29FD8D0-552F-0C1A-117B-D33F246D36C0}"/>
+              </a:ext>
+            </a:extLst>
+          </p:cNvPr>
+          <p:cNvSpPr/>
+          <p:nvPr/>
+        </p:nvSpPr>
+        <p:spPr>
+          <a:xfrm>
+            <a:off x="673768" y="1847917"/>
+            <a:ext cx="4457700" cy="1478815"/>
+          </a:xfrm>
+          <a:prstGeom prst="rect">
+            <a:avLst/>
+          </a:prstGeom>
+          <a:noFill/>
+          <a:ln w="25400">
+            <a:solidFill>
+              <a:srgbClr val="FF0000"/>
+            </a:solidFill>
+          </a:ln>
+        </p:spPr>
+        <p:style>
+          <a:lnRef idx="2">
+            <a:schemeClr val="accent2"/>
+          </a:lnRef>
+          <a:fillRef idx="1">
+            <a:schemeClr val="lt1"/>
+          </a:fillRef>
+          <a:effectRef idx="0">
+            <a:schemeClr val="accent2"/>
+          </a:effectRef>
+          <a:fontRef idx="minor">
+            <a:schemeClr val="dk1"/>
+          </a:fontRef>
+        </p:style>
+        <p:txBody>
+          <a:bodyPr rtlCol="0" anchor="ctr"/>
+          <a:lstStyle/>
+          <a:p>
+            <a:pPr algn="ctr"/>
+            <a:endParaRPr lang="ko-KR" altLang="en-US"/>
+          </a:p>
+        </p:txBody>
+      </p:sp>
     </p:spTree>
     <p:extLst>
       <p:ext uri="{BB962C8B-B14F-4D97-AF65-F5344CB8AC3E}">
-        <p14:creationId xmlns:p14="http://schemas.microsoft.com/office/powerpoint/2010/main" val="190760163"/>
+        <p14:creationId xmlns:p14="http://schemas.microsoft.com/office/powerpoint/2010/main" val="2049900606"/>
       </p:ext>
     </p:extLst>
   </p:cSld>
@@ -3825,19 +3886,22 @@
           <a:p>
             <a:pPr algn="l"/>
             <a:r>
-              <a:rPr lang="en-US" altLang="ko-KR" dirty="0"/>
-              <a:t> </a:t>
-            </a:r>
-            <a:endParaRPr lang="ko-KR" altLang="en-US" dirty="0"/>
+              <a:rPr lang="ko-KR" altLang="en-US" dirty="0" err="1"/>
+              <a:t>리덕스</a:t>
+            </a:r>
+            <a:r>
+              <a:rPr lang="ko-KR" altLang="en-US" dirty="0"/>
+              <a:t> 슬라이스</a:t>
+            </a:r>
           </a:p>
         </p:txBody>
       </p:sp>
       <p:pic>
         <p:nvPicPr>
-          <p:cNvPr id="4" name="그림 3">
-            <a:extLst>
-              <a:ext uri="{FF2B5EF4-FFF2-40B4-BE49-F238E27FC236}">
-                <a16:creationId xmlns:a16="http://schemas.microsoft.com/office/drawing/2014/main" id="{6BE7752A-C45A-A719-E43C-67E68777CDF2}"/>
+          <p:cNvPr id="9" name="그림 8">
+            <a:extLst>
+              <a:ext uri="{FF2B5EF4-FFF2-40B4-BE49-F238E27FC236}">
+                <a16:creationId xmlns:a16="http://schemas.microsoft.com/office/drawing/2014/main" id="{32387E6C-DE06-386F-BA14-82AC0160AED3}"/>
               </a:ext>
             </a:extLst>
           </p:cNvPr>
@@ -3854,8 +3918,38 @@
         </p:blipFill>
         <p:spPr>
           <a:xfrm>
-            <a:off x="0" y="0"/>
-            <a:ext cx="8895991" cy="6858000"/>
+            <a:off x="193806" y="546127"/>
+            <a:ext cx="6201640" cy="5506218"/>
+          </a:xfrm>
+          <a:prstGeom prst="rect">
+            <a:avLst/>
+          </a:prstGeom>
+        </p:spPr>
+      </p:pic>
+      <p:pic>
+        <p:nvPicPr>
+          <p:cNvPr id="5" name="그림 4">
+            <a:extLst>
+              <a:ext uri="{FF2B5EF4-FFF2-40B4-BE49-F238E27FC236}">
+                <a16:creationId xmlns:a16="http://schemas.microsoft.com/office/drawing/2014/main" id="{DAFA7A43-71A2-021F-39A0-ABF76A729217}"/>
+              </a:ext>
+            </a:extLst>
+          </p:cNvPr>
+          <p:cNvPicPr>
+            <a:picLocks noChangeAspect="1"/>
+          </p:cNvPicPr>
+          <p:nvPr/>
+        </p:nvPicPr>
+        <p:blipFill>
+          <a:blip r:embed="rId3"/>
+          <a:stretch>
+            <a:fillRect/>
+          </a:stretch>
+        </p:blipFill>
+        <p:spPr>
+          <a:xfrm>
+            <a:off x="6724339" y="546127"/>
+            <a:ext cx="4458322" cy="2753109"/>
           </a:xfrm>
           <a:prstGeom prst="rect">
             <a:avLst/>
@@ -3865,7 +3959,7 @@
     </p:spTree>
     <p:extLst>
       <p:ext uri="{BB962C8B-B14F-4D97-AF65-F5344CB8AC3E}">
-        <p14:creationId xmlns:p14="http://schemas.microsoft.com/office/powerpoint/2010/main" val="559258394"/>
+        <p14:creationId xmlns:p14="http://schemas.microsoft.com/office/powerpoint/2010/main" val="190760163"/>
       </p:ext>
     </p:extLst>
   </p:cSld>
@@ -3920,19 +4014,22 @@
           <a:p>
             <a:pPr algn="l"/>
             <a:r>
+              <a:rPr lang="ko-KR" altLang="en-US" dirty="0" err="1"/>
+              <a:t>리덕스</a:t>
+            </a:r>
+            <a:r>
               <a:rPr lang="ko-KR" altLang="en-US" dirty="0"/>
-              <a:t>카트 페이지</a:t>
-            </a:r>
-            <a:endParaRPr lang="en-US" altLang="ko-KR" dirty="0"/>
+              <a:t> 슬라이스</a:t>
+            </a:r>
           </a:p>
         </p:txBody>
       </p:sp>
       <p:pic>
         <p:nvPicPr>
-          <p:cNvPr id="10" name="그림 9">
-            <a:extLst>
-              <a:ext uri="{FF2B5EF4-FFF2-40B4-BE49-F238E27FC236}">
-                <a16:creationId xmlns:a16="http://schemas.microsoft.com/office/drawing/2014/main" id="{9A1621B2-E395-A4F8-208A-DEA9B2067B44}"/>
+          <p:cNvPr id="4" name="그림 3">
+            <a:extLst>
+              <a:ext uri="{FF2B5EF4-FFF2-40B4-BE49-F238E27FC236}">
+                <a16:creationId xmlns:a16="http://schemas.microsoft.com/office/drawing/2014/main" id="{26EED7CB-2C51-DD0F-E685-3E99936299D5}"/>
               </a:ext>
             </a:extLst>
           </p:cNvPr>
@@ -3949,18 +4046,105 @@
         </p:blipFill>
         <p:spPr>
           <a:xfrm>
-            <a:off x="429103" y="606933"/>
-            <a:ext cx="11117226" cy="5896798"/>
+            <a:off x="147501" y="534096"/>
+            <a:ext cx="5544324" cy="4382112"/>
           </a:xfrm>
           <a:prstGeom prst="rect">
             <a:avLst/>
           </a:prstGeom>
         </p:spPr>
       </p:pic>
+      <p:sp>
+        <p:nvSpPr>
+          <p:cNvPr id="6" name="TextBox 5">
+            <a:extLst>
+              <a:ext uri="{FF2B5EF4-FFF2-40B4-BE49-F238E27FC236}">
+                <a16:creationId xmlns:a16="http://schemas.microsoft.com/office/drawing/2014/main" id="{8C6C3421-4A54-C8C3-A055-D31C78D29B1F}"/>
+              </a:ext>
+            </a:extLst>
+          </p:cNvPr>
+          <p:cNvSpPr txBox="1"/>
+          <p:nvPr/>
+        </p:nvSpPr>
+        <p:spPr>
+          <a:xfrm>
+            <a:off x="1383632" y="5065295"/>
+            <a:ext cx="1750594" cy="369332"/>
+          </a:xfrm>
+          <a:prstGeom prst="rect">
+            <a:avLst/>
+          </a:prstGeom>
+          <a:noFill/>
+        </p:spPr>
+        <p:txBody>
+          <a:bodyPr wrap="square" rtlCol="0">
+            <a:spAutoFit/>
+          </a:bodyPr>
+          <a:lstStyle/>
+          <a:p>
+            <a:r>
+              <a:rPr lang="en-US" altLang="ko-KR" dirty="0"/>
+              <a:t>index.js</a:t>
+            </a:r>
+            <a:endParaRPr lang="ko-KR" altLang="en-US" dirty="0"/>
+          </a:p>
+        </p:txBody>
+      </p:sp>
+      <p:sp>
+        <p:nvSpPr>
+          <p:cNvPr id="5" name="TextBox 4">
+            <a:extLst>
+              <a:ext uri="{FF2B5EF4-FFF2-40B4-BE49-F238E27FC236}">
+                <a16:creationId xmlns:a16="http://schemas.microsoft.com/office/drawing/2014/main" id="{95682E83-6F19-7DA7-DE69-196C70733EC3}"/>
+              </a:ext>
+            </a:extLst>
+          </p:cNvPr>
+          <p:cNvSpPr txBox="1"/>
+          <p:nvPr/>
+        </p:nvSpPr>
+        <p:spPr>
+          <a:xfrm>
+            <a:off x="6021977" y="534096"/>
+            <a:ext cx="4761412" cy="369332"/>
+          </a:xfrm>
+          <a:prstGeom prst="rect">
+            <a:avLst/>
+          </a:prstGeom>
+          <a:noFill/>
+        </p:spPr>
+        <p:txBody>
+          <a:bodyPr wrap="square" rtlCol="0">
+            <a:spAutoFit/>
+          </a:bodyPr>
+          <a:lstStyle/>
+          <a:p>
+            <a:r>
+              <a:rPr lang="ko-KR" altLang="en-US" dirty="0"/>
+              <a:t>검색으로 </a:t>
+            </a:r>
+            <a:r>
+              <a:rPr lang="en-US" altLang="ko-KR" dirty="0"/>
+              <a:t>injdex.js</a:t>
+            </a:r>
+            <a:r>
+              <a:rPr lang="ko-KR" altLang="en-US" dirty="0"/>
+              <a:t>에 </a:t>
+            </a:r>
+            <a:r>
+              <a:rPr lang="ko-KR" altLang="en-US" dirty="0" err="1"/>
+              <a:t>리덕스</a:t>
+            </a:r>
+            <a:r>
+              <a:rPr lang="ko-KR" altLang="en-US" dirty="0"/>
+              <a:t> 연결시키기</a:t>
+            </a:r>
+          </a:p>
+        </p:txBody>
+      </p:sp>
     </p:spTree>
     <p:extLst>
       <p:ext uri="{BB962C8B-B14F-4D97-AF65-F5344CB8AC3E}">
-        <p14:creationId xmlns:p14="http://schemas.microsoft.com/office/powerpoint/2010/main" val="3394815445"/>
+        <p14:creationId xmlns:p14="http://schemas.microsoft.com/office/powerpoint/2010/main" val="472198059"/>
       </p:ext>
     </p:extLst>
   </p:cSld>
@@ -4015,30 +4199,19 @@
           <a:p>
             <a:pPr algn="l"/>
             <a:r>
-              <a:rPr lang="ko-KR" altLang="en-US" dirty="0"/>
-              <a:t>카트 페이지</a:t>
-            </a:r>
-            <a:endParaRPr lang="en-US" altLang="ko-KR" dirty="0"/>
-          </a:p>
-          <a:p>
-            <a:pPr algn="l"/>
-            <a:r>
-              <a:rPr lang="ko-KR" altLang="en-US" dirty="0" err="1"/>
-              <a:t>리덕스의</a:t>
-            </a:r>
-            <a:r>
-              <a:rPr lang="ko-KR" altLang="en-US" dirty="0"/>
-              <a:t> 값을 가져온다</a:t>
-            </a:r>
+              <a:rPr lang="en-US" altLang="ko-KR" dirty="0"/>
+              <a:t> </a:t>
+            </a:r>
+            <a:endParaRPr lang="ko-KR" altLang="en-US" dirty="0"/>
           </a:p>
         </p:txBody>
       </p:sp>
       <p:pic>
         <p:nvPicPr>
-          <p:cNvPr id="8" name="그림 7">
-            <a:extLst>
-              <a:ext uri="{FF2B5EF4-FFF2-40B4-BE49-F238E27FC236}">
-                <a16:creationId xmlns:a16="http://schemas.microsoft.com/office/drawing/2014/main" id="{0D674E3D-005A-16E1-0809-75D414084F1B}"/>
+          <p:cNvPr id="4" name="그림 3">
+            <a:extLst>
+              <a:ext uri="{FF2B5EF4-FFF2-40B4-BE49-F238E27FC236}">
+                <a16:creationId xmlns:a16="http://schemas.microsoft.com/office/drawing/2014/main" id="{6BE7752A-C45A-A719-E43C-67E68777CDF2}"/>
               </a:ext>
             </a:extLst>
           </p:cNvPr>
@@ -4055,18 +4228,64 @@
         </p:blipFill>
         <p:spPr>
           <a:xfrm>
-            <a:off x="299165" y="1213666"/>
-            <a:ext cx="5325218" cy="4296375"/>
+            <a:off x="0" y="0"/>
+            <a:ext cx="8895991" cy="6858000"/>
           </a:xfrm>
           <a:prstGeom prst="rect">
             <a:avLst/>
           </a:prstGeom>
         </p:spPr>
       </p:pic>
+      <p:sp>
+        <p:nvSpPr>
+          <p:cNvPr id="2" name="TextBox 1">
+            <a:extLst>
+              <a:ext uri="{FF2B5EF4-FFF2-40B4-BE49-F238E27FC236}">
+                <a16:creationId xmlns:a16="http://schemas.microsoft.com/office/drawing/2014/main" id="{CB2B0233-590C-7429-3F86-BAF134E1DC8A}"/>
+              </a:ext>
+            </a:extLst>
+          </p:cNvPr>
+          <p:cNvSpPr txBox="1"/>
+          <p:nvPr/>
+        </p:nvSpPr>
+        <p:spPr>
+          <a:xfrm>
+            <a:off x="9235440" y="698863"/>
+            <a:ext cx="2599509" cy="923330"/>
+          </a:xfrm>
+          <a:prstGeom prst="rect">
+            <a:avLst/>
+          </a:prstGeom>
+          <a:noFill/>
+        </p:spPr>
+        <p:txBody>
+          <a:bodyPr wrap="square" rtlCol="0">
+            <a:spAutoFit/>
+          </a:bodyPr>
+          <a:lstStyle/>
+          <a:p>
+            <a:r>
+              <a:rPr lang="ko-KR" altLang="en-US" dirty="0" err="1"/>
+              <a:t>디스패처와</a:t>
+            </a:r>
+            <a:r>
+              <a:rPr lang="ko-KR" altLang="en-US" dirty="0"/>
+              <a:t> 핸들함수 추가</a:t>
+            </a:r>
+            <a:endParaRPr lang="en-US" altLang="ko-KR" dirty="0"/>
+          </a:p>
+          <a:p>
+            <a:r>
+              <a:rPr lang="ko-KR" altLang="en-US" dirty="0"/>
+              <a:t>및 누락부분 작성</a:t>
+            </a:r>
+          </a:p>
+        </p:txBody>
+      </p:sp>
     </p:spTree>
     <p:extLst>
       <p:ext uri="{BB962C8B-B14F-4D97-AF65-F5344CB8AC3E}">
-        <p14:creationId xmlns:p14="http://schemas.microsoft.com/office/powerpoint/2010/main" val="1202202371"/>
+        <p14:creationId xmlns:p14="http://schemas.microsoft.com/office/powerpoint/2010/main" val="559258394"/>
       </p:ext>
     </p:extLst>
   </p:cSld>
@@ -4122,22 +4341,18 @@
             <a:pPr algn="l"/>
             <a:r>
               <a:rPr lang="ko-KR" altLang="en-US" dirty="0"/>
-              <a:t>카트 페이지</a:t>
-            </a:r>
-            <a:endParaRPr lang="en-US" altLang="ko-KR" dirty="0"/>
-          </a:p>
-          <a:p>
-            <a:pPr algn="l"/>
+              <a:t>카트 페이지 추가하기</a:t>
+            </a:r>
             <a:endParaRPr lang="en-US" altLang="ko-KR" dirty="0"/>
           </a:p>
         </p:txBody>
       </p:sp>
       <p:pic>
         <p:nvPicPr>
-          <p:cNvPr id="4" name="그림 3">
-            <a:extLst>
-              <a:ext uri="{FF2B5EF4-FFF2-40B4-BE49-F238E27FC236}">
-                <a16:creationId xmlns:a16="http://schemas.microsoft.com/office/drawing/2014/main" id="{CA98D43E-DBCF-93CC-5C76-943C3BCD870F}"/>
+          <p:cNvPr id="10" name="그림 9">
+            <a:extLst>
+              <a:ext uri="{FF2B5EF4-FFF2-40B4-BE49-F238E27FC236}">
+                <a16:creationId xmlns:a16="http://schemas.microsoft.com/office/drawing/2014/main" id="{9A1621B2-E395-A4F8-208A-DEA9B2067B44}"/>
               </a:ext>
             </a:extLst>
           </p:cNvPr>
@@ -4154,38 +4369,8 @@
         </p:blipFill>
         <p:spPr>
           <a:xfrm>
-            <a:off x="330376" y="824825"/>
-            <a:ext cx="3458058" cy="1286054"/>
-          </a:xfrm>
-          <a:prstGeom prst="rect">
-            <a:avLst/>
-          </a:prstGeom>
-        </p:spPr>
-      </p:pic>
-      <p:pic>
-        <p:nvPicPr>
-          <p:cNvPr id="6" name="그림 5">
-            <a:extLst>
-              <a:ext uri="{FF2B5EF4-FFF2-40B4-BE49-F238E27FC236}">
-                <a16:creationId xmlns:a16="http://schemas.microsoft.com/office/drawing/2014/main" id="{CFBF2C47-1C91-6F10-003C-58189F4D427A}"/>
-              </a:ext>
-            </a:extLst>
-          </p:cNvPr>
-          <p:cNvPicPr>
-            <a:picLocks noChangeAspect="1"/>
-          </p:cNvPicPr>
-          <p:nvPr/>
-        </p:nvPicPr>
-        <p:blipFill>
-          <a:blip r:embed="rId3"/>
-          <a:stretch>
-            <a:fillRect/>
-          </a:stretch>
-        </p:blipFill>
-        <p:spPr>
-          <a:xfrm>
-            <a:off x="4028099" y="824825"/>
-            <a:ext cx="6782747" cy="5611008"/>
+            <a:off x="429103" y="606933"/>
+            <a:ext cx="11117226" cy="5896798"/>
           </a:xfrm>
           <a:prstGeom prst="rect">
             <a:avLst/>
@@ -4195,7 +4380,7 @@
     </p:spTree>
     <p:extLst>
       <p:ext uri="{BB962C8B-B14F-4D97-AF65-F5344CB8AC3E}">
-        <p14:creationId xmlns:p14="http://schemas.microsoft.com/office/powerpoint/2010/main" val="4261645853"/>
+        <p14:creationId xmlns:p14="http://schemas.microsoft.com/office/powerpoint/2010/main" val="3394815445"/>
       </p:ext>
     </p:extLst>
   </p:cSld>
@@ -4257,16 +4442,23 @@
           </a:p>
           <a:p>
             <a:pPr algn="l"/>
-            <a:endParaRPr lang="en-US" altLang="ko-KR" dirty="0"/>
+            <a:r>
+              <a:rPr lang="ko-KR" altLang="en-US" dirty="0" err="1"/>
+              <a:t>리덕스의</a:t>
+            </a:r>
+            <a:r>
+              <a:rPr lang="ko-KR" altLang="en-US" dirty="0"/>
+              <a:t> 값을 가져온다</a:t>
+            </a:r>
           </a:p>
         </p:txBody>
       </p:sp>
       <p:pic>
         <p:nvPicPr>
-          <p:cNvPr id="5" name="그림 4">
-            <a:extLst>
-              <a:ext uri="{FF2B5EF4-FFF2-40B4-BE49-F238E27FC236}">
-                <a16:creationId xmlns:a16="http://schemas.microsoft.com/office/drawing/2014/main" id="{3F6070D5-1195-0B2D-6422-FAF5D0039ABC}"/>
+          <p:cNvPr id="8" name="그림 7">
+            <a:extLst>
+              <a:ext uri="{FF2B5EF4-FFF2-40B4-BE49-F238E27FC236}">
+                <a16:creationId xmlns:a16="http://schemas.microsoft.com/office/drawing/2014/main" id="{0D674E3D-005A-16E1-0809-75D414084F1B}"/>
               </a:ext>
             </a:extLst>
           </p:cNvPr>
@@ -4283,18 +4475,69 @@
         </p:blipFill>
         <p:spPr>
           <a:xfrm>
-            <a:off x="1757523" y="0"/>
-            <a:ext cx="2961953" cy="6858000"/>
+            <a:off x="299165" y="1213666"/>
+            <a:ext cx="5325218" cy="4296375"/>
           </a:xfrm>
           <a:prstGeom prst="rect">
             <a:avLst/>
           </a:prstGeom>
         </p:spPr>
       </p:pic>
+      <p:sp>
+        <p:nvSpPr>
+          <p:cNvPr id="2" name="TextBox 1">
+            <a:extLst>
+              <a:ext uri="{FF2B5EF4-FFF2-40B4-BE49-F238E27FC236}">
+                <a16:creationId xmlns:a16="http://schemas.microsoft.com/office/drawing/2014/main" id="{0F16735A-82FF-11F3-1F88-38E8BFB5985B}"/>
+              </a:ext>
+            </a:extLst>
+          </p:cNvPr>
+          <p:cNvSpPr txBox="1"/>
+          <p:nvPr/>
+        </p:nvSpPr>
+        <p:spPr>
+          <a:xfrm>
+            <a:off x="6230983" y="1456509"/>
+            <a:ext cx="5799908" cy="369332"/>
+          </a:xfrm>
+          <a:prstGeom prst="rect">
+            <a:avLst/>
+          </a:prstGeom>
+          <a:noFill/>
+        </p:spPr>
+        <p:txBody>
+          <a:bodyPr wrap="square" rtlCol="0">
+            <a:spAutoFit/>
+          </a:bodyPr>
+          <a:lstStyle/>
+          <a:p>
+            <a:r>
+              <a:rPr lang="en-US" altLang="ko-KR" dirty="0"/>
+              <a:t>1. </a:t>
+            </a:r>
+            <a:r>
+              <a:rPr lang="en-US" altLang="ko-KR" dirty="0" err="1"/>
+              <a:t>useSelector</a:t>
+            </a:r>
+            <a:r>
+              <a:rPr lang="ko-KR" altLang="en-US" dirty="0"/>
+              <a:t>로 슬라이스 전체를 </a:t>
+            </a:r>
+            <a:r>
+              <a:rPr lang="en-US" altLang="ko-KR" dirty="0"/>
+              <a:t>state</a:t>
+            </a:r>
+            <a:r>
+              <a:rPr lang="ko-KR" altLang="en-US" dirty="0"/>
+              <a:t>로 가져온다 </a:t>
+            </a:r>
+          </a:p>
+        </p:txBody>
+      </p:sp>
     </p:spTree>
     <p:extLst>
       <p:ext uri="{BB962C8B-B14F-4D97-AF65-F5344CB8AC3E}">
-        <p14:creationId xmlns:p14="http://schemas.microsoft.com/office/powerpoint/2010/main" val="3797363164"/>
+        <p14:creationId xmlns:p14="http://schemas.microsoft.com/office/powerpoint/2010/main" val="1202202371"/>
       </p:ext>
     </p:extLst>
   </p:cSld>
@@ -4350,7 +4593,7 @@
             <a:pPr algn="l"/>
             <a:r>
               <a:rPr lang="ko-KR" altLang="en-US" dirty="0"/>
-              <a:t>카트 타일 컴포넌트</a:t>
+              <a:t>카트 페이지</a:t>
             </a:r>
             <a:endParaRPr lang="en-US" altLang="ko-KR" dirty="0"/>
           </a:p>
@@ -4362,10 +4605,10 @@
       </p:sp>
       <p:pic>
         <p:nvPicPr>
-          <p:cNvPr id="4" name="그림 3">
-            <a:extLst>
-              <a:ext uri="{FF2B5EF4-FFF2-40B4-BE49-F238E27FC236}">
-                <a16:creationId xmlns:a16="http://schemas.microsoft.com/office/drawing/2014/main" id="{90B80273-191F-3D25-73A7-C0ED61D48B33}"/>
+          <p:cNvPr id="6" name="그림 5">
+            <a:extLst>
+              <a:ext uri="{FF2B5EF4-FFF2-40B4-BE49-F238E27FC236}">
+                <a16:creationId xmlns:a16="http://schemas.microsoft.com/office/drawing/2014/main" id="{CFBF2C47-1C91-6F10-003C-58189F4D427A}"/>
               </a:ext>
             </a:extLst>
           </p:cNvPr>
@@ -4382,18 +4625,100 @@
         </p:blipFill>
         <p:spPr>
           <a:xfrm>
-            <a:off x="85223" y="421376"/>
-            <a:ext cx="6923171" cy="6262165"/>
+            <a:off x="0" y="1246992"/>
+            <a:ext cx="6782747" cy="5611008"/>
           </a:xfrm>
           <a:prstGeom prst="rect">
             <a:avLst/>
           </a:prstGeom>
         </p:spPr>
       </p:pic>
+      <p:pic>
+        <p:nvPicPr>
+          <p:cNvPr id="4" name="그림 3">
+            <a:extLst>
+              <a:ext uri="{FF2B5EF4-FFF2-40B4-BE49-F238E27FC236}">
+                <a16:creationId xmlns:a16="http://schemas.microsoft.com/office/drawing/2014/main" id="{CA98D43E-DBCF-93CC-5C76-943C3BCD870F}"/>
+              </a:ext>
+            </a:extLst>
+          </p:cNvPr>
+          <p:cNvPicPr>
+            <a:picLocks noChangeAspect="1"/>
+          </p:cNvPicPr>
+          <p:nvPr/>
+        </p:nvPicPr>
+        <p:blipFill>
+          <a:blip r:embed="rId3"/>
+          <a:stretch>
+            <a:fillRect/>
+          </a:stretch>
+        </p:blipFill>
+        <p:spPr>
+          <a:xfrm>
+            <a:off x="2008953" y="0"/>
+            <a:ext cx="3177001" cy="1181529"/>
+          </a:xfrm>
+          <a:prstGeom prst="rect">
+            <a:avLst/>
+          </a:prstGeom>
+        </p:spPr>
+      </p:pic>
+      <p:sp>
+        <p:nvSpPr>
+          <p:cNvPr id="2" name="TextBox 1">
+            <a:extLst>
+              <a:ext uri="{FF2B5EF4-FFF2-40B4-BE49-F238E27FC236}">
+                <a16:creationId xmlns:a16="http://schemas.microsoft.com/office/drawing/2014/main" id="{A92DB447-A954-5EED-73C5-757081C2FC97}"/>
+              </a:ext>
+            </a:extLst>
+          </p:cNvPr>
+          <p:cNvSpPr txBox="1"/>
+          <p:nvPr/>
+        </p:nvSpPr>
+        <p:spPr>
+          <a:xfrm>
+            <a:off x="7093132" y="1358027"/>
+            <a:ext cx="4565468" cy="646331"/>
+          </a:xfrm>
+          <a:prstGeom prst="rect">
+            <a:avLst/>
+          </a:prstGeom>
+          <a:noFill/>
+        </p:spPr>
+        <p:txBody>
+          <a:bodyPr wrap="square" rtlCol="0">
+            <a:spAutoFit/>
+          </a:bodyPr>
+          <a:lstStyle/>
+          <a:p>
+            <a:pPr marL="342900" indent="-342900">
+              <a:buAutoNum type="arabicPeriod"/>
+            </a:pPr>
+            <a:r>
+              <a:rPr lang="ko-KR" altLang="en-US" dirty="0" err="1"/>
+              <a:t>카트타일</a:t>
+            </a:r>
+            <a:r>
+              <a:rPr lang="ko-KR" altLang="en-US" dirty="0"/>
+              <a:t> 컴포넌트 생성</a:t>
+            </a:r>
+            <a:endParaRPr lang="en-US" altLang="ko-KR" dirty="0"/>
+          </a:p>
+          <a:p>
+            <a:pPr marL="342900" indent="-342900">
+              <a:buAutoNum type="arabicPeriod"/>
+            </a:pPr>
+            <a:r>
+              <a:rPr lang="ko-KR" altLang="en-US" dirty="0"/>
+              <a:t>그냥 같이 작성</a:t>
+            </a:r>
+          </a:p>
+        </p:txBody>
+      </p:sp>
     </p:spTree>
     <p:extLst>
       <p:ext uri="{BB962C8B-B14F-4D97-AF65-F5344CB8AC3E}">
-        <p14:creationId xmlns:p14="http://schemas.microsoft.com/office/powerpoint/2010/main" val="2004848385"/>
+        <p14:creationId xmlns:p14="http://schemas.microsoft.com/office/powerpoint/2010/main" val="4261645853"/>
       </p:ext>
     </p:extLst>
   </p:cSld>
@@ -4449,7 +4774,7 @@
             <a:pPr algn="l"/>
             <a:r>
               <a:rPr lang="ko-KR" altLang="en-US" dirty="0"/>
-              <a:t>카트 타일 컴포넌트</a:t>
+              <a:t>카트 페이지</a:t>
             </a:r>
             <a:endParaRPr lang="en-US" altLang="ko-KR" dirty="0"/>
           </a:p>
@@ -4464,7 +4789,7 @@
           <p:cNvPr id="5" name="그림 4">
             <a:extLst>
               <a:ext uri="{FF2B5EF4-FFF2-40B4-BE49-F238E27FC236}">
-                <a16:creationId xmlns:a16="http://schemas.microsoft.com/office/drawing/2014/main" id="{573E7671-E4B6-9C80-E3F0-CF21B7747F85}"/>
+                <a16:creationId xmlns:a16="http://schemas.microsoft.com/office/drawing/2014/main" id="{3F6070D5-1195-0B2D-6422-FAF5D0039ABC}"/>
               </a:ext>
             </a:extLst>
           </p:cNvPr>
@@ -4481,68 +4806,8 @@
         </p:blipFill>
         <p:spPr>
           <a:xfrm>
-            <a:off x="0" y="465833"/>
-            <a:ext cx="5001323" cy="6392167"/>
-          </a:xfrm>
-          <a:prstGeom prst="rect">
-            <a:avLst/>
-          </a:prstGeom>
-        </p:spPr>
-      </p:pic>
-      <p:pic>
-        <p:nvPicPr>
-          <p:cNvPr id="8" name="그림 7">
-            <a:extLst>
-              <a:ext uri="{FF2B5EF4-FFF2-40B4-BE49-F238E27FC236}">
-                <a16:creationId xmlns:a16="http://schemas.microsoft.com/office/drawing/2014/main" id="{91732F83-D55F-5D7F-60D5-03B878104F94}"/>
-              </a:ext>
-            </a:extLst>
-          </p:cNvPr>
-          <p:cNvPicPr>
-            <a:picLocks noChangeAspect="1"/>
-          </p:cNvPicPr>
-          <p:nvPr/>
-        </p:nvPicPr>
-        <p:blipFill>
-          <a:blip r:embed="rId3"/>
-          <a:stretch>
-            <a:fillRect/>
-          </a:stretch>
-        </p:blipFill>
-        <p:spPr>
-          <a:xfrm>
-            <a:off x="5070571" y="0"/>
-            <a:ext cx="5296639" cy="6382641"/>
-          </a:xfrm>
-          <a:prstGeom prst="rect">
-            <a:avLst/>
-          </a:prstGeom>
-        </p:spPr>
-      </p:pic>
-      <p:pic>
-        <p:nvPicPr>
-          <p:cNvPr id="10" name="그림 9">
-            <a:extLst>
-              <a:ext uri="{FF2B5EF4-FFF2-40B4-BE49-F238E27FC236}">
-                <a16:creationId xmlns:a16="http://schemas.microsoft.com/office/drawing/2014/main" id="{53C62C7D-48C6-E621-5C78-9FAA6CA60D2E}"/>
-              </a:ext>
-            </a:extLst>
-          </p:cNvPr>
-          <p:cNvPicPr>
-            <a:picLocks noChangeAspect="1"/>
-          </p:cNvPicPr>
-          <p:nvPr/>
-        </p:nvPicPr>
-        <p:blipFill>
-          <a:blip r:embed="rId4"/>
-          <a:stretch>
-            <a:fillRect/>
-          </a:stretch>
-        </p:blipFill>
-        <p:spPr>
-          <a:xfrm>
-            <a:off x="8392786" y="5638630"/>
-            <a:ext cx="3467584" cy="1219370"/>
+            <a:off x="1757523" y="0"/>
+            <a:ext cx="2961953" cy="6858000"/>
           </a:xfrm>
           <a:prstGeom prst="rect">
             <a:avLst/>
@@ -4552,7 +4817,7 @@
     </p:spTree>
     <p:extLst>
       <p:ext uri="{BB962C8B-B14F-4D97-AF65-F5344CB8AC3E}">
-        <p14:creationId xmlns:p14="http://schemas.microsoft.com/office/powerpoint/2010/main" val="1147454389"/>
+        <p14:creationId xmlns:p14="http://schemas.microsoft.com/office/powerpoint/2010/main" val="3797363164"/>
       </p:ext>
     </p:extLst>
   </p:cSld>
@@ -4608,7 +4873,7 @@
             <a:pPr algn="l"/>
             <a:r>
               <a:rPr lang="ko-KR" altLang="en-US" dirty="0"/>
-              <a:t>카트 페이지</a:t>
+              <a:t>카트 타일 컴포넌트</a:t>
             </a:r>
             <a:endParaRPr lang="en-US" altLang="ko-KR" dirty="0"/>
           </a:p>
@@ -4623,7 +4888,7 @@
           <p:cNvPr id="4" name="그림 3">
             <a:extLst>
               <a:ext uri="{FF2B5EF4-FFF2-40B4-BE49-F238E27FC236}">
-                <a16:creationId xmlns:a16="http://schemas.microsoft.com/office/drawing/2014/main" id="{1A19338A-E030-8177-D4B0-E1AB853E66C5}"/>
+                <a16:creationId xmlns:a16="http://schemas.microsoft.com/office/drawing/2014/main" id="{90B80273-191F-3D25-73A7-C0ED61D48B33}"/>
               </a:ext>
             </a:extLst>
           </p:cNvPr>
@@ -4640,48 +4905,124 @@
         </p:blipFill>
         <p:spPr>
           <a:xfrm>
-            <a:off x="88364" y="880539"/>
-            <a:ext cx="5277587" cy="3905795"/>
+            <a:off x="85223" y="421376"/>
+            <a:ext cx="6923171" cy="6262165"/>
           </a:xfrm>
           <a:prstGeom prst="rect">
             <a:avLst/>
           </a:prstGeom>
         </p:spPr>
       </p:pic>
-      <p:pic>
-        <p:nvPicPr>
-          <p:cNvPr id="7" name="그림 6">
-            <a:extLst>
-              <a:ext uri="{FF2B5EF4-FFF2-40B4-BE49-F238E27FC236}">
-                <a16:creationId xmlns:a16="http://schemas.microsoft.com/office/drawing/2014/main" id="{B26DF4DA-9AC4-C0E6-C697-8E7A7C083D6E}"/>
-              </a:ext>
-            </a:extLst>
-          </p:cNvPr>
-          <p:cNvPicPr>
-            <a:picLocks noChangeAspect="1"/>
-          </p:cNvPicPr>
+      <p:sp>
+        <p:nvSpPr>
+          <p:cNvPr id="2" name="TextBox 1">
+            <a:extLst>
+              <a:ext uri="{FF2B5EF4-FFF2-40B4-BE49-F238E27FC236}">
+                <a16:creationId xmlns:a16="http://schemas.microsoft.com/office/drawing/2014/main" id="{EE4294ED-658F-C145-F7C1-B3D1928A53E5}"/>
+              </a:ext>
+            </a:extLst>
+          </p:cNvPr>
+          <p:cNvSpPr txBox="1"/>
           <p:nvPr/>
-        </p:nvPicPr>
-        <p:blipFill>
-          <a:blip r:embed="rId3"/>
-          <a:stretch>
-            <a:fillRect/>
-          </a:stretch>
-        </p:blipFill>
-        <p:spPr>
-          <a:xfrm>
-            <a:off x="5454315" y="0"/>
-            <a:ext cx="5739371" cy="6858000"/>
+        </p:nvSpPr>
+        <p:spPr>
+          <a:xfrm>
+            <a:off x="7400109" y="483326"/>
+            <a:ext cx="4706668" cy="1754326"/>
           </a:xfrm>
           <a:prstGeom prst="rect">
             <a:avLst/>
           </a:prstGeom>
-        </p:spPr>
-      </p:pic>
+          <a:noFill/>
+        </p:spPr>
+        <p:txBody>
+          <a:bodyPr wrap="square" rtlCol="0">
+            <a:spAutoFit/>
+          </a:bodyPr>
+          <a:lstStyle/>
+          <a:p>
+            <a:pPr marL="342900" indent="-342900">
+              <a:buFontTx/>
+              <a:buAutoNum type="arabicPeriod"/>
+            </a:pPr>
+            <a:r>
+              <a:rPr lang="en-US" altLang="ko-KR" dirty="0"/>
+              <a:t>return </a:t>
+            </a:r>
+            <a:r>
+              <a:rPr lang="ko-KR" altLang="en-US" dirty="0"/>
+              <a:t>부분은 같이 작성</a:t>
+            </a:r>
+            <a:endParaRPr lang="en-US" altLang="ko-KR" dirty="0"/>
+          </a:p>
+          <a:p>
+            <a:pPr marL="342900" indent="-342900">
+              <a:buAutoNum type="arabicPeriod"/>
+            </a:pPr>
+            <a:endParaRPr lang="en-US" altLang="ko-KR" dirty="0"/>
+          </a:p>
+          <a:p>
+            <a:pPr marL="342900" indent="-342900">
+              <a:buAutoNum type="arabicPeriod"/>
+            </a:pPr>
+            <a:r>
+              <a:rPr lang="ko-KR" altLang="en-US" dirty="0" err="1"/>
+              <a:t>디스패처로</a:t>
+            </a:r>
+            <a:r>
+              <a:rPr lang="ko-KR" altLang="en-US" dirty="0"/>
+              <a:t> </a:t>
+            </a:r>
+            <a:r>
+              <a:rPr lang="en-US" altLang="ko-KR" dirty="0" err="1"/>
+              <a:t>removeFromCart</a:t>
+            </a:r>
+            <a:r>
+              <a:rPr lang="en-US" altLang="ko-KR" dirty="0"/>
+              <a:t> </a:t>
+            </a:r>
+            <a:r>
+              <a:rPr lang="ko-KR" altLang="en-US" dirty="0" err="1"/>
+              <a:t>사용시키기</a:t>
+            </a:r>
+            <a:r>
+              <a:rPr lang="ko-KR" altLang="en-US" dirty="0"/>
+              <a:t> </a:t>
+            </a:r>
+            <a:r>
+              <a:rPr lang="en-US" altLang="ko-KR" dirty="0"/>
+              <a:t>=&gt; </a:t>
+            </a:r>
+            <a:r>
+              <a:rPr lang="ko-KR" altLang="en-US" dirty="0" err="1"/>
+              <a:t>카트아이템의</a:t>
+            </a:r>
+            <a:r>
+              <a:rPr lang="ko-KR" altLang="en-US" dirty="0"/>
+              <a:t> </a:t>
+            </a:r>
+            <a:r>
+              <a:rPr lang="en-US" altLang="ko-KR" dirty="0"/>
+              <a:t>ID</a:t>
+            </a:r>
+            <a:r>
+              <a:rPr lang="ko-KR" altLang="en-US" dirty="0"/>
+              <a:t>를 사용할 것이라고 알려주기</a:t>
+            </a:r>
+            <a:endParaRPr lang="en-US" altLang="ko-KR" dirty="0"/>
+          </a:p>
+          <a:p>
+            <a:pPr marL="342900" indent="-342900">
+              <a:buAutoNum type="arabicPeriod"/>
+            </a:pPr>
+            <a:endParaRPr lang="en-US" altLang="ko-KR" dirty="0"/>
+          </a:p>
+        </p:txBody>
+      </p:sp>
     </p:spTree>
     <p:extLst>
       <p:ext uri="{BB962C8B-B14F-4D97-AF65-F5344CB8AC3E}">
-        <p14:creationId xmlns:p14="http://schemas.microsoft.com/office/powerpoint/2010/main" val="2343168766"/>
+        <p14:creationId xmlns:p14="http://schemas.microsoft.com/office/powerpoint/2010/main" val="2004848385"/>
       </p:ext>
     </p:extLst>
   </p:cSld>
@@ -4737,7 +5078,7 @@
             <a:pPr algn="l"/>
             <a:r>
               <a:rPr lang="ko-KR" altLang="en-US" dirty="0"/>
-              <a:t>카트 페이지</a:t>
+              <a:t>카트 타일 컴포넌트</a:t>
             </a:r>
             <a:endParaRPr lang="en-US" altLang="ko-KR" dirty="0"/>
           </a:p>
@@ -4749,10 +5090,10 @@
       </p:sp>
       <p:pic>
         <p:nvPicPr>
-          <p:cNvPr id="8" name="그림 7">
-            <a:extLst>
-              <a:ext uri="{FF2B5EF4-FFF2-40B4-BE49-F238E27FC236}">
-                <a16:creationId xmlns:a16="http://schemas.microsoft.com/office/drawing/2014/main" id="{F4400C37-61A1-FFB4-5C16-10807DDD057C}"/>
+          <p:cNvPr id="5" name="그림 4">
+            <a:extLst>
+              <a:ext uri="{FF2B5EF4-FFF2-40B4-BE49-F238E27FC236}">
+                <a16:creationId xmlns:a16="http://schemas.microsoft.com/office/drawing/2014/main" id="{573E7671-E4B6-9C80-E3F0-CF21B7747F85}"/>
               </a:ext>
             </a:extLst>
           </p:cNvPr>
@@ -4769,8 +5110,68 @@
         </p:blipFill>
         <p:spPr>
           <a:xfrm>
-            <a:off x="135765" y="682018"/>
-            <a:ext cx="4906060" cy="4563112"/>
+            <a:off x="0" y="465833"/>
+            <a:ext cx="5001323" cy="6392167"/>
+          </a:xfrm>
+          <a:prstGeom prst="rect">
+            <a:avLst/>
+          </a:prstGeom>
+        </p:spPr>
+      </p:pic>
+      <p:pic>
+        <p:nvPicPr>
+          <p:cNvPr id="8" name="그림 7">
+            <a:extLst>
+              <a:ext uri="{FF2B5EF4-FFF2-40B4-BE49-F238E27FC236}">
+                <a16:creationId xmlns:a16="http://schemas.microsoft.com/office/drawing/2014/main" id="{91732F83-D55F-5D7F-60D5-03B878104F94}"/>
+              </a:ext>
+            </a:extLst>
+          </p:cNvPr>
+          <p:cNvPicPr>
+            <a:picLocks noChangeAspect="1"/>
+          </p:cNvPicPr>
+          <p:nvPr/>
+        </p:nvPicPr>
+        <p:blipFill>
+          <a:blip r:embed="rId3"/>
+          <a:stretch>
+            <a:fillRect/>
+          </a:stretch>
+        </p:blipFill>
+        <p:spPr>
+          <a:xfrm>
+            <a:off x="5070571" y="0"/>
+            <a:ext cx="5296639" cy="6382641"/>
+          </a:xfrm>
+          <a:prstGeom prst="rect">
+            <a:avLst/>
+          </a:prstGeom>
+        </p:spPr>
+      </p:pic>
+      <p:pic>
+        <p:nvPicPr>
+          <p:cNvPr id="10" name="그림 9">
+            <a:extLst>
+              <a:ext uri="{FF2B5EF4-FFF2-40B4-BE49-F238E27FC236}">
+                <a16:creationId xmlns:a16="http://schemas.microsoft.com/office/drawing/2014/main" id="{53C62C7D-48C6-E621-5C78-9FAA6CA60D2E}"/>
+              </a:ext>
+            </a:extLst>
+          </p:cNvPr>
+          <p:cNvPicPr>
+            <a:picLocks noChangeAspect="1"/>
+          </p:cNvPicPr>
+          <p:nvPr/>
+        </p:nvPicPr>
+        <p:blipFill>
+          <a:blip r:embed="rId4"/>
+          <a:stretch>
+            <a:fillRect/>
+          </a:stretch>
+        </p:blipFill>
+        <p:spPr>
+          <a:xfrm>
+            <a:off x="8392786" y="5638630"/>
+            <a:ext cx="3467584" cy="1219370"/>
           </a:xfrm>
           <a:prstGeom prst="rect">
             <a:avLst/>
@@ -4780,7 +5181,7 @@
     </p:spTree>
     <p:extLst>
       <p:ext uri="{BB962C8B-B14F-4D97-AF65-F5344CB8AC3E}">
-        <p14:creationId xmlns:p14="http://schemas.microsoft.com/office/powerpoint/2010/main" val="4140079727"/>
+        <p14:creationId xmlns:p14="http://schemas.microsoft.com/office/powerpoint/2010/main" val="1147454389"/>
       </p:ext>
     </p:extLst>
   </p:cSld>
@@ -4846,6 +5247,109 @@
           </a:p>
           <a:p>
             <a:pPr algn="l"/>
+            <a:endParaRPr lang="en-US" altLang="ko-KR" dirty="0"/>
+          </a:p>
+          <a:p>
+            <a:pPr marL="457200" indent="-457200" algn="l">
+              <a:buAutoNum type="arabicPeriod"/>
+            </a:pPr>
+            <a:r>
+              <a:rPr lang="ko-KR" altLang="en-US" dirty="0"/>
+              <a:t>각 파일 만들고 컴포넌트 만들어 연결시키게 하기</a:t>
+            </a:r>
+            <a:endParaRPr lang="en-US" altLang="ko-KR" dirty="0"/>
+          </a:p>
+          <a:p>
+            <a:pPr marL="457200" indent="-457200" algn="l">
+              <a:buAutoNum type="arabicPeriod"/>
+            </a:pPr>
+            <a:r>
+              <a:rPr lang="en-US" altLang="ko-KR" dirty="0"/>
+              <a:t>index.js </a:t>
+            </a:r>
+            <a:r>
+              <a:rPr lang="ko-KR" altLang="en-US" dirty="0"/>
+              <a:t>에 </a:t>
+            </a:r>
+            <a:r>
+              <a:rPr lang="ko-KR" altLang="en-US" dirty="0" err="1"/>
+              <a:t>라우트</a:t>
+            </a:r>
+            <a:r>
+              <a:rPr lang="ko-KR" altLang="en-US" dirty="0"/>
+              <a:t> 추가시키기 </a:t>
+            </a:r>
+            <a:r>
+              <a:rPr lang="en-US" altLang="ko-KR" dirty="0"/>
+              <a:t>(</a:t>
+            </a:r>
+            <a:r>
+              <a:rPr lang="ko-KR" altLang="en-US" dirty="0"/>
+              <a:t>검색 또는 </a:t>
+            </a:r>
+            <a:r>
+              <a:rPr lang="en-US" altLang="ko-KR" dirty="0"/>
+              <a:t>AI </a:t>
+            </a:r>
+            <a:r>
+              <a:rPr lang="ko-KR" altLang="en-US" dirty="0"/>
+              <a:t>활용 권장</a:t>
+            </a:r>
+            <a:r>
+              <a:rPr lang="en-US" altLang="ko-KR" dirty="0"/>
+              <a:t>)</a:t>
+            </a:r>
+          </a:p>
+          <a:p>
+            <a:pPr marL="457200" indent="-457200" algn="l">
+              <a:buAutoNum type="arabicPeriod"/>
+            </a:pPr>
+            <a:r>
+              <a:rPr lang="en-US" altLang="ko-KR" dirty="0"/>
+              <a:t>Home</a:t>
+            </a:r>
+            <a:r>
+              <a:rPr lang="ko-KR" altLang="en-US" dirty="0"/>
+              <a:t>은 </a:t>
+            </a:r>
+            <a:r>
+              <a:rPr lang="en-US" altLang="ko-KR" dirty="0"/>
+              <a:t>/ </a:t>
+            </a:r>
+            <a:r>
+              <a:rPr lang="ko-KR" altLang="en-US" dirty="0"/>
+              <a:t>로</a:t>
+            </a:r>
+            <a:r>
+              <a:rPr lang="en-US" altLang="ko-KR" dirty="0"/>
+              <a:t>, Cart</a:t>
+            </a:r>
+            <a:r>
+              <a:rPr lang="ko-KR" altLang="en-US" dirty="0"/>
+              <a:t>는 </a:t>
+            </a:r>
+            <a:r>
+              <a:rPr lang="en-US" altLang="ko-KR" dirty="0"/>
+              <a:t>/cart </a:t>
+            </a:r>
+            <a:r>
+              <a:rPr lang="ko-KR" altLang="en-US" dirty="0"/>
+              <a:t>로 </a:t>
+            </a:r>
+            <a:r>
+              <a:rPr lang="ko-KR" altLang="en-US" dirty="0" err="1"/>
+              <a:t>라우트</a:t>
+            </a:r>
+            <a:r>
+              <a:rPr lang="ko-KR" altLang="en-US" dirty="0"/>
+              <a:t> 연결시키게 하기</a:t>
+            </a:r>
+            <a:endParaRPr lang="en-US" altLang="ko-KR" dirty="0"/>
+          </a:p>
+          <a:p>
+            <a:pPr marL="457200" indent="-457200" algn="l">
+              <a:buAutoNum type="arabicPeriod"/>
+            </a:pPr>
             <a:endParaRPr lang="ko-KR" altLang="en-US" dirty="0"/>
           </a:p>
         </p:txBody>
@@ -4872,7 +5376,7 @@
         </p:blipFill>
         <p:spPr>
           <a:xfrm>
-            <a:off x="568703" y="976422"/>
+            <a:off x="917619" y="585397"/>
             <a:ext cx="8112082" cy="394715"/>
           </a:xfrm>
           <a:prstGeom prst="rect">
@@ -4889,6 +5393,273 @@
     <p:extLst>
       <p:ext uri="{BB962C8B-B14F-4D97-AF65-F5344CB8AC3E}">
         <p14:creationId xmlns:p14="http://schemas.microsoft.com/office/powerpoint/2010/main" val="2206606328"/>
+      </p:ext>
+    </p:extLst>
+  </p:cSld>
+  <p:clrMapOvr>
+    <a:masterClrMapping/>
+  </p:clrMapOvr>
+</p:sld>
+</file>
+
+<file path=ppt/slides/slide20.xml><?xml version="1.0" encoding="utf-8"?>
+<p:sld xmlns:a="http://schemas.openxmlformats.org/drawingml/2006/main" xmlns:r="http://schemas.openxmlformats.org/officeDocument/2006/relationships" xmlns:p="http://schemas.openxmlformats.org/presentationml/2006/main">
+  <p:cSld>
+    <p:spTree>
+      <p:nvGrpSpPr>
+        <p:cNvPr id="1" name=""/>
+        <p:cNvGrpSpPr/>
+        <p:nvPr/>
+      </p:nvGrpSpPr>
+      <p:grpSpPr>
+        <a:xfrm>
+          <a:off x="0" y="0"/>
+          <a:ext cx="0" cy="0"/>
+          <a:chOff x="0" y="0"/>
+          <a:chExt cx="0" cy="0"/>
+        </a:xfrm>
+      </p:grpSpPr>
+      <p:sp>
+        <p:nvSpPr>
+          <p:cNvPr id="3" name="부제목 2">
+            <a:extLst>
+              <a:ext uri="{FF2B5EF4-FFF2-40B4-BE49-F238E27FC236}">
+                <a16:creationId xmlns:a16="http://schemas.microsoft.com/office/drawing/2014/main" id="{2EC22DAF-6BD8-D3A3-055B-1F29B6C85F5D}"/>
+              </a:ext>
+            </a:extLst>
+          </p:cNvPr>
+          <p:cNvSpPr>
+            <a:spLocks noGrp="1"/>
+          </p:cNvSpPr>
+          <p:nvPr>
+            <p:ph type="subTitle" idx="1"/>
+          </p:nvPr>
+        </p:nvSpPr>
+        <p:spPr>
+          <a:xfrm>
+            <a:off x="0" y="0"/>
+            <a:ext cx="12192000" cy="6858000"/>
+          </a:xfrm>
+        </p:spPr>
+        <p:txBody>
+          <a:bodyPr/>
+          <a:lstStyle/>
+          <a:p>
+            <a:pPr algn="l"/>
+            <a:r>
+              <a:rPr lang="ko-KR" altLang="en-US" dirty="0"/>
+              <a:t>카트 페이지</a:t>
+            </a:r>
+            <a:endParaRPr lang="en-US" altLang="ko-KR" dirty="0"/>
+          </a:p>
+          <a:p>
+            <a:pPr algn="l"/>
+            <a:endParaRPr lang="en-US" altLang="ko-KR" dirty="0"/>
+          </a:p>
+        </p:txBody>
+      </p:sp>
+      <p:pic>
+        <p:nvPicPr>
+          <p:cNvPr id="4" name="그림 3">
+            <a:extLst>
+              <a:ext uri="{FF2B5EF4-FFF2-40B4-BE49-F238E27FC236}">
+                <a16:creationId xmlns:a16="http://schemas.microsoft.com/office/drawing/2014/main" id="{1A19338A-E030-8177-D4B0-E1AB853E66C5}"/>
+              </a:ext>
+            </a:extLst>
+          </p:cNvPr>
+          <p:cNvPicPr>
+            <a:picLocks noChangeAspect="1"/>
+          </p:cNvPicPr>
+          <p:nvPr/>
+        </p:nvPicPr>
+        <p:blipFill>
+          <a:blip r:embed="rId2"/>
+          <a:stretch>
+            <a:fillRect/>
+          </a:stretch>
+        </p:blipFill>
+        <p:spPr>
+          <a:xfrm>
+            <a:off x="88364" y="880539"/>
+            <a:ext cx="5277587" cy="3905795"/>
+          </a:xfrm>
+          <a:prstGeom prst="rect">
+            <a:avLst/>
+          </a:prstGeom>
+        </p:spPr>
+      </p:pic>
+      <p:pic>
+        <p:nvPicPr>
+          <p:cNvPr id="7" name="그림 6">
+            <a:extLst>
+              <a:ext uri="{FF2B5EF4-FFF2-40B4-BE49-F238E27FC236}">
+                <a16:creationId xmlns:a16="http://schemas.microsoft.com/office/drawing/2014/main" id="{B26DF4DA-9AC4-C0E6-C697-8E7A7C083D6E}"/>
+              </a:ext>
+            </a:extLst>
+          </p:cNvPr>
+          <p:cNvPicPr>
+            <a:picLocks noChangeAspect="1"/>
+          </p:cNvPicPr>
+          <p:nvPr/>
+        </p:nvPicPr>
+        <p:blipFill>
+          <a:blip r:embed="rId3"/>
+          <a:stretch>
+            <a:fillRect/>
+          </a:stretch>
+        </p:blipFill>
+        <p:spPr>
+          <a:xfrm>
+            <a:off x="5454315" y="0"/>
+            <a:ext cx="5739371" cy="6858000"/>
+          </a:xfrm>
+          <a:prstGeom prst="rect">
+            <a:avLst/>
+          </a:prstGeom>
+        </p:spPr>
+      </p:pic>
+      <p:sp>
+        <p:nvSpPr>
+          <p:cNvPr id="2" name="TextBox 1">
+            <a:extLst>
+              <a:ext uri="{FF2B5EF4-FFF2-40B4-BE49-F238E27FC236}">
+                <a16:creationId xmlns:a16="http://schemas.microsoft.com/office/drawing/2014/main" id="{7EB01CDC-CE2C-ACB8-2329-78BBFA39ACE3}"/>
+              </a:ext>
+            </a:extLst>
+          </p:cNvPr>
+          <p:cNvSpPr txBox="1"/>
+          <p:nvPr/>
+        </p:nvSpPr>
+        <p:spPr>
+          <a:xfrm>
+            <a:off x="235131" y="5185954"/>
+            <a:ext cx="4441372" cy="369332"/>
+          </a:xfrm>
+          <a:prstGeom prst="rect">
+            <a:avLst/>
+          </a:prstGeom>
+          <a:noFill/>
+        </p:spPr>
+        <p:txBody>
+          <a:bodyPr wrap="square" rtlCol="0">
+            <a:spAutoFit/>
+          </a:bodyPr>
+          <a:lstStyle/>
+          <a:p>
+            <a:r>
+              <a:rPr lang="en-US" altLang="ko-KR" dirty="0"/>
+              <a:t>1. </a:t>
+            </a:r>
+            <a:r>
+              <a:rPr lang="ko-KR" altLang="en-US" dirty="0"/>
+              <a:t>누락부분 추가하기</a:t>
+            </a:r>
+          </a:p>
+        </p:txBody>
+      </p:sp>
+    </p:spTree>
+    <p:extLst>
+      <p:ext uri="{BB962C8B-B14F-4D97-AF65-F5344CB8AC3E}">
+        <p14:creationId xmlns:p14="http://schemas.microsoft.com/office/powerpoint/2010/main" val="2343168766"/>
+      </p:ext>
+    </p:extLst>
+  </p:cSld>
+  <p:clrMapOvr>
+    <a:masterClrMapping/>
+  </p:clrMapOvr>
+</p:sld>
+</file>
+
+<file path=ppt/slides/slide21.xml><?xml version="1.0" encoding="utf-8"?>
+<p:sld xmlns:a="http://schemas.openxmlformats.org/drawingml/2006/main" xmlns:r="http://schemas.openxmlformats.org/officeDocument/2006/relationships" xmlns:p="http://schemas.openxmlformats.org/presentationml/2006/main">
+  <p:cSld>
+    <p:spTree>
+      <p:nvGrpSpPr>
+        <p:cNvPr id="1" name=""/>
+        <p:cNvGrpSpPr/>
+        <p:nvPr/>
+      </p:nvGrpSpPr>
+      <p:grpSpPr>
+        <a:xfrm>
+          <a:off x="0" y="0"/>
+          <a:ext cx="0" cy="0"/>
+          <a:chOff x="0" y="0"/>
+          <a:chExt cx="0" cy="0"/>
+        </a:xfrm>
+      </p:grpSpPr>
+      <p:sp>
+        <p:nvSpPr>
+          <p:cNvPr id="3" name="부제목 2">
+            <a:extLst>
+              <a:ext uri="{FF2B5EF4-FFF2-40B4-BE49-F238E27FC236}">
+                <a16:creationId xmlns:a16="http://schemas.microsoft.com/office/drawing/2014/main" id="{2EC22DAF-6BD8-D3A3-055B-1F29B6C85F5D}"/>
+              </a:ext>
+            </a:extLst>
+          </p:cNvPr>
+          <p:cNvSpPr>
+            <a:spLocks noGrp="1"/>
+          </p:cNvSpPr>
+          <p:nvPr>
+            <p:ph type="subTitle" idx="1"/>
+          </p:nvPr>
+        </p:nvSpPr>
+        <p:spPr>
+          <a:xfrm>
+            <a:off x="0" y="0"/>
+            <a:ext cx="12192000" cy="6858000"/>
+          </a:xfrm>
+        </p:spPr>
+        <p:txBody>
+          <a:bodyPr/>
+          <a:lstStyle/>
+          <a:p>
+            <a:pPr algn="l"/>
+            <a:r>
+              <a:rPr lang="ko-KR" altLang="en-US" dirty="0"/>
+              <a:t>카트 페이지</a:t>
+            </a:r>
+            <a:endParaRPr lang="en-US" altLang="ko-KR" dirty="0"/>
+          </a:p>
+          <a:p>
+            <a:pPr algn="l"/>
+            <a:endParaRPr lang="en-US" altLang="ko-KR" dirty="0"/>
+          </a:p>
+        </p:txBody>
+      </p:sp>
+      <p:pic>
+        <p:nvPicPr>
+          <p:cNvPr id="8" name="그림 7">
+            <a:extLst>
+              <a:ext uri="{FF2B5EF4-FFF2-40B4-BE49-F238E27FC236}">
+                <a16:creationId xmlns:a16="http://schemas.microsoft.com/office/drawing/2014/main" id="{F4400C37-61A1-FFB4-5C16-10807DDD057C}"/>
+              </a:ext>
+            </a:extLst>
+          </p:cNvPr>
+          <p:cNvPicPr>
+            <a:picLocks noChangeAspect="1"/>
+          </p:cNvPicPr>
+          <p:nvPr/>
+        </p:nvPicPr>
+        <p:blipFill>
+          <a:blip r:embed="rId2"/>
+          <a:stretch>
+            <a:fillRect/>
+          </a:stretch>
+        </p:blipFill>
+        <p:spPr>
+          <a:xfrm>
+            <a:off x="135765" y="682018"/>
+            <a:ext cx="4906060" cy="4563112"/>
+          </a:xfrm>
+          <a:prstGeom prst="rect">
+            <a:avLst/>
+          </a:prstGeom>
+        </p:spPr>
+      </p:pic>
+    </p:spTree>
+    <p:extLst>
+      <p:ext uri="{BB962C8B-B14F-4D97-AF65-F5344CB8AC3E}">
+        <p14:creationId xmlns:p14="http://schemas.microsoft.com/office/powerpoint/2010/main" val="4140079727"/>
       </p:ext>
     </p:extLst>
   </p:cSld>
@@ -5077,7 +5848,7 @@
             <a:pPr algn="l"/>
             <a:r>
               <a:rPr lang="ko-KR" altLang="en-US" dirty="0"/>
-              <a:t>홈 페이지</a:t>
+              <a:t>헤더 컴포넌트</a:t>
             </a:r>
             <a:endParaRPr lang="en-US" altLang="ko-KR" dirty="0"/>
           </a:p>
@@ -5087,16 +5858,80 @@
           </a:p>
           <a:p>
             <a:pPr algn="l"/>
-            <a:endParaRPr lang="ko-KR" altLang="en-US" dirty="0"/>
+            <a:endParaRPr lang="en-US" altLang="ko-KR" dirty="0"/>
+          </a:p>
+          <a:p>
+            <a:pPr marL="457200" indent="-457200" algn="l">
+              <a:buAutoNum type="arabicPeriod"/>
+            </a:pPr>
+            <a:r>
+              <a:rPr lang="en-US" altLang="ko-KR" dirty="0"/>
+              <a:t>Link</a:t>
+            </a:r>
+            <a:r>
+              <a:rPr lang="ko-KR" altLang="en-US" dirty="0"/>
+              <a:t> 태그 빼고 만들기</a:t>
+            </a:r>
+            <a:endParaRPr lang="en-US" altLang="ko-KR" dirty="0"/>
+          </a:p>
+          <a:p>
+            <a:pPr marL="457200" indent="-457200" algn="l">
+              <a:buAutoNum type="arabicPeriod"/>
+            </a:pPr>
+            <a:r>
+              <a:rPr lang="en-US" altLang="ko-KR" dirty="0"/>
+              <a:t>Link </a:t>
+            </a:r>
+            <a:r>
+              <a:rPr lang="ko-KR" altLang="en-US" dirty="0"/>
+              <a:t>태그 추가하게 시키고 </a:t>
+            </a:r>
+            <a:r>
+              <a:rPr lang="ko-KR" altLang="en-US" dirty="0" err="1"/>
+              <a:t>테스트하게하기</a:t>
+            </a:r>
+            <a:r>
+              <a:rPr lang="ko-KR" altLang="en-US" dirty="0"/>
+              <a:t> </a:t>
+            </a:r>
+            <a:r>
+              <a:rPr lang="en-US" altLang="ko-KR" dirty="0"/>
+              <a:t>(</a:t>
+            </a:r>
+            <a:r>
+              <a:rPr lang="ko-KR" altLang="en-US" dirty="0"/>
+              <a:t>구글 검색 또는 </a:t>
+            </a:r>
+            <a:r>
+              <a:rPr lang="en-US" altLang="ko-KR" dirty="0"/>
+              <a:t>AI </a:t>
+            </a:r>
+            <a:r>
+              <a:rPr lang="ko-KR" altLang="en-US" dirty="0"/>
+              <a:t>권장</a:t>
+            </a:r>
+            <a:r>
+              <a:rPr lang="en-US" altLang="ko-KR" dirty="0"/>
+              <a:t>)</a:t>
+            </a:r>
+          </a:p>
+          <a:p>
+            <a:pPr marL="457200" indent="-457200" algn="l">
+              <a:buAutoNum type="arabicPeriod"/>
+            </a:pPr>
+            <a:r>
+              <a:rPr lang="ko-KR" altLang="en-US" dirty="0"/>
+              <a:t>다 되었으면 클래스명과 스타일은 화면 옆에 띄우고 하나씩 같이 만들기</a:t>
+            </a:r>
           </a:p>
         </p:txBody>
       </p:sp>
       <p:pic>
         <p:nvPicPr>
-          <p:cNvPr id="12" name="그림 11">
-            <a:extLst>
-              <a:ext uri="{FF2B5EF4-FFF2-40B4-BE49-F238E27FC236}">
-                <a16:creationId xmlns:a16="http://schemas.microsoft.com/office/drawing/2014/main" id="{A048B5CE-66DF-830A-17FF-72F365B3A347}"/>
+          <p:cNvPr id="14" name="그림 13">
+            <a:extLst>
+              <a:ext uri="{FF2B5EF4-FFF2-40B4-BE49-F238E27FC236}">
+                <a16:creationId xmlns:a16="http://schemas.microsoft.com/office/drawing/2014/main" id="{7D0520CC-66CA-64A9-8C93-1F419B6D3CFA}"/>
               </a:ext>
             </a:extLst>
           </p:cNvPr>
@@ -5113,18 +5948,23 @@
         </p:blipFill>
         <p:spPr>
           <a:xfrm>
-            <a:off x="1639845" y="0"/>
-            <a:ext cx="8912310" cy="6858000"/>
+            <a:off x="917619" y="585397"/>
+            <a:ext cx="8112082" cy="394715"/>
           </a:xfrm>
           <a:prstGeom prst="rect">
             <a:avLst/>
           </a:prstGeom>
+          <a:ln>
+            <a:solidFill>
+              <a:schemeClr val="tx1"/>
+            </a:solidFill>
+          </a:ln>
         </p:spPr>
       </p:pic>
     </p:spTree>
     <p:extLst>
       <p:ext uri="{BB962C8B-B14F-4D97-AF65-F5344CB8AC3E}">
-        <p14:creationId xmlns:p14="http://schemas.microsoft.com/office/powerpoint/2010/main" val="697171512"/>
+        <p14:creationId xmlns:p14="http://schemas.microsoft.com/office/powerpoint/2010/main" val="3978745173"/>
       </p:ext>
     </p:extLst>
   </p:cSld>
@@ -5186,62 +6026,6 @@
           </a:p>
           <a:p>
             <a:pPr algn="l"/>
-            <a:r>
-              <a:rPr lang="en-US" altLang="ko-KR" dirty="0" err="1">
-                <a:solidFill>
-                  <a:srgbClr val="FF0000"/>
-                </a:solidFill>
-              </a:rPr>
-              <a:t>useEffect</a:t>
-            </a:r>
-            <a:r>
-              <a:rPr lang="ko-KR" altLang="en-US" dirty="0">
-                <a:solidFill>
-                  <a:srgbClr val="FF0000"/>
-                </a:solidFill>
-              </a:rPr>
-              <a:t>와 </a:t>
-            </a:r>
-            <a:r>
-              <a:rPr lang="en-US" altLang="ko-KR" dirty="0">
-                <a:solidFill>
-                  <a:srgbClr val="FF0000"/>
-                </a:solidFill>
-              </a:rPr>
-              <a:t>fetch </a:t>
-            </a:r>
-            <a:r>
-              <a:rPr lang="ko-KR" altLang="en-US" dirty="0">
-                <a:solidFill>
-                  <a:srgbClr val="FF0000"/>
-                </a:solidFill>
-              </a:rPr>
-              <a:t>로 </a:t>
-            </a:r>
-            <a:r>
-              <a:rPr lang="en-US" altLang="ko-KR" dirty="0">
-                <a:solidFill>
-                  <a:srgbClr val="FF0000"/>
-                </a:solidFill>
-              </a:rPr>
-              <a:t>https://fakestoreapi.com/products</a:t>
-            </a:r>
-            <a:r>
-              <a:rPr lang="ko-KR" altLang="en-US" dirty="0">
-                <a:solidFill>
-                  <a:srgbClr val="FF0000"/>
-                </a:solidFill>
-              </a:rPr>
-              <a:t> 에서 데이터 가져오기</a:t>
-            </a:r>
-            <a:endParaRPr lang="en-US" altLang="ko-KR" dirty="0">
-              <a:solidFill>
-                <a:srgbClr val="FF0000"/>
-              </a:solidFill>
-            </a:endParaRPr>
-          </a:p>
-          <a:p>
-            <a:pPr algn="l"/>
             <a:endParaRPr lang="en-US" altLang="ko-KR" dirty="0"/>
           </a:p>
           <a:p>
@@ -5252,10 +6036,10 @@
       </p:sp>
       <p:pic>
         <p:nvPicPr>
-          <p:cNvPr id="4" name="그림 3">
-            <a:extLst>
-              <a:ext uri="{FF2B5EF4-FFF2-40B4-BE49-F238E27FC236}">
-                <a16:creationId xmlns:a16="http://schemas.microsoft.com/office/drawing/2014/main" id="{768FEE7E-ED65-7CB6-8B94-3F2991F9DF18}"/>
+          <p:cNvPr id="12" name="그림 11">
+            <a:extLst>
+              <a:ext uri="{FF2B5EF4-FFF2-40B4-BE49-F238E27FC236}">
+                <a16:creationId xmlns:a16="http://schemas.microsoft.com/office/drawing/2014/main" id="{A048B5CE-66DF-830A-17FF-72F365B3A347}"/>
               </a:ext>
             </a:extLst>
           </p:cNvPr>
@@ -5272,68 +6056,8 @@
         </p:blipFill>
         <p:spPr>
           <a:xfrm>
-            <a:off x="81974" y="1168180"/>
-            <a:ext cx="5734850" cy="5544324"/>
-          </a:xfrm>
-          <a:prstGeom prst="rect">
-            <a:avLst/>
-          </a:prstGeom>
-        </p:spPr>
-      </p:pic>
-      <p:pic>
-        <p:nvPicPr>
-          <p:cNvPr id="7" name="그림 6">
-            <a:extLst>
-              <a:ext uri="{FF2B5EF4-FFF2-40B4-BE49-F238E27FC236}">
-                <a16:creationId xmlns:a16="http://schemas.microsoft.com/office/drawing/2014/main" id="{52D3AF52-0A16-3331-BFB9-5ECC003DF168}"/>
-              </a:ext>
-            </a:extLst>
-          </p:cNvPr>
-          <p:cNvPicPr>
-            <a:picLocks noChangeAspect="1"/>
-          </p:cNvPicPr>
-          <p:nvPr/>
-        </p:nvPicPr>
-        <p:blipFill>
-          <a:blip r:embed="rId3"/>
-          <a:stretch>
-            <a:fillRect/>
-          </a:stretch>
-        </p:blipFill>
-        <p:spPr>
-          <a:xfrm>
-            <a:off x="6375178" y="1168180"/>
-            <a:ext cx="3524742" cy="1257475"/>
-          </a:xfrm>
-          <a:prstGeom prst="rect">
-            <a:avLst/>
-          </a:prstGeom>
-        </p:spPr>
-      </p:pic>
-      <p:pic>
-        <p:nvPicPr>
-          <p:cNvPr id="10" name="그림 9">
-            <a:extLst>
-              <a:ext uri="{FF2B5EF4-FFF2-40B4-BE49-F238E27FC236}">
-                <a16:creationId xmlns:a16="http://schemas.microsoft.com/office/drawing/2014/main" id="{C6735D59-80EA-65F4-FEA5-069B28385F1E}"/>
-              </a:ext>
-            </a:extLst>
-          </p:cNvPr>
-          <p:cNvPicPr>
-            <a:picLocks noChangeAspect="1"/>
-          </p:cNvPicPr>
-          <p:nvPr/>
-        </p:nvPicPr>
-        <p:blipFill>
-          <a:blip r:embed="rId4"/>
-          <a:stretch>
-            <a:fillRect/>
-          </a:stretch>
-        </p:blipFill>
-        <p:spPr>
-          <a:xfrm>
-            <a:off x="6096000" y="3082972"/>
-            <a:ext cx="6014026" cy="3629532"/>
+            <a:off x="1639845" y="0"/>
+            <a:ext cx="8912310" cy="6858000"/>
           </a:xfrm>
           <a:prstGeom prst="rect">
             <a:avLst/>
@@ -5343,7 +6067,7 @@
     </p:spTree>
     <p:extLst>
       <p:ext uri="{BB962C8B-B14F-4D97-AF65-F5344CB8AC3E}">
-        <p14:creationId xmlns:p14="http://schemas.microsoft.com/office/powerpoint/2010/main" val="2300278479"/>
+        <p14:creationId xmlns:p14="http://schemas.microsoft.com/office/powerpoint/2010/main" val="697171512"/>
       </p:ext>
     </p:extLst>
   </p:cSld>
@@ -5399,16 +6123,68 @@
             <a:pPr algn="l"/>
             <a:r>
               <a:rPr lang="ko-KR" altLang="en-US" dirty="0"/>
-              <a:t>홈</a:t>
+              <a:t>홈 페이지</a:t>
             </a:r>
             <a:endParaRPr lang="en-US" altLang="ko-KR" dirty="0"/>
           </a:p>
           <a:p>
             <a:pPr algn="l"/>
             <a:r>
-              <a:rPr lang="ko-KR" altLang="en-US" dirty="0"/>
-              <a:t>전체</a:t>
-            </a:r>
+              <a:rPr lang="en-US" altLang="ko-KR" dirty="0" err="1">
+                <a:solidFill>
+                  <a:srgbClr val="FF0000"/>
+                </a:solidFill>
+              </a:rPr>
+              <a:t>useEffect</a:t>
+            </a:r>
+            <a:r>
+              <a:rPr lang="ko-KR" altLang="en-US" dirty="0">
+                <a:solidFill>
+                  <a:srgbClr val="FF0000"/>
+                </a:solidFill>
+              </a:rPr>
+              <a:t>와 </a:t>
+            </a:r>
+            <a:r>
+              <a:rPr lang="en-US" altLang="ko-KR" dirty="0">
+                <a:solidFill>
+                  <a:srgbClr val="FF0000"/>
+                </a:solidFill>
+              </a:rPr>
+              <a:t>fetch </a:t>
+            </a:r>
+            <a:r>
+              <a:rPr lang="ko-KR" altLang="en-US" dirty="0">
+                <a:solidFill>
+                  <a:srgbClr val="FF0000"/>
+                </a:solidFill>
+              </a:rPr>
+              <a:t>로 </a:t>
+            </a:r>
+            <a:r>
+              <a:rPr lang="en-US" altLang="ko-KR" dirty="0">
+                <a:solidFill>
+                  <a:srgbClr val="FF0000"/>
+                </a:solidFill>
+              </a:rPr>
+              <a:t>https://fakestoreapi.com/products</a:t>
+            </a:r>
+            <a:r>
+              <a:rPr lang="ko-KR" altLang="en-US" dirty="0">
+                <a:solidFill>
+                  <a:srgbClr val="FF0000"/>
+                </a:solidFill>
+              </a:rPr>
+              <a:t> 에서 데이터 가져오기</a:t>
+            </a:r>
+            <a:endParaRPr lang="en-US" altLang="ko-KR" dirty="0">
+              <a:solidFill>
+                <a:srgbClr val="FF0000"/>
+              </a:solidFill>
+            </a:endParaRPr>
+          </a:p>
+          <a:p>
+            <a:pPr algn="l"/>
             <a:endParaRPr lang="en-US" altLang="ko-KR" dirty="0"/>
           </a:p>
           <a:p>
@@ -5419,10 +6195,10 @@
       </p:sp>
       <p:pic>
         <p:nvPicPr>
-          <p:cNvPr id="5" name="그림 4">
-            <a:extLst>
-              <a:ext uri="{FF2B5EF4-FFF2-40B4-BE49-F238E27FC236}">
-                <a16:creationId xmlns:a16="http://schemas.microsoft.com/office/drawing/2014/main" id="{5CF3D6E8-0426-9BB6-98DF-C71311E61950}"/>
+          <p:cNvPr id="4" name="그림 3">
+            <a:extLst>
+              <a:ext uri="{FF2B5EF4-FFF2-40B4-BE49-F238E27FC236}">
+                <a16:creationId xmlns:a16="http://schemas.microsoft.com/office/drawing/2014/main" id="{768FEE7E-ED65-7CB6-8B94-3F2991F9DF18}"/>
               </a:ext>
             </a:extLst>
           </p:cNvPr>
@@ -5439,8 +6215,8 @@
         </p:blipFill>
         <p:spPr>
           <a:xfrm>
-            <a:off x="770745" y="0"/>
-            <a:ext cx="5898034" cy="6858000"/>
+            <a:off x="81974" y="1168180"/>
+            <a:ext cx="5734850" cy="5544324"/>
           </a:xfrm>
           <a:prstGeom prst="rect">
             <a:avLst/>
@@ -5449,10 +6225,10 @@
       </p:pic>
       <p:pic>
         <p:nvPicPr>
-          <p:cNvPr id="8" name="그림 7">
-            <a:extLst>
-              <a:ext uri="{FF2B5EF4-FFF2-40B4-BE49-F238E27FC236}">
-                <a16:creationId xmlns:a16="http://schemas.microsoft.com/office/drawing/2014/main" id="{1E97BBDF-F56A-D8E9-6966-0CED8EDE2D43}"/>
+          <p:cNvPr id="7" name="그림 6">
+            <a:extLst>
+              <a:ext uri="{FF2B5EF4-FFF2-40B4-BE49-F238E27FC236}">
+                <a16:creationId xmlns:a16="http://schemas.microsoft.com/office/drawing/2014/main" id="{52D3AF52-0A16-3331-BFB9-5ECC003DF168}"/>
               </a:ext>
             </a:extLst>
           </p:cNvPr>
@@ -5469,8 +6245,38 @@
         </p:blipFill>
         <p:spPr>
           <a:xfrm>
-            <a:off x="6892134" y="0"/>
-            <a:ext cx="5022368" cy="6858000"/>
+            <a:off x="6375178" y="1168180"/>
+            <a:ext cx="3524742" cy="1257475"/>
+          </a:xfrm>
+          <a:prstGeom prst="rect">
+            <a:avLst/>
+          </a:prstGeom>
+        </p:spPr>
+      </p:pic>
+      <p:pic>
+        <p:nvPicPr>
+          <p:cNvPr id="10" name="그림 9">
+            <a:extLst>
+              <a:ext uri="{FF2B5EF4-FFF2-40B4-BE49-F238E27FC236}">
+                <a16:creationId xmlns:a16="http://schemas.microsoft.com/office/drawing/2014/main" id="{C6735D59-80EA-65F4-FEA5-069B28385F1E}"/>
+              </a:ext>
+            </a:extLst>
+          </p:cNvPr>
+          <p:cNvPicPr>
+            <a:picLocks noChangeAspect="1"/>
+          </p:cNvPicPr>
+          <p:nvPr/>
+        </p:nvPicPr>
+        <p:blipFill>
+          <a:blip r:embed="rId4"/>
+          <a:stretch>
+            <a:fillRect/>
+          </a:stretch>
+        </p:blipFill>
+        <p:spPr>
+          <a:xfrm>
+            <a:off x="6096000" y="3082972"/>
+            <a:ext cx="6014026" cy="3629532"/>
           </a:xfrm>
           <a:prstGeom prst="rect">
             <a:avLst/>
@@ -5480,7 +6286,7 @@
     </p:spTree>
     <p:extLst>
       <p:ext uri="{BB962C8B-B14F-4D97-AF65-F5344CB8AC3E}">
-        <p14:creationId xmlns:p14="http://schemas.microsoft.com/office/powerpoint/2010/main" val="3723184925"/>
+        <p14:creationId xmlns:p14="http://schemas.microsoft.com/office/powerpoint/2010/main" val="2300278479"/>
       </p:ext>
     </p:extLst>
   </p:cSld>
@@ -5536,88 +6342,250 @@
             <a:pPr algn="l"/>
             <a:r>
               <a:rPr lang="ko-KR" altLang="en-US" dirty="0"/>
-              <a:t>홈 </a:t>
+              <a:t>홈 페이지</a:t>
+            </a:r>
+            <a:endParaRPr lang="en-US" altLang="ko-KR" dirty="0"/>
+          </a:p>
+          <a:p>
+            <a:pPr algn="l"/>
+            <a:endParaRPr lang="en-US" altLang="ko-KR" dirty="0"/>
+          </a:p>
+          <a:p>
+            <a:pPr marL="457200" indent="-457200" algn="l">
+              <a:buAutoNum type="arabicPeriod"/>
+            </a:pPr>
+            <a:r>
+              <a:rPr lang="ko-KR" altLang="en-US" dirty="0">
+                <a:hlinkClick r:id="rId2">
+                  <a:extLst>
+                    <a:ext uri="{A12FA001-AC4F-418D-AE19-62706E023703}">
+                      <ahyp:hlinkClr xmlns:ahyp="http://schemas.microsoft.com/office/drawing/2018/hyperlinkcolor" val="tx"/>
+                    </a:ext>
+                  </a:extLst>
+                </a:hlinkClick>
+              </a:rPr>
+              <a:t>페이지와 컴포넌트 함수 생성하기 </a:t>
+            </a:r>
+            <a:r>
+              <a:rPr lang="en-US" altLang="ko-KR" dirty="0">
+                <a:hlinkClick r:id="rId2">
+                  <a:extLst>
+                    <a:ext uri="{A12FA001-AC4F-418D-AE19-62706E023703}">
+                      <ahyp:hlinkClr xmlns:ahyp="http://schemas.microsoft.com/office/drawing/2018/hyperlinkcolor" val="tx"/>
+                    </a:ext>
+                  </a:extLst>
+                </a:hlinkClick>
+              </a:rPr>
+              <a:t>+ state</a:t>
+            </a:r>
+            <a:r>
+              <a:rPr lang="ko-KR" altLang="en-US" dirty="0">
+                <a:hlinkClick r:id="rId2">
+                  <a:extLst>
+                    <a:ext uri="{A12FA001-AC4F-418D-AE19-62706E023703}">
+                      <ahyp:hlinkClr xmlns:ahyp="http://schemas.microsoft.com/office/drawing/2018/hyperlinkcolor" val="tx"/>
+                    </a:ext>
+                  </a:extLst>
+                </a:hlinkClick>
+              </a:rPr>
+              <a:t>까지 같이 만들기</a:t>
+            </a:r>
+            <a:endParaRPr lang="en-US" altLang="ko-KR" dirty="0">
+              <a:hlinkClick r:id="rId2">
+                <a:extLst>
+                  <a:ext uri="{A12FA001-AC4F-418D-AE19-62706E023703}">
+                    <ahyp:hlinkClr xmlns:ahyp="http://schemas.microsoft.com/office/drawing/2018/hyperlinkcolor" val="tx"/>
+                  </a:ext>
+                </a:extLst>
+              </a:hlinkClick>
+            </a:endParaRPr>
+          </a:p>
+          <a:p>
+            <a:pPr marL="457200" indent="-457200" algn="l">
+              <a:buAutoNum type="arabicPeriod"/>
+            </a:pPr>
+            <a:r>
+              <a:rPr lang="en-US" altLang="ko-KR" dirty="0">
+                <a:hlinkClick r:id="rId2">
+                  <a:extLst>
+                    <a:ext uri="{A12FA001-AC4F-418D-AE19-62706E023703}">
+                      <ahyp:hlinkClr xmlns:ahyp="http://schemas.microsoft.com/office/drawing/2018/hyperlinkcolor" val="tx"/>
+                    </a:ext>
+                  </a:extLst>
+                </a:hlinkClick>
+              </a:rPr>
+              <a:t>https://fakestoreapi.com/products</a:t>
             </a:r>
             <a:r>
               <a:rPr lang="en-US" altLang="ko-KR" dirty="0"/>
-              <a:t>– </a:t>
+              <a:t> </a:t>
             </a:r>
             <a:r>
               <a:rPr lang="ko-KR" altLang="en-US" dirty="0"/>
-              <a:t>상품 타일</a:t>
+              <a:t>에 </a:t>
+            </a:r>
+            <a:r>
+              <a:rPr lang="en-US" altLang="ko-KR" dirty="0"/>
+              <a:t>Get</a:t>
+            </a:r>
+            <a:r>
+              <a:rPr lang="ko-KR" altLang="en-US" dirty="0"/>
+              <a:t>요청 통해서 </a:t>
+            </a:r>
+            <a:r>
+              <a:rPr lang="en-US" altLang="ko-KR" dirty="0"/>
+              <a:t>console.log </a:t>
+            </a:r>
+            <a:r>
+              <a:rPr lang="ko-KR" altLang="en-US" dirty="0" err="1"/>
+              <a:t>찍게하기</a:t>
+            </a:r>
+            <a:br>
+              <a:rPr lang="en-US" altLang="ko-KR" dirty="0"/>
+            </a:br>
+            <a:r>
+              <a:rPr lang="ko-KR" altLang="en-US" dirty="0"/>
+              <a:t>힌트로 </a:t>
+            </a:r>
+            <a:r>
+              <a:rPr lang="en-US" altLang="ko-KR" dirty="0"/>
+              <a:t>fetch</a:t>
+            </a:r>
+            <a:r>
+              <a:rPr lang="ko-KR" altLang="en-US" dirty="0"/>
+              <a:t>와 </a:t>
+            </a:r>
+            <a:r>
+              <a:rPr lang="en-US" altLang="ko-KR" dirty="0" err="1"/>
+              <a:t>useEffect</a:t>
+            </a:r>
+            <a:r>
+              <a:rPr lang="ko-KR" altLang="en-US" dirty="0"/>
+              <a:t>를 사용하라고 이야기하기</a:t>
             </a:r>
             <a:endParaRPr lang="en-US" altLang="ko-KR" dirty="0"/>
           </a:p>
           <a:p>
-            <a:pPr algn="l"/>
-            <a:endParaRPr lang="ko-KR" altLang="en-US" dirty="0"/>
-          </a:p>
-        </p:txBody>
-      </p:sp>
-      <p:pic>
-        <p:nvPicPr>
-          <p:cNvPr id="4" name="그림 3">
-            <a:extLst>
-              <a:ext uri="{FF2B5EF4-FFF2-40B4-BE49-F238E27FC236}">
-                <a16:creationId xmlns:a16="http://schemas.microsoft.com/office/drawing/2014/main" id="{C40091DE-B4FC-6AB6-E16B-DA26C9A262FC}"/>
-              </a:ext>
-            </a:extLst>
-          </p:cNvPr>
-          <p:cNvPicPr>
-            <a:picLocks noChangeAspect="1"/>
-          </p:cNvPicPr>
-          <p:nvPr/>
-        </p:nvPicPr>
-        <p:blipFill>
-          <a:blip r:embed="rId2"/>
-          <a:stretch>
-            <a:fillRect/>
-          </a:stretch>
-        </p:blipFill>
-        <p:spPr>
-          <a:xfrm>
-            <a:off x="0" y="476025"/>
-            <a:ext cx="7249537" cy="2362530"/>
-          </a:xfrm>
-          <a:prstGeom prst="rect">
-            <a:avLst/>
-          </a:prstGeom>
-        </p:spPr>
-      </p:pic>
-      <p:pic>
-        <p:nvPicPr>
-          <p:cNvPr id="7" name="그림 6">
-            <a:extLst>
-              <a:ext uri="{FF2B5EF4-FFF2-40B4-BE49-F238E27FC236}">
-                <a16:creationId xmlns:a16="http://schemas.microsoft.com/office/drawing/2014/main" id="{5B80F41B-FDB3-AD39-B70E-A6687F43CA5A}"/>
-              </a:ext>
-            </a:extLst>
-          </p:cNvPr>
-          <p:cNvPicPr>
-            <a:picLocks noChangeAspect="1"/>
-          </p:cNvPicPr>
-          <p:nvPr/>
-        </p:nvPicPr>
-        <p:blipFill>
-          <a:blip r:embed="rId3"/>
-          <a:stretch>
-            <a:fillRect/>
-          </a:stretch>
-        </p:blipFill>
-        <p:spPr>
-          <a:xfrm>
-            <a:off x="0" y="2850588"/>
-            <a:ext cx="6587289" cy="4007411"/>
-          </a:xfrm>
-          <a:prstGeom prst="rect">
-            <a:avLst/>
-          </a:prstGeom>
-        </p:spPr>
-      </p:pic>
+            <a:pPr marL="457200" indent="-457200" algn="l">
+              <a:buAutoNum type="arabicPeriod"/>
+            </a:pPr>
+            <a:r>
+              <a:rPr lang="ko-KR" altLang="en-US" dirty="0"/>
+              <a:t>로딩 추가는 같이</a:t>
+            </a:r>
+            <a:endParaRPr lang="en-US" altLang="ko-KR" dirty="0"/>
+          </a:p>
+          <a:p>
+            <a:pPr marL="457200" indent="-457200" algn="l">
+              <a:buAutoNum type="arabicPeriod"/>
+            </a:pPr>
+            <a:r>
+              <a:rPr lang="ko-KR" altLang="en-US" dirty="0"/>
+              <a:t>로딩 중이면 </a:t>
+            </a:r>
+            <a:r>
+              <a:rPr lang="en-US" altLang="ko-KR" dirty="0"/>
+              <a:t>‘&lt;div&gt;</a:t>
+            </a:r>
+            <a:r>
+              <a:rPr lang="ko-KR" altLang="en-US" dirty="0"/>
+              <a:t>로딩 중</a:t>
+            </a:r>
+            <a:r>
+              <a:rPr lang="en-US" altLang="ko-KR" dirty="0"/>
+              <a:t>…&lt;/div&gt;’ </a:t>
+            </a:r>
+            <a:r>
+              <a:rPr lang="ko-KR" altLang="en-US" dirty="0"/>
+              <a:t>으로 </a:t>
+            </a:r>
+            <a:r>
+              <a:rPr lang="ko-KR" altLang="en-US" dirty="0" err="1"/>
+              <a:t>만들게하고</a:t>
+            </a:r>
+            <a:br>
+              <a:rPr lang="en-US" altLang="ko-KR" dirty="0"/>
+            </a:br>
+            <a:r>
+              <a:rPr lang="ko-KR" altLang="en-US" dirty="0"/>
+              <a:t>로딩 완료면 </a:t>
+            </a:r>
+            <a:r>
+              <a:rPr lang="en-US" altLang="ko-KR" dirty="0"/>
+              <a:t>‘&lt;div&gt;</a:t>
+            </a:r>
+            <a:r>
+              <a:rPr lang="ko-KR" altLang="en-US" dirty="0"/>
+              <a:t>로딩 완료</a:t>
+            </a:r>
+            <a:r>
+              <a:rPr lang="en-US" altLang="ko-KR" dirty="0"/>
+              <a:t>!&lt;/div&gt;’ </a:t>
+            </a:r>
+            <a:r>
+              <a:rPr lang="ko-KR" altLang="en-US" dirty="0"/>
+              <a:t>로 만들게 하기</a:t>
+            </a:r>
+            <a:endParaRPr lang="en-US" altLang="ko-KR" dirty="0"/>
+          </a:p>
+          <a:p>
+            <a:pPr marL="457200" indent="-457200" algn="l">
+              <a:buAutoNum type="arabicPeriod"/>
+            </a:pPr>
+            <a:r>
+              <a:rPr lang="ko-KR" altLang="en-US" dirty="0"/>
+              <a:t>그 후 </a:t>
+            </a:r>
+            <a:r>
+              <a:rPr lang="en-US" altLang="ko-KR" dirty="0"/>
+              <a:t>return </a:t>
+            </a:r>
+            <a:r>
+              <a:rPr lang="ko-KR" altLang="en-US" dirty="0"/>
+              <a:t>문 작성</a:t>
+            </a:r>
+            <a:endParaRPr lang="en-US" altLang="ko-KR" dirty="0"/>
+          </a:p>
+          <a:p>
+            <a:pPr marL="457200" indent="-457200" algn="l">
+              <a:buAutoNum type="arabicPeriod"/>
+            </a:pPr>
+            <a:r>
+              <a:rPr lang="ko-KR" altLang="en-US" dirty="0"/>
+              <a:t>클래스명과 스타일은 </a:t>
+            </a:r>
+            <a:r>
+              <a:rPr lang="ko-KR" altLang="en-US" dirty="0" err="1"/>
+              <a:t>화면보면서</a:t>
+            </a:r>
+            <a:r>
+              <a:rPr lang="ko-KR" altLang="en-US" dirty="0"/>
+              <a:t> 같이</a:t>
+            </a:r>
+            <a:endParaRPr lang="en-US" altLang="ko-KR" dirty="0"/>
+          </a:p>
+          <a:p>
+            <a:pPr marL="457200" indent="-457200" algn="l">
+              <a:buAutoNum type="arabicPeriod"/>
+            </a:pPr>
+            <a:endParaRPr lang="en-US" altLang="ko-KR" dirty="0"/>
+          </a:p>
+          <a:p>
+            <a:pPr marL="457200" indent="-457200" algn="l">
+              <a:buAutoNum type="arabicPeriod"/>
+            </a:pPr>
+            <a:r>
+              <a:rPr lang="ko-KR" altLang="en-US" dirty="0"/>
+              <a:t>타일은 그냥 같이 만들기</a:t>
+            </a:r>
+            <a:endParaRPr lang="en-US" altLang="ko-KR" dirty="0"/>
+          </a:p>
+        </p:txBody>
+      </p:sp>
     </p:spTree>
     <p:extLst>
       <p:ext uri="{BB962C8B-B14F-4D97-AF65-F5344CB8AC3E}">
-        <p14:creationId xmlns:p14="http://schemas.microsoft.com/office/powerpoint/2010/main" val="3423073067"/>
+        <p14:creationId xmlns:p14="http://schemas.microsoft.com/office/powerpoint/2010/main" val="2975642550"/>
       </p:ext>
     </p:extLst>
   </p:cSld>
@@ -5673,15 +6641,15 @@
             <a:pPr algn="l"/>
             <a:r>
               <a:rPr lang="ko-KR" altLang="en-US" dirty="0"/>
-              <a:t>홈 </a:t>
-            </a:r>
-            <a:r>
-              <a:rPr lang="en-US" altLang="ko-KR" dirty="0"/>
-              <a:t>– </a:t>
-            </a:r>
+              <a:t>홈</a:t>
+            </a:r>
+            <a:endParaRPr lang="en-US" altLang="ko-KR" dirty="0"/>
+          </a:p>
+          <a:p>
+            <a:pPr algn="l"/>
             <a:r>
               <a:rPr lang="ko-KR" altLang="en-US" dirty="0"/>
-              <a:t>상품 타일</a:t>
+              <a:t>전체</a:t>
             </a:r>
             <a:endParaRPr lang="en-US" altLang="ko-KR" dirty="0"/>
           </a:p>
@@ -5693,10 +6661,10 @@
       </p:sp>
       <p:pic>
         <p:nvPicPr>
-          <p:cNvPr id="8" name="그림 7">
-            <a:extLst>
-              <a:ext uri="{FF2B5EF4-FFF2-40B4-BE49-F238E27FC236}">
-                <a16:creationId xmlns:a16="http://schemas.microsoft.com/office/drawing/2014/main" id="{53E6E315-C78E-D26B-C07F-CEF1B45450C7}"/>
+          <p:cNvPr id="5" name="그림 4">
+            <a:extLst>
+              <a:ext uri="{FF2B5EF4-FFF2-40B4-BE49-F238E27FC236}">
+                <a16:creationId xmlns:a16="http://schemas.microsoft.com/office/drawing/2014/main" id="{5CF3D6E8-0426-9BB6-98DF-C71311E61950}"/>
               </a:ext>
             </a:extLst>
           </p:cNvPr>
@@ -5713,8 +6681,8 @@
         </p:blipFill>
         <p:spPr>
           <a:xfrm>
-            <a:off x="0" y="775917"/>
-            <a:ext cx="6916115" cy="3143689"/>
+            <a:off x="770745" y="0"/>
+            <a:ext cx="5898034" cy="6858000"/>
           </a:xfrm>
           <a:prstGeom prst="rect">
             <a:avLst/>
@@ -5723,10 +6691,10 @@
       </p:pic>
       <p:pic>
         <p:nvPicPr>
-          <p:cNvPr id="5" name="그림 4">
-            <a:extLst>
-              <a:ext uri="{FF2B5EF4-FFF2-40B4-BE49-F238E27FC236}">
-                <a16:creationId xmlns:a16="http://schemas.microsoft.com/office/drawing/2014/main" id="{5E1F996B-0F73-09DF-EF98-77FF89F1E5FC}"/>
+          <p:cNvPr id="8" name="그림 7">
+            <a:extLst>
+              <a:ext uri="{FF2B5EF4-FFF2-40B4-BE49-F238E27FC236}">
+                <a16:creationId xmlns:a16="http://schemas.microsoft.com/office/drawing/2014/main" id="{1E97BBDF-F56A-D8E9-6966-0CED8EDE2D43}"/>
               </a:ext>
             </a:extLst>
           </p:cNvPr>
@@ -5743,8 +6711,8 @@
         </p:blipFill>
         <p:spPr>
           <a:xfrm>
-            <a:off x="5447007" y="1847917"/>
-            <a:ext cx="5249066" cy="4913831"/>
+            <a:off x="6892134" y="0"/>
+            <a:ext cx="5022368" cy="6858000"/>
           </a:xfrm>
           <a:prstGeom prst="rect">
             <a:avLst/>
@@ -5754,7 +6722,7 @@
     </p:spTree>
     <p:extLst>
       <p:ext uri="{BB962C8B-B14F-4D97-AF65-F5344CB8AC3E}">
-        <p14:creationId xmlns:p14="http://schemas.microsoft.com/office/powerpoint/2010/main" val="2049900606"/>
+        <p14:creationId xmlns:p14="http://schemas.microsoft.com/office/powerpoint/2010/main" val="3723184925"/>
       </p:ext>
     </p:extLst>
   </p:cSld>
@@ -5809,13 +6777,22 @@
           <a:p>
             <a:pPr algn="l"/>
             <a:r>
-              <a:rPr lang="ko-KR" altLang="en-US" dirty="0" err="1"/>
-              <a:t>리덕스</a:t>
-            </a:r>
-            <a:r>
               <a:rPr lang="ko-KR" altLang="en-US" dirty="0"/>
-              <a:t> 슬라이스</a:t>
-            </a:r>
+              <a:t>홈 </a:t>
+            </a:r>
+            <a:r>
+              <a:rPr lang="en-US" altLang="ko-KR" dirty="0"/>
+              <a:t>– </a:t>
+            </a:r>
+            <a:r>
+              <a:rPr lang="ko-KR" altLang="en-US" dirty="0"/>
+              <a:t>상품 타일</a:t>
+            </a:r>
+            <a:endParaRPr lang="en-US" altLang="ko-KR" dirty="0"/>
+          </a:p>
+          <a:p>
+            <a:pPr algn="l"/>
+            <a:endParaRPr lang="ko-KR" altLang="en-US" dirty="0"/>
           </a:p>
         </p:txBody>
       </p:sp>
@@ -5824,7 +6801,7 @@
           <p:cNvPr id="4" name="그림 3">
             <a:extLst>
               <a:ext uri="{FF2B5EF4-FFF2-40B4-BE49-F238E27FC236}">
-                <a16:creationId xmlns:a16="http://schemas.microsoft.com/office/drawing/2014/main" id="{26EED7CB-2C51-DD0F-E685-3E99936299D5}"/>
+                <a16:creationId xmlns:a16="http://schemas.microsoft.com/office/drawing/2014/main" id="{C40091DE-B4FC-6AB6-E16B-DA26C9A262FC}"/>
               </a:ext>
             </a:extLst>
           </p:cNvPr>
@@ -5841,54 +6818,48 @@
         </p:blipFill>
         <p:spPr>
           <a:xfrm>
-            <a:off x="147501" y="534096"/>
-            <a:ext cx="5544324" cy="4382112"/>
+            <a:off x="0" y="476025"/>
+            <a:ext cx="7249537" cy="2362530"/>
           </a:xfrm>
           <a:prstGeom prst="rect">
             <a:avLst/>
           </a:prstGeom>
         </p:spPr>
       </p:pic>
-      <p:sp>
-        <p:nvSpPr>
-          <p:cNvPr id="6" name="TextBox 5">
-            <a:extLst>
-              <a:ext uri="{FF2B5EF4-FFF2-40B4-BE49-F238E27FC236}">
-                <a16:creationId xmlns:a16="http://schemas.microsoft.com/office/drawing/2014/main" id="{8C6C3421-4A54-C8C3-A055-D31C78D29B1F}"/>
-              </a:ext>
-            </a:extLst>
-          </p:cNvPr>
-          <p:cNvSpPr txBox="1"/>
+      <p:pic>
+        <p:nvPicPr>
+          <p:cNvPr id="7" name="그림 6">
+            <a:extLst>
+              <a:ext uri="{FF2B5EF4-FFF2-40B4-BE49-F238E27FC236}">
+                <a16:creationId xmlns:a16="http://schemas.microsoft.com/office/drawing/2014/main" id="{5B80F41B-FDB3-AD39-B70E-A6687F43CA5A}"/>
+              </a:ext>
+            </a:extLst>
+          </p:cNvPr>
+          <p:cNvPicPr>
+            <a:picLocks noChangeAspect="1"/>
+          </p:cNvPicPr>
           <p:nvPr/>
-        </p:nvSpPr>
-        <p:spPr>
-          <a:xfrm>
-            <a:off x="1383632" y="5065295"/>
-            <a:ext cx="1750594" cy="369332"/>
+        </p:nvPicPr>
+        <p:blipFill>
+          <a:blip r:embed="rId3"/>
+          <a:stretch>
+            <a:fillRect/>
+          </a:stretch>
+        </p:blipFill>
+        <p:spPr>
+          <a:xfrm>
+            <a:off x="0" y="2850588"/>
+            <a:ext cx="6587289" cy="4007411"/>
           </a:xfrm>
           <a:prstGeom prst="rect">
             <a:avLst/>
           </a:prstGeom>
-          <a:noFill/>
-        </p:spPr>
-        <p:txBody>
-          <a:bodyPr wrap="square" rtlCol="0">
-            <a:spAutoFit/>
-          </a:bodyPr>
-          <a:lstStyle/>
-          <a:p>
-            <a:r>
-              <a:rPr lang="en-US" altLang="ko-KR" dirty="0"/>
-              <a:t>index.js</a:t>
-            </a:r>
-            <a:endParaRPr lang="ko-KR" altLang="en-US" dirty="0"/>
-          </a:p>
-        </p:txBody>
-      </p:sp>
+        </p:spPr>
+      </p:pic>
     </p:spTree>
     <p:extLst>
       <p:ext uri="{BB962C8B-B14F-4D97-AF65-F5344CB8AC3E}">
-        <p14:creationId xmlns:p14="http://schemas.microsoft.com/office/powerpoint/2010/main" val="472198059"/>
+        <p14:creationId xmlns:p14="http://schemas.microsoft.com/office/powerpoint/2010/main" val="3423073067"/>
       </p:ext>
     </p:extLst>
   </p:cSld>

--- a/쇼핑카트 자료.pptx
+++ b/쇼핑카트 자료.pptx
@@ -279,7 +279,7 @@
           <a:p>
             <a:fld id="{DF48D0CF-109B-4B51-8209-242E12B56D39}" type="datetimeFigureOut">
               <a:rPr lang="ko-KR" altLang="en-US" smtClean="0"/>
-              <a:t>2024-05-04</a:t>
+              <a:t>2024-05-11</a:t>
             </a:fld>
             <a:endParaRPr lang="ko-KR" altLang="en-US"/>
           </a:p>
@@ -477,7 +477,7 @@
           <a:p>
             <a:fld id="{DF48D0CF-109B-4B51-8209-242E12B56D39}" type="datetimeFigureOut">
               <a:rPr lang="ko-KR" altLang="en-US" smtClean="0"/>
-              <a:t>2024-05-04</a:t>
+              <a:t>2024-05-11</a:t>
             </a:fld>
             <a:endParaRPr lang="ko-KR" altLang="en-US"/>
           </a:p>
@@ -685,7 +685,7 @@
           <a:p>
             <a:fld id="{DF48D0CF-109B-4B51-8209-242E12B56D39}" type="datetimeFigureOut">
               <a:rPr lang="ko-KR" altLang="en-US" smtClean="0"/>
-              <a:t>2024-05-04</a:t>
+              <a:t>2024-05-11</a:t>
             </a:fld>
             <a:endParaRPr lang="ko-KR" altLang="en-US"/>
           </a:p>
@@ -883,7 +883,7 @@
           <a:p>
             <a:fld id="{DF48D0CF-109B-4B51-8209-242E12B56D39}" type="datetimeFigureOut">
               <a:rPr lang="ko-KR" altLang="en-US" smtClean="0"/>
-              <a:t>2024-05-04</a:t>
+              <a:t>2024-05-11</a:t>
             </a:fld>
             <a:endParaRPr lang="ko-KR" altLang="en-US"/>
           </a:p>
@@ -1158,7 +1158,7 @@
           <a:p>
             <a:fld id="{DF48D0CF-109B-4B51-8209-242E12B56D39}" type="datetimeFigureOut">
               <a:rPr lang="ko-KR" altLang="en-US" smtClean="0"/>
-              <a:t>2024-05-04</a:t>
+              <a:t>2024-05-11</a:t>
             </a:fld>
             <a:endParaRPr lang="ko-KR" altLang="en-US"/>
           </a:p>
@@ -1423,7 +1423,7 @@
           <a:p>
             <a:fld id="{DF48D0CF-109B-4B51-8209-242E12B56D39}" type="datetimeFigureOut">
               <a:rPr lang="ko-KR" altLang="en-US" smtClean="0"/>
-              <a:t>2024-05-04</a:t>
+              <a:t>2024-05-11</a:t>
             </a:fld>
             <a:endParaRPr lang="ko-KR" altLang="en-US"/>
           </a:p>
@@ -1835,7 +1835,7 @@
           <a:p>
             <a:fld id="{DF48D0CF-109B-4B51-8209-242E12B56D39}" type="datetimeFigureOut">
               <a:rPr lang="ko-KR" altLang="en-US" smtClean="0"/>
-              <a:t>2024-05-04</a:t>
+              <a:t>2024-05-11</a:t>
             </a:fld>
             <a:endParaRPr lang="ko-KR" altLang="en-US"/>
           </a:p>
@@ -1976,7 +1976,7 @@
           <a:p>
             <a:fld id="{DF48D0CF-109B-4B51-8209-242E12B56D39}" type="datetimeFigureOut">
               <a:rPr lang="ko-KR" altLang="en-US" smtClean="0"/>
-              <a:t>2024-05-04</a:t>
+              <a:t>2024-05-11</a:t>
             </a:fld>
             <a:endParaRPr lang="ko-KR" altLang="en-US"/>
           </a:p>
@@ -2089,7 +2089,7 @@
           <a:p>
             <a:fld id="{DF48D0CF-109B-4B51-8209-242E12B56D39}" type="datetimeFigureOut">
               <a:rPr lang="ko-KR" altLang="en-US" smtClean="0"/>
-              <a:t>2024-05-04</a:t>
+              <a:t>2024-05-11</a:t>
             </a:fld>
             <a:endParaRPr lang="ko-KR" altLang="en-US"/>
           </a:p>
@@ -2400,7 +2400,7 @@
           <a:p>
             <a:fld id="{DF48D0CF-109B-4B51-8209-242E12B56D39}" type="datetimeFigureOut">
               <a:rPr lang="ko-KR" altLang="en-US" smtClean="0"/>
-              <a:t>2024-05-04</a:t>
+              <a:t>2024-05-11</a:t>
             </a:fld>
             <a:endParaRPr lang="ko-KR" altLang="en-US"/>
           </a:p>
@@ -2688,7 +2688,7 @@
           <a:p>
             <a:fld id="{DF48D0CF-109B-4B51-8209-242E12B56D39}" type="datetimeFigureOut">
               <a:rPr lang="ko-KR" altLang="en-US" smtClean="0"/>
-              <a:t>2024-05-04</a:t>
+              <a:t>2024-05-11</a:t>
             </a:fld>
             <a:endParaRPr lang="ko-KR" altLang="en-US"/>
           </a:p>
@@ -2929,7 +2929,7 @@
           <a:p>
             <a:fld id="{DF48D0CF-109B-4B51-8209-242E12B56D39}" type="datetimeFigureOut">
               <a:rPr lang="ko-KR" altLang="en-US" smtClean="0"/>
-              <a:t>2024-05-04</a:t>
+              <a:t>2024-05-11</a:t>
             </a:fld>
             <a:endParaRPr lang="ko-KR" altLang="en-US"/>
           </a:p>
@@ -5389,6 +5389,36 @@
           </a:ln>
         </p:spPr>
       </p:pic>
+      <p:pic>
+        <p:nvPicPr>
+          <p:cNvPr id="6" name="그림 5">
+            <a:extLst>
+              <a:ext uri="{FF2B5EF4-FFF2-40B4-BE49-F238E27FC236}">
+                <a16:creationId xmlns:a16="http://schemas.microsoft.com/office/drawing/2014/main" id="{A1848D81-9AD9-280F-8C96-1040EBA79185}"/>
+              </a:ext>
+            </a:extLst>
+          </p:cNvPr>
+          <p:cNvPicPr>
+            <a:picLocks noChangeAspect="1"/>
+          </p:cNvPicPr>
+          <p:nvPr/>
+        </p:nvPicPr>
+        <p:blipFill>
+          <a:blip r:embed="rId3"/>
+          <a:stretch>
+            <a:fillRect/>
+          </a:stretch>
+        </p:blipFill>
+        <p:spPr>
+          <a:xfrm>
+            <a:off x="0" y="2729315"/>
+            <a:ext cx="2351314" cy="4128685"/>
+          </a:xfrm>
+          <a:prstGeom prst="rect">
+            <a:avLst/>
+          </a:prstGeom>
+        </p:spPr>
+      </p:pic>
     </p:spTree>
     <p:extLst>
       <p:ext uri="{BB962C8B-B14F-4D97-AF65-F5344CB8AC3E}">
@@ -5761,10 +5791,10 @@
       </p:pic>
       <p:pic>
         <p:nvPicPr>
-          <p:cNvPr id="9" name="그림 8">
-            <a:extLst>
-              <a:ext uri="{FF2B5EF4-FFF2-40B4-BE49-F238E27FC236}">
-                <a16:creationId xmlns:a16="http://schemas.microsoft.com/office/drawing/2014/main" id="{963DDABB-9E9C-6744-7F75-E4D23C7934B8}"/>
+          <p:cNvPr id="7" name="그림 6">
+            <a:extLst>
+              <a:ext uri="{FF2B5EF4-FFF2-40B4-BE49-F238E27FC236}">
+                <a16:creationId xmlns:a16="http://schemas.microsoft.com/office/drawing/2014/main" id="{F26AC871-88C1-C833-4F0A-B6804610C768}"/>
               </a:ext>
             </a:extLst>
           </p:cNvPr>
@@ -5781,8 +5811,8 @@
         </p:blipFill>
         <p:spPr>
           <a:xfrm>
-            <a:off x="5275810" y="0"/>
-            <a:ext cx="5538612" cy="6858000"/>
+            <a:off x="5523537" y="0"/>
+            <a:ext cx="5752552" cy="6858000"/>
           </a:xfrm>
           <a:prstGeom prst="rect">
             <a:avLst/>

--- a/쇼핑카트 자료.pptx
+++ b/쇼핑카트 자료.pptx
@@ -11,21 +11,22 @@
     <p:sldId id="276" r:id="rId5"/>
     <p:sldId id="258" r:id="rId6"/>
     <p:sldId id="265" r:id="rId7"/>
-    <p:sldId id="277" r:id="rId8"/>
-    <p:sldId id="259" r:id="rId9"/>
-    <p:sldId id="260" r:id="rId10"/>
-    <p:sldId id="261" r:id="rId11"/>
-    <p:sldId id="263" r:id="rId12"/>
-    <p:sldId id="274" r:id="rId13"/>
-    <p:sldId id="266" r:id="rId14"/>
-    <p:sldId id="267" r:id="rId15"/>
-    <p:sldId id="275" r:id="rId16"/>
-    <p:sldId id="268" r:id="rId17"/>
-    <p:sldId id="269" r:id="rId18"/>
-    <p:sldId id="271" r:id="rId19"/>
-    <p:sldId id="272" r:id="rId20"/>
-    <p:sldId id="270" r:id="rId21"/>
-    <p:sldId id="273" r:id="rId22"/>
+    <p:sldId id="278" r:id="rId8"/>
+    <p:sldId id="277" r:id="rId9"/>
+    <p:sldId id="259" r:id="rId10"/>
+    <p:sldId id="260" r:id="rId11"/>
+    <p:sldId id="261" r:id="rId12"/>
+    <p:sldId id="263" r:id="rId13"/>
+    <p:sldId id="274" r:id="rId14"/>
+    <p:sldId id="266" r:id="rId15"/>
+    <p:sldId id="267" r:id="rId16"/>
+    <p:sldId id="275" r:id="rId17"/>
+    <p:sldId id="268" r:id="rId18"/>
+    <p:sldId id="269" r:id="rId19"/>
+    <p:sldId id="271" r:id="rId20"/>
+    <p:sldId id="272" r:id="rId21"/>
+    <p:sldId id="270" r:id="rId22"/>
+    <p:sldId id="273" r:id="rId23"/>
   </p:sldIdLst>
   <p:sldSz cx="12192000" cy="6858000"/>
   <p:notesSz cx="6858000" cy="9144000"/>
@@ -3720,10 +3721,10 @@
       </p:sp>
       <p:pic>
         <p:nvPicPr>
-          <p:cNvPr id="8" name="그림 7">
-            <a:extLst>
-              <a:ext uri="{FF2B5EF4-FFF2-40B4-BE49-F238E27FC236}">
-                <a16:creationId xmlns:a16="http://schemas.microsoft.com/office/drawing/2014/main" id="{53E6E315-C78E-D26B-C07F-CEF1B45450C7}"/>
+          <p:cNvPr id="4" name="그림 3">
+            <a:extLst>
+              <a:ext uri="{FF2B5EF4-FFF2-40B4-BE49-F238E27FC236}">
+                <a16:creationId xmlns:a16="http://schemas.microsoft.com/office/drawing/2014/main" id="{C40091DE-B4FC-6AB6-E16B-DA26C9A262FC}"/>
               </a:ext>
             </a:extLst>
           </p:cNvPr>
@@ -3740,8 +3741,8 @@
         </p:blipFill>
         <p:spPr>
           <a:xfrm>
-            <a:off x="0" y="775917"/>
-            <a:ext cx="6916115" cy="3143689"/>
+            <a:off x="0" y="476025"/>
+            <a:ext cx="7249537" cy="2362530"/>
           </a:xfrm>
           <a:prstGeom prst="rect">
             <a:avLst/>
@@ -3750,10 +3751,10 @@
       </p:pic>
       <p:pic>
         <p:nvPicPr>
-          <p:cNvPr id="5" name="그림 4">
-            <a:extLst>
-              <a:ext uri="{FF2B5EF4-FFF2-40B4-BE49-F238E27FC236}">
-                <a16:creationId xmlns:a16="http://schemas.microsoft.com/office/drawing/2014/main" id="{5E1F996B-0F73-09DF-EF98-77FF89F1E5FC}"/>
+          <p:cNvPr id="2" name="그림 1">
+            <a:extLst>
+              <a:ext uri="{FF2B5EF4-FFF2-40B4-BE49-F238E27FC236}">
+                <a16:creationId xmlns:a16="http://schemas.microsoft.com/office/drawing/2014/main" id="{8469B7ED-71B6-3278-EAF6-F886BAFCF830}"/>
               </a:ext>
             </a:extLst>
           </p:cNvPr>
@@ -3770,8 +3771,8 @@
         </p:blipFill>
         <p:spPr>
           <a:xfrm>
-            <a:off x="6096000" y="1944169"/>
-            <a:ext cx="5249066" cy="4913831"/>
+            <a:off x="333422" y="1158005"/>
+            <a:ext cx="6916115" cy="3143689"/>
           </a:xfrm>
           <a:prstGeom prst="rect">
             <a:avLst/>
@@ -3780,10 +3781,10 @@
       </p:pic>
       <p:sp>
         <p:nvSpPr>
-          <p:cNvPr id="2" name="직사각형 1">
-            <a:extLst>
-              <a:ext uri="{FF2B5EF4-FFF2-40B4-BE49-F238E27FC236}">
-                <a16:creationId xmlns:a16="http://schemas.microsoft.com/office/drawing/2014/main" id="{A29FD8D0-552F-0C1A-117B-D33F246D36C0}"/>
+          <p:cNvPr id="5" name="직사각형 4">
+            <a:extLst>
+              <a:ext uri="{FF2B5EF4-FFF2-40B4-BE49-F238E27FC236}">
+                <a16:creationId xmlns:a16="http://schemas.microsoft.com/office/drawing/2014/main" id="{FDA0410E-5D47-97F6-927A-9AD8BF6A6F67}"/>
               </a:ext>
             </a:extLst>
           </p:cNvPr>
@@ -3792,8 +3793,8 @@
         </p:nvSpPr>
         <p:spPr>
           <a:xfrm>
-            <a:off x="673768" y="1847917"/>
-            <a:ext cx="4457700" cy="1478815"/>
+            <a:off x="946899" y="1503533"/>
+            <a:ext cx="6636059" cy="752779"/>
           </a:xfrm>
           <a:prstGeom prst="rect">
             <a:avLst/>
@@ -3831,7 +3832,7 @@
     </p:spTree>
     <p:extLst>
       <p:ext uri="{BB962C8B-B14F-4D97-AF65-F5344CB8AC3E}">
-        <p14:creationId xmlns:p14="http://schemas.microsoft.com/office/powerpoint/2010/main" val="2049900606"/>
+        <p14:creationId xmlns:p14="http://schemas.microsoft.com/office/powerpoint/2010/main" val="3423073067"/>
       </p:ext>
     </p:extLst>
   </p:cSld>
@@ -3886,22 +3887,31 @@
           <a:p>
             <a:pPr algn="l"/>
             <a:r>
-              <a:rPr lang="ko-KR" altLang="en-US" dirty="0" err="1"/>
-              <a:t>리덕스</a:t>
-            </a:r>
-            <a:r>
               <a:rPr lang="ko-KR" altLang="en-US" dirty="0"/>
-              <a:t> 슬라이스</a:t>
-            </a:r>
+              <a:t>홈 </a:t>
+            </a:r>
+            <a:r>
+              <a:rPr lang="en-US" altLang="ko-KR" dirty="0"/>
+              <a:t>– </a:t>
+            </a:r>
+            <a:r>
+              <a:rPr lang="ko-KR" altLang="en-US" dirty="0"/>
+              <a:t>상품 타일</a:t>
+            </a:r>
+            <a:endParaRPr lang="en-US" altLang="ko-KR" dirty="0"/>
+          </a:p>
+          <a:p>
+            <a:pPr algn="l"/>
+            <a:endParaRPr lang="ko-KR" altLang="en-US" dirty="0"/>
           </a:p>
         </p:txBody>
       </p:sp>
       <p:pic>
         <p:nvPicPr>
-          <p:cNvPr id="9" name="그림 8">
-            <a:extLst>
-              <a:ext uri="{FF2B5EF4-FFF2-40B4-BE49-F238E27FC236}">
-                <a16:creationId xmlns:a16="http://schemas.microsoft.com/office/drawing/2014/main" id="{32387E6C-DE06-386F-BA14-82AC0160AED3}"/>
+          <p:cNvPr id="5" name="그림 4">
+            <a:extLst>
+              <a:ext uri="{FF2B5EF4-FFF2-40B4-BE49-F238E27FC236}">
+                <a16:creationId xmlns:a16="http://schemas.microsoft.com/office/drawing/2014/main" id="{5E1F996B-0F73-09DF-EF98-77FF89F1E5FC}"/>
               </a:ext>
             </a:extLst>
           </p:cNvPr>
@@ -3918,8 +3928,8 @@
         </p:blipFill>
         <p:spPr>
           <a:xfrm>
-            <a:off x="193806" y="546127"/>
-            <a:ext cx="6201640" cy="5506218"/>
+            <a:off x="6777293" y="1267275"/>
+            <a:ext cx="5249066" cy="4913831"/>
           </a:xfrm>
           <a:prstGeom prst="rect">
             <a:avLst/>
@@ -3928,10 +3938,10 @@
       </p:pic>
       <p:pic>
         <p:nvPicPr>
-          <p:cNvPr id="5" name="그림 4">
-            <a:extLst>
-              <a:ext uri="{FF2B5EF4-FFF2-40B4-BE49-F238E27FC236}">
-                <a16:creationId xmlns:a16="http://schemas.microsoft.com/office/drawing/2014/main" id="{DAFA7A43-71A2-021F-39A0-ABF76A729217}"/>
+          <p:cNvPr id="4" name="그림 3">
+            <a:extLst>
+              <a:ext uri="{FF2B5EF4-FFF2-40B4-BE49-F238E27FC236}">
+                <a16:creationId xmlns:a16="http://schemas.microsoft.com/office/drawing/2014/main" id="{74A27BCB-47FF-7705-1891-11E453C1FF7F}"/>
               </a:ext>
             </a:extLst>
           </p:cNvPr>
@@ -3948,8 +3958,8 @@
         </p:blipFill>
         <p:spPr>
           <a:xfrm>
-            <a:off x="6724339" y="546127"/>
-            <a:ext cx="4458322" cy="2753109"/>
+            <a:off x="95002" y="1583314"/>
+            <a:ext cx="6587289" cy="4007411"/>
           </a:xfrm>
           <a:prstGeom prst="rect">
             <a:avLst/>
@@ -3959,7 +3969,7 @@
     </p:spTree>
     <p:extLst>
       <p:ext uri="{BB962C8B-B14F-4D97-AF65-F5344CB8AC3E}">
-        <p14:creationId xmlns:p14="http://schemas.microsoft.com/office/powerpoint/2010/main" val="190760163"/>
+        <p14:creationId xmlns:p14="http://schemas.microsoft.com/office/powerpoint/2010/main" val="2049900606"/>
       </p:ext>
     </p:extLst>
   </p:cSld>
@@ -4019,17 +4029,38 @@
             </a:r>
             <a:r>
               <a:rPr lang="ko-KR" altLang="en-US" dirty="0"/>
-              <a:t> 슬라이스</a:t>
-            </a:r>
+              <a:t> 슬라이스 </a:t>
+            </a:r>
+            <a:r>
+              <a:rPr lang="en-US" altLang="ko-KR" dirty="0"/>
+              <a:t>(</a:t>
+            </a:r>
+            <a:r>
+              <a:rPr lang="ko-KR" altLang="en-US" dirty="0"/>
+              <a:t>카트 슬라이스</a:t>
+            </a:r>
+            <a:r>
+              <a:rPr lang="en-US" altLang="ko-KR" dirty="0"/>
+              <a:t>, </a:t>
+            </a:r>
+            <a:r>
+              <a:rPr lang="ko-KR" altLang="en-US" dirty="0"/>
+              <a:t>스토어</a:t>
+            </a:r>
+            <a:r>
+              <a:rPr lang="en-US" altLang="ko-KR" dirty="0"/>
+              <a:t>)</a:t>
+            </a:r>
+            <a:endParaRPr lang="ko-KR" altLang="en-US" dirty="0"/>
           </a:p>
         </p:txBody>
       </p:sp>
       <p:pic>
         <p:nvPicPr>
-          <p:cNvPr id="4" name="그림 3">
-            <a:extLst>
-              <a:ext uri="{FF2B5EF4-FFF2-40B4-BE49-F238E27FC236}">
-                <a16:creationId xmlns:a16="http://schemas.microsoft.com/office/drawing/2014/main" id="{26EED7CB-2C51-DD0F-E685-3E99936299D5}"/>
+          <p:cNvPr id="9" name="그림 8">
+            <a:extLst>
+              <a:ext uri="{FF2B5EF4-FFF2-40B4-BE49-F238E27FC236}">
+                <a16:creationId xmlns:a16="http://schemas.microsoft.com/office/drawing/2014/main" id="{32387E6C-DE06-386F-BA14-82AC0160AED3}"/>
               </a:ext>
             </a:extLst>
           </p:cNvPr>
@@ -4046,105 +4077,48 @@
         </p:blipFill>
         <p:spPr>
           <a:xfrm>
-            <a:off x="147501" y="534096"/>
-            <a:ext cx="5544324" cy="4382112"/>
+            <a:off x="193806" y="546127"/>
+            <a:ext cx="6201640" cy="5506218"/>
           </a:xfrm>
           <a:prstGeom prst="rect">
             <a:avLst/>
           </a:prstGeom>
         </p:spPr>
       </p:pic>
-      <p:sp>
-        <p:nvSpPr>
-          <p:cNvPr id="6" name="TextBox 5">
-            <a:extLst>
-              <a:ext uri="{FF2B5EF4-FFF2-40B4-BE49-F238E27FC236}">
-                <a16:creationId xmlns:a16="http://schemas.microsoft.com/office/drawing/2014/main" id="{8C6C3421-4A54-C8C3-A055-D31C78D29B1F}"/>
-              </a:ext>
-            </a:extLst>
-          </p:cNvPr>
-          <p:cNvSpPr txBox="1"/>
+      <p:pic>
+        <p:nvPicPr>
+          <p:cNvPr id="5" name="그림 4">
+            <a:extLst>
+              <a:ext uri="{FF2B5EF4-FFF2-40B4-BE49-F238E27FC236}">
+                <a16:creationId xmlns:a16="http://schemas.microsoft.com/office/drawing/2014/main" id="{DAFA7A43-71A2-021F-39A0-ABF76A729217}"/>
+              </a:ext>
+            </a:extLst>
+          </p:cNvPr>
+          <p:cNvPicPr>
+            <a:picLocks noChangeAspect="1"/>
+          </p:cNvPicPr>
           <p:nvPr/>
-        </p:nvSpPr>
-        <p:spPr>
-          <a:xfrm>
-            <a:off x="1383632" y="5065295"/>
-            <a:ext cx="1750594" cy="369332"/>
+        </p:nvPicPr>
+        <p:blipFill>
+          <a:blip r:embed="rId3"/>
+          <a:stretch>
+            <a:fillRect/>
+          </a:stretch>
+        </p:blipFill>
+        <p:spPr>
+          <a:xfrm>
+            <a:off x="6724339" y="546127"/>
+            <a:ext cx="4458322" cy="2753109"/>
           </a:xfrm>
           <a:prstGeom prst="rect">
             <a:avLst/>
           </a:prstGeom>
-          <a:noFill/>
-        </p:spPr>
-        <p:txBody>
-          <a:bodyPr wrap="square" rtlCol="0">
-            <a:spAutoFit/>
-          </a:bodyPr>
-          <a:lstStyle/>
-          <a:p>
-            <a:r>
-              <a:rPr lang="en-US" altLang="ko-KR" dirty="0"/>
-              <a:t>index.js</a:t>
-            </a:r>
-            <a:endParaRPr lang="ko-KR" altLang="en-US" dirty="0"/>
-          </a:p>
-        </p:txBody>
-      </p:sp>
-      <p:sp>
-        <p:nvSpPr>
-          <p:cNvPr id="5" name="TextBox 4">
-            <a:extLst>
-              <a:ext uri="{FF2B5EF4-FFF2-40B4-BE49-F238E27FC236}">
-                <a16:creationId xmlns:a16="http://schemas.microsoft.com/office/drawing/2014/main" id="{95682E83-6F19-7DA7-DE69-196C70733EC3}"/>
-              </a:ext>
-            </a:extLst>
-          </p:cNvPr>
-          <p:cNvSpPr txBox="1"/>
-          <p:nvPr/>
-        </p:nvSpPr>
-        <p:spPr>
-          <a:xfrm>
-            <a:off x="6021977" y="534096"/>
-            <a:ext cx="4761412" cy="369332"/>
-          </a:xfrm>
-          <a:prstGeom prst="rect">
-            <a:avLst/>
-          </a:prstGeom>
-          <a:noFill/>
-        </p:spPr>
-        <p:txBody>
-          <a:bodyPr wrap="square" rtlCol="0">
-            <a:spAutoFit/>
-          </a:bodyPr>
-          <a:lstStyle/>
-          <a:p>
-            <a:r>
-              <a:rPr lang="ko-KR" altLang="en-US" dirty="0"/>
-              <a:t>검색으로 </a:t>
-            </a:r>
-            <a:r>
-              <a:rPr lang="en-US" altLang="ko-KR" dirty="0"/>
-              <a:t>injdex.js</a:t>
-            </a:r>
-            <a:r>
-              <a:rPr lang="ko-KR" altLang="en-US" dirty="0"/>
-              <a:t>에 </a:t>
-            </a:r>
-            <a:r>
-              <a:rPr lang="ko-KR" altLang="en-US" dirty="0" err="1"/>
-              <a:t>리덕스</a:t>
-            </a:r>
-            <a:r>
-              <a:rPr lang="ko-KR" altLang="en-US" dirty="0"/>
-              <a:t> 연결시키기</a:t>
-            </a:r>
-          </a:p>
-        </p:txBody>
-      </p:sp>
+        </p:spPr>
+      </p:pic>
     </p:spTree>
     <p:extLst>
       <p:ext uri="{BB962C8B-B14F-4D97-AF65-F5344CB8AC3E}">
-        <p14:creationId xmlns:p14="http://schemas.microsoft.com/office/powerpoint/2010/main" val="472198059"/>
+        <p14:creationId xmlns:p14="http://schemas.microsoft.com/office/powerpoint/2010/main" val="190760163"/>
       </p:ext>
     </p:extLst>
   </p:cSld>
@@ -4199,10 +4173,13 @@
           <a:p>
             <a:pPr algn="l"/>
             <a:r>
-              <a:rPr lang="en-US" altLang="ko-KR" dirty="0"/>
-              <a:t> </a:t>
-            </a:r>
-            <a:endParaRPr lang="ko-KR" altLang="en-US" dirty="0"/>
+              <a:rPr lang="ko-KR" altLang="en-US" dirty="0" err="1"/>
+              <a:t>리덕스</a:t>
+            </a:r>
+            <a:r>
+              <a:rPr lang="ko-KR" altLang="en-US" dirty="0"/>
+              <a:t> 슬라이스</a:t>
+            </a:r>
           </a:p>
         </p:txBody>
       </p:sp>
@@ -4211,7 +4188,7 @@
           <p:cNvPr id="4" name="그림 3">
             <a:extLst>
               <a:ext uri="{FF2B5EF4-FFF2-40B4-BE49-F238E27FC236}">
-                <a16:creationId xmlns:a16="http://schemas.microsoft.com/office/drawing/2014/main" id="{6BE7752A-C45A-A719-E43C-67E68777CDF2}"/>
+                <a16:creationId xmlns:a16="http://schemas.microsoft.com/office/drawing/2014/main" id="{26EED7CB-2C51-DD0F-E685-3E99936299D5}"/>
               </a:ext>
             </a:extLst>
           </p:cNvPr>
@@ -4228,8 +4205,8 @@
         </p:blipFill>
         <p:spPr>
           <a:xfrm>
-            <a:off x="0" y="0"/>
-            <a:ext cx="8895991" cy="6858000"/>
+            <a:off x="147501" y="534096"/>
+            <a:ext cx="5544324" cy="4382112"/>
           </a:xfrm>
           <a:prstGeom prst="rect">
             <a:avLst/>
@@ -4238,10 +4215,10 @@
       </p:pic>
       <p:sp>
         <p:nvSpPr>
-          <p:cNvPr id="2" name="TextBox 1">
-            <a:extLst>
-              <a:ext uri="{FF2B5EF4-FFF2-40B4-BE49-F238E27FC236}">
-                <a16:creationId xmlns:a16="http://schemas.microsoft.com/office/drawing/2014/main" id="{CB2B0233-590C-7429-3F86-BAF134E1DC8A}"/>
+          <p:cNvPr id="6" name="TextBox 5">
+            <a:extLst>
+              <a:ext uri="{FF2B5EF4-FFF2-40B4-BE49-F238E27FC236}">
+                <a16:creationId xmlns:a16="http://schemas.microsoft.com/office/drawing/2014/main" id="{8C6C3421-4A54-C8C3-A055-D31C78D29B1F}"/>
               </a:ext>
             </a:extLst>
           </p:cNvPr>
@@ -4250,8 +4227,8 @@
         </p:nvSpPr>
         <p:spPr>
           <a:xfrm>
-            <a:off x="9235440" y="698863"/>
-            <a:ext cx="2599509" cy="923330"/>
+            <a:off x="1383632" y="5065295"/>
+            <a:ext cx="1750594" cy="369332"/>
           </a:xfrm>
           <a:prstGeom prst="rect">
             <a:avLst/>
@@ -4265,19 +4242,60 @@
           <a:lstStyle/>
           <a:p>
             <a:r>
+              <a:rPr lang="en-US" altLang="ko-KR" dirty="0"/>
+              <a:t>index.js</a:t>
+            </a:r>
+            <a:endParaRPr lang="ko-KR" altLang="en-US" dirty="0"/>
+          </a:p>
+        </p:txBody>
+      </p:sp>
+      <p:sp>
+        <p:nvSpPr>
+          <p:cNvPr id="5" name="TextBox 4">
+            <a:extLst>
+              <a:ext uri="{FF2B5EF4-FFF2-40B4-BE49-F238E27FC236}">
+                <a16:creationId xmlns:a16="http://schemas.microsoft.com/office/drawing/2014/main" id="{95682E83-6F19-7DA7-DE69-196C70733EC3}"/>
+              </a:ext>
+            </a:extLst>
+          </p:cNvPr>
+          <p:cNvSpPr txBox="1"/>
+          <p:nvPr/>
+        </p:nvSpPr>
+        <p:spPr>
+          <a:xfrm>
+            <a:off x="6021977" y="534096"/>
+            <a:ext cx="4761412" cy="369332"/>
+          </a:xfrm>
+          <a:prstGeom prst="rect">
+            <a:avLst/>
+          </a:prstGeom>
+          <a:noFill/>
+        </p:spPr>
+        <p:txBody>
+          <a:bodyPr wrap="square" rtlCol="0">
+            <a:spAutoFit/>
+          </a:bodyPr>
+          <a:lstStyle/>
+          <a:p>
+            <a:r>
+              <a:rPr lang="ko-KR" altLang="en-US" dirty="0"/>
+              <a:t>검색으로 </a:t>
+            </a:r>
+            <a:r>
+              <a:rPr lang="en-US" altLang="ko-KR" dirty="0"/>
+              <a:t>injdex.js</a:t>
+            </a:r>
+            <a:r>
+              <a:rPr lang="ko-KR" altLang="en-US" dirty="0"/>
+              <a:t>에 </a:t>
+            </a:r>
+            <a:r>
               <a:rPr lang="ko-KR" altLang="en-US" dirty="0" err="1"/>
-              <a:t>디스패처와</a:t>
+              <a:t>리덕스</a:t>
             </a:r>
             <a:r>
               <a:rPr lang="ko-KR" altLang="en-US" dirty="0"/>
-              <a:t> 핸들함수 추가</a:t>
-            </a:r>
-            <a:endParaRPr lang="en-US" altLang="ko-KR" dirty="0"/>
-          </a:p>
-          <a:p>
-            <a:r>
-              <a:rPr lang="ko-KR" altLang="en-US" dirty="0"/>
-              <a:t>및 누락부분 작성</a:t>
+              <a:t> 연결시키기</a:t>
             </a:r>
           </a:p>
         </p:txBody>
@@ -4285,7 +4303,7 @@
     </p:spTree>
     <p:extLst>
       <p:ext uri="{BB962C8B-B14F-4D97-AF65-F5344CB8AC3E}">
-        <p14:creationId xmlns:p14="http://schemas.microsoft.com/office/powerpoint/2010/main" val="559258394"/>
+        <p14:creationId xmlns:p14="http://schemas.microsoft.com/office/powerpoint/2010/main" val="472198059"/>
       </p:ext>
     </p:extLst>
   </p:cSld>
@@ -4340,19 +4358,65 @@
           <a:p>
             <a:pPr algn="l"/>
             <a:r>
+              <a:rPr lang="en-US" altLang="ko-KR" dirty="0"/>
+              <a:t> </a:t>
+            </a:r>
+            <a:endParaRPr lang="ko-KR" altLang="en-US" dirty="0"/>
+          </a:p>
+        </p:txBody>
+      </p:sp>
+      <p:sp>
+        <p:nvSpPr>
+          <p:cNvPr id="2" name="TextBox 1">
+            <a:extLst>
+              <a:ext uri="{FF2B5EF4-FFF2-40B4-BE49-F238E27FC236}">
+                <a16:creationId xmlns:a16="http://schemas.microsoft.com/office/drawing/2014/main" id="{CB2B0233-590C-7429-3F86-BAF134E1DC8A}"/>
+              </a:ext>
+            </a:extLst>
+          </p:cNvPr>
+          <p:cNvSpPr txBox="1"/>
+          <p:nvPr/>
+        </p:nvSpPr>
+        <p:spPr>
+          <a:xfrm>
+            <a:off x="9235440" y="698863"/>
+            <a:ext cx="2599509" cy="923330"/>
+          </a:xfrm>
+          <a:prstGeom prst="rect">
+            <a:avLst/>
+          </a:prstGeom>
+          <a:noFill/>
+        </p:spPr>
+        <p:txBody>
+          <a:bodyPr wrap="square" rtlCol="0">
+            <a:spAutoFit/>
+          </a:bodyPr>
+          <a:lstStyle/>
+          <a:p>
+            <a:r>
+              <a:rPr lang="ko-KR" altLang="en-US" dirty="0" err="1"/>
+              <a:t>디스패처와</a:t>
+            </a:r>
+            <a:r>
               <a:rPr lang="ko-KR" altLang="en-US" dirty="0"/>
-              <a:t>카트 페이지 추가하기</a:t>
+              <a:t> 핸들함수 추가</a:t>
             </a:r>
             <a:endParaRPr lang="en-US" altLang="ko-KR" dirty="0"/>
+          </a:p>
+          <a:p>
+            <a:r>
+              <a:rPr lang="ko-KR" altLang="en-US" dirty="0"/>
+              <a:t>및 누락부분 작성</a:t>
+            </a:r>
           </a:p>
         </p:txBody>
       </p:sp>
       <p:pic>
         <p:nvPicPr>
-          <p:cNvPr id="10" name="그림 9">
-            <a:extLst>
-              <a:ext uri="{FF2B5EF4-FFF2-40B4-BE49-F238E27FC236}">
-                <a16:creationId xmlns:a16="http://schemas.microsoft.com/office/drawing/2014/main" id="{9A1621B2-E395-A4F8-208A-DEA9B2067B44}"/>
+          <p:cNvPr id="6" name="그림 5">
+            <a:extLst>
+              <a:ext uri="{FF2B5EF4-FFF2-40B4-BE49-F238E27FC236}">
+                <a16:creationId xmlns:a16="http://schemas.microsoft.com/office/drawing/2014/main" id="{93F5A634-CAD4-9746-F328-9B67CE57663C}"/>
               </a:ext>
             </a:extLst>
           </p:cNvPr>
@@ -4369,8 +4433,8 @@
         </p:blipFill>
         <p:spPr>
           <a:xfrm>
-            <a:off x="429103" y="606933"/>
-            <a:ext cx="11117226" cy="5896798"/>
+            <a:off x="134783" y="0"/>
+            <a:ext cx="8336086" cy="6858000"/>
           </a:xfrm>
           <a:prstGeom prst="rect">
             <a:avLst/>
@@ -4380,7 +4444,7 @@
     </p:spTree>
     <p:extLst>
       <p:ext uri="{BB962C8B-B14F-4D97-AF65-F5344CB8AC3E}">
-        <p14:creationId xmlns:p14="http://schemas.microsoft.com/office/powerpoint/2010/main" val="3394815445"/>
+        <p14:creationId xmlns:p14="http://schemas.microsoft.com/office/powerpoint/2010/main" val="559258394"/>
       </p:ext>
     </p:extLst>
   </p:cSld>
@@ -4436,29 +4500,18 @@
             <a:pPr algn="l"/>
             <a:r>
               <a:rPr lang="ko-KR" altLang="en-US" dirty="0"/>
-              <a:t>카트 페이지</a:t>
+              <a:t>카트 페이지 추가하기</a:t>
             </a:r>
             <a:endParaRPr lang="en-US" altLang="ko-KR" dirty="0"/>
-          </a:p>
-          <a:p>
-            <a:pPr algn="l"/>
-            <a:r>
-              <a:rPr lang="ko-KR" altLang="en-US" dirty="0" err="1"/>
-              <a:t>리덕스의</a:t>
-            </a:r>
-            <a:r>
-              <a:rPr lang="ko-KR" altLang="en-US" dirty="0"/>
-              <a:t> 값을 가져온다</a:t>
-            </a:r>
           </a:p>
         </p:txBody>
       </p:sp>
       <p:pic>
         <p:nvPicPr>
-          <p:cNvPr id="8" name="그림 7">
-            <a:extLst>
-              <a:ext uri="{FF2B5EF4-FFF2-40B4-BE49-F238E27FC236}">
-                <a16:creationId xmlns:a16="http://schemas.microsoft.com/office/drawing/2014/main" id="{0D674E3D-005A-16E1-0809-75D414084F1B}"/>
+          <p:cNvPr id="10" name="그림 9">
+            <a:extLst>
+              <a:ext uri="{FF2B5EF4-FFF2-40B4-BE49-F238E27FC236}">
+                <a16:creationId xmlns:a16="http://schemas.microsoft.com/office/drawing/2014/main" id="{9A1621B2-E395-A4F8-208A-DEA9B2067B44}"/>
               </a:ext>
             </a:extLst>
           </p:cNvPr>
@@ -4475,69 +4528,18 @@
         </p:blipFill>
         <p:spPr>
           <a:xfrm>
-            <a:off x="299165" y="1213666"/>
-            <a:ext cx="5325218" cy="4296375"/>
+            <a:off x="429103" y="606933"/>
+            <a:ext cx="11117226" cy="5896798"/>
           </a:xfrm>
           <a:prstGeom prst="rect">
             <a:avLst/>
           </a:prstGeom>
         </p:spPr>
       </p:pic>
-      <p:sp>
-        <p:nvSpPr>
-          <p:cNvPr id="2" name="TextBox 1">
-            <a:extLst>
-              <a:ext uri="{FF2B5EF4-FFF2-40B4-BE49-F238E27FC236}">
-                <a16:creationId xmlns:a16="http://schemas.microsoft.com/office/drawing/2014/main" id="{0F16735A-82FF-11F3-1F88-38E8BFB5985B}"/>
-              </a:ext>
-            </a:extLst>
-          </p:cNvPr>
-          <p:cNvSpPr txBox="1"/>
-          <p:nvPr/>
-        </p:nvSpPr>
-        <p:spPr>
-          <a:xfrm>
-            <a:off x="6230983" y="1456509"/>
-            <a:ext cx="5799908" cy="369332"/>
-          </a:xfrm>
-          <a:prstGeom prst="rect">
-            <a:avLst/>
-          </a:prstGeom>
-          <a:noFill/>
-        </p:spPr>
-        <p:txBody>
-          <a:bodyPr wrap="square" rtlCol="0">
-            <a:spAutoFit/>
-          </a:bodyPr>
-          <a:lstStyle/>
-          <a:p>
-            <a:r>
-              <a:rPr lang="en-US" altLang="ko-KR" dirty="0"/>
-              <a:t>1. </a:t>
-            </a:r>
-            <a:r>
-              <a:rPr lang="en-US" altLang="ko-KR" dirty="0" err="1"/>
-              <a:t>useSelector</a:t>
-            </a:r>
-            <a:r>
-              <a:rPr lang="ko-KR" altLang="en-US" dirty="0"/>
-              <a:t>로 슬라이스 전체를 </a:t>
-            </a:r>
-            <a:r>
-              <a:rPr lang="en-US" altLang="ko-KR" dirty="0"/>
-              <a:t>state</a:t>
-            </a:r>
-            <a:r>
-              <a:rPr lang="ko-KR" altLang="en-US" dirty="0"/>
-              <a:t>로 가져온다 </a:t>
-            </a:r>
-          </a:p>
-        </p:txBody>
-      </p:sp>
     </p:spTree>
     <p:extLst>
       <p:ext uri="{BB962C8B-B14F-4D97-AF65-F5344CB8AC3E}">
-        <p14:creationId xmlns:p14="http://schemas.microsoft.com/office/powerpoint/2010/main" val="1202202371"/>
+        <p14:creationId xmlns:p14="http://schemas.microsoft.com/office/powerpoint/2010/main" val="3394815445"/>
       </p:ext>
     </p:extLst>
   </p:cSld>
@@ -4599,16 +4601,74 @@
           </a:p>
           <a:p>
             <a:pPr algn="l"/>
-            <a:endParaRPr lang="en-US" altLang="ko-KR" dirty="0"/>
+            <a:r>
+              <a:rPr lang="ko-KR" altLang="en-US" dirty="0" err="1"/>
+              <a:t>리덕스의</a:t>
+            </a:r>
+            <a:r>
+              <a:rPr lang="ko-KR" altLang="en-US" dirty="0"/>
+              <a:t> 값을 가져온다</a:t>
+            </a:r>
+          </a:p>
+        </p:txBody>
+      </p:sp>
+      <p:sp>
+        <p:nvSpPr>
+          <p:cNvPr id="2" name="TextBox 1">
+            <a:extLst>
+              <a:ext uri="{FF2B5EF4-FFF2-40B4-BE49-F238E27FC236}">
+                <a16:creationId xmlns:a16="http://schemas.microsoft.com/office/drawing/2014/main" id="{0F16735A-82FF-11F3-1F88-38E8BFB5985B}"/>
+              </a:ext>
+            </a:extLst>
+          </p:cNvPr>
+          <p:cNvSpPr txBox="1"/>
+          <p:nvPr/>
+        </p:nvSpPr>
+        <p:spPr>
+          <a:xfrm>
+            <a:off x="220307" y="998710"/>
+            <a:ext cx="5799908" cy="369332"/>
+          </a:xfrm>
+          <a:prstGeom prst="rect">
+            <a:avLst/>
+          </a:prstGeom>
+          <a:noFill/>
+        </p:spPr>
+        <p:txBody>
+          <a:bodyPr wrap="square" rtlCol="0">
+            <a:spAutoFit/>
+          </a:bodyPr>
+          <a:lstStyle/>
+          <a:p>
+            <a:r>
+              <a:rPr lang="en-US" altLang="ko-KR" dirty="0"/>
+              <a:t>1. </a:t>
+            </a:r>
+            <a:r>
+              <a:rPr lang="en-US" altLang="ko-KR" dirty="0" err="1"/>
+              <a:t>useSelector</a:t>
+            </a:r>
+            <a:r>
+              <a:rPr lang="ko-KR" altLang="en-US" dirty="0"/>
+              <a:t>로 슬라이스 전체를 </a:t>
+            </a:r>
+            <a:r>
+              <a:rPr lang="en-US" altLang="ko-KR" dirty="0"/>
+              <a:t>state</a:t>
+            </a:r>
+            <a:r>
+              <a:rPr lang="ko-KR" altLang="en-US" dirty="0"/>
+              <a:t>로 가져온다 </a:t>
+            </a:r>
           </a:p>
         </p:txBody>
       </p:sp>
       <p:pic>
         <p:nvPicPr>
-          <p:cNvPr id="6" name="그림 5">
-            <a:extLst>
-              <a:ext uri="{FF2B5EF4-FFF2-40B4-BE49-F238E27FC236}">
-                <a16:creationId xmlns:a16="http://schemas.microsoft.com/office/drawing/2014/main" id="{CFBF2C47-1C91-6F10-003C-58189F4D427A}"/>
+          <p:cNvPr id="5" name="그림 4">
+            <a:extLst>
+              <a:ext uri="{FF2B5EF4-FFF2-40B4-BE49-F238E27FC236}">
+                <a16:creationId xmlns:a16="http://schemas.microsoft.com/office/drawing/2014/main" id="{52C3A920-5537-EF5D-7EB9-CB1DE80A0F98}"/>
               </a:ext>
             </a:extLst>
           </p:cNvPr>
@@ -4625,8 +4685,8 @@
         </p:blipFill>
         <p:spPr>
           <a:xfrm>
-            <a:off x="0" y="1246992"/>
-            <a:ext cx="6782747" cy="5611008"/>
+            <a:off x="75785" y="1702859"/>
+            <a:ext cx="5944430" cy="4820323"/>
           </a:xfrm>
           <a:prstGeom prst="rect">
             <a:avLst/>
@@ -4635,10 +4695,10 @@
       </p:pic>
       <p:pic>
         <p:nvPicPr>
-          <p:cNvPr id="4" name="그림 3">
-            <a:extLst>
-              <a:ext uri="{FF2B5EF4-FFF2-40B4-BE49-F238E27FC236}">
-                <a16:creationId xmlns:a16="http://schemas.microsoft.com/office/drawing/2014/main" id="{CA98D43E-DBCF-93CC-5C76-943C3BCD870F}"/>
+          <p:cNvPr id="9" name="그림 8">
+            <a:extLst>
+              <a:ext uri="{FF2B5EF4-FFF2-40B4-BE49-F238E27FC236}">
+                <a16:creationId xmlns:a16="http://schemas.microsoft.com/office/drawing/2014/main" id="{6A994C5E-9317-664F-5A9E-72AEAFD33873}"/>
               </a:ext>
             </a:extLst>
           </p:cNvPr>
@@ -4655,70 +4715,18 @@
         </p:blipFill>
         <p:spPr>
           <a:xfrm>
-            <a:off x="2008953" y="0"/>
-            <a:ext cx="3177001" cy="1181529"/>
+            <a:off x="6096000" y="0"/>
+            <a:ext cx="5843947" cy="6858000"/>
           </a:xfrm>
           <a:prstGeom prst="rect">
             <a:avLst/>
           </a:prstGeom>
         </p:spPr>
       </p:pic>
-      <p:sp>
-        <p:nvSpPr>
-          <p:cNvPr id="2" name="TextBox 1">
-            <a:extLst>
-              <a:ext uri="{FF2B5EF4-FFF2-40B4-BE49-F238E27FC236}">
-                <a16:creationId xmlns:a16="http://schemas.microsoft.com/office/drawing/2014/main" id="{A92DB447-A954-5EED-73C5-757081C2FC97}"/>
-              </a:ext>
-            </a:extLst>
-          </p:cNvPr>
-          <p:cNvSpPr txBox="1"/>
-          <p:nvPr/>
-        </p:nvSpPr>
-        <p:spPr>
-          <a:xfrm>
-            <a:off x="7093132" y="1358027"/>
-            <a:ext cx="4565468" cy="646331"/>
-          </a:xfrm>
-          <a:prstGeom prst="rect">
-            <a:avLst/>
-          </a:prstGeom>
-          <a:noFill/>
-        </p:spPr>
-        <p:txBody>
-          <a:bodyPr wrap="square" rtlCol="0">
-            <a:spAutoFit/>
-          </a:bodyPr>
-          <a:lstStyle/>
-          <a:p>
-            <a:pPr marL="342900" indent="-342900">
-              <a:buAutoNum type="arabicPeriod"/>
-            </a:pPr>
-            <a:r>
-              <a:rPr lang="ko-KR" altLang="en-US" dirty="0" err="1"/>
-              <a:t>카트타일</a:t>
-            </a:r>
-            <a:r>
-              <a:rPr lang="ko-KR" altLang="en-US" dirty="0"/>
-              <a:t> 컴포넌트 생성</a:t>
-            </a:r>
-            <a:endParaRPr lang="en-US" altLang="ko-KR" dirty="0"/>
-          </a:p>
-          <a:p>
-            <a:pPr marL="342900" indent="-342900">
-              <a:buAutoNum type="arabicPeriod"/>
-            </a:pPr>
-            <a:r>
-              <a:rPr lang="ko-KR" altLang="en-US" dirty="0"/>
-              <a:t>그냥 같이 작성</a:t>
-            </a:r>
-          </a:p>
-        </p:txBody>
-      </p:sp>
     </p:spTree>
     <p:extLst>
       <p:ext uri="{BB962C8B-B14F-4D97-AF65-F5344CB8AC3E}">
-        <p14:creationId xmlns:p14="http://schemas.microsoft.com/office/powerpoint/2010/main" val="4261645853"/>
+        <p14:creationId xmlns:p14="http://schemas.microsoft.com/office/powerpoint/2010/main" val="1202202371"/>
       </p:ext>
     </p:extLst>
   </p:cSld>
@@ -4786,10 +4794,10 @@
       </p:sp>
       <p:pic>
         <p:nvPicPr>
-          <p:cNvPr id="5" name="그림 4">
-            <a:extLst>
-              <a:ext uri="{FF2B5EF4-FFF2-40B4-BE49-F238E27FC236}">
-                <a16:creationId xmlns:a16="http://schemas.microsoft.com/office/drawing/2014/main" id="{3F6070D5-1195-0B2D-6422-FAF5D0039ABC}"/>
+          <p:cNvPr id="4" name="그림 3">
+            <a:extLst>
+              <a:ext uri="{FF2B5EF4-FFF2-40B4-BE49-F238E27FC236}">
+                <a16:creationId xmlns:a16="http://schemas.microsoft.com/office/drawing/2014/main" id="{CA98D43E-DBCF-93CC-5C76-943C3BCD870F}"/>
               </a:ext>
             </a:extLst>
           </p:cNvPr>
@@ -4806,18 +4814,70 @@
         </p:blipFill>
         <p:spPr>
           <a:xfrm>
-            <a:off x="1757523" y="0"/>
-            <a:ext cx="2961953" cy="6858000"/>
+            <a:off x="533400" y="1090427"/>
+            <a:ext cx="3177001" cy="1181529"/>
           </a:xfrm>
           <a:prstGeom prst="rect">
             <a:avLst/>
           </a:prstGeom>
         </p:spPr>
       </p:pic>
+      <p:sp>
+        <p:nvSpPr>
+          <p:cNvPr id="2" name="TextBox 1">
+            <a:extLst>
+              <a:ext uri="{FF2B5EF4-FFF2-40B4-BE49-F238E27FC236}">
+                <a16:creationId xmlns:a16="http://schemas.microsoft.com/office/drawing/2014/main" id="{A92DB447-A954-5EED-73C5-757081C2FC97}"/>
+              </a:ext>
+            </a:extLst>
+          </p:cNvPr>
+          <p:cNvSpPr txBox="1"/>
+          <p:nvPr/>
+        </p:nvSpPr>
+        <p:spPr>
+          <a:xfrm>
+            <a:off x="7093132" y="1358027"/>
+            <a:ext cx="4565468" cy="646331"/>
+          </a:xfrm>
+          <a:prstGeom prst="rect">
+            <a:avLst/>
+          </a:prstGeom>
+          <a:noFill/>
+        </p:spPr>
+        <p:txBody>
+          <a:bodyPr wrap="square" rtlCol="0">
+            <a:spAutoFit/>
+          </a:bodyPr>
+          <a:lstStyle/>
+          <a:p>
+            <a:pPr marL="342900" indent="-342900">
+              <a:buAutoNum type="arabicPeriod"/>
+            </a:pPr>
+            <a:r>
+              <a:rPr lang="ko-KR" altLang="en-US" dirty="0" err="1"/>
+              <a:t>카트타일</a:t>
+            </a:r>
+            <a:r>
+              <a:rPr lang="ko-KR" altLang="en-US" dirty="0"/>
+              <a:t> 컴포넌트 생성</a:t>
+            </a:r>
+            <a:endParaRPr lang="en-US" altLang="ko-KR" dirty="0"/>
+          </a:p>
+          <a:p>
+            <a:pPr marL="342900" indent="-342900">
+              <a:buAutoNum type="arabicPeriod"/>
+            </a:pPr>
+            <a:r>
+              <a:rPr lang="ko-KR" altLang="en-US" dirty="0"/>
+              <a:t>그냥 같이 작성</a:t>
+            </a:r>
+          </a:p>
+        </p:txBody>
+      </p:sp>
     </p:spTree>
     <p:extLst>
       <p:ext uri="{BB962C8B-B14F-4D97-AF65-F5344CB8AC3E}">
-        <p14:creationId xmlns:p14="http://schemas.microsoft.com/office/powerpoint/2010/main" val="3797363164"/>
+        <p14:creationId xmlns:p14="http://schemas.microsoft.com/office/powerpoint/2010/main" val="4261645853"/>
       </p:ext>
     </p:extLst>
   </p:cSld>
@@ -4873,7 +4933,7 @@
             <a:pPr algn="l"/>
             <a:r>
               <a:rPr lang="ko-KR" altLang="en-US" dirty="0"/>
-              <a:t>카트 타일 컴포넌트</a:t>
+              <a:t>카트 페이지</a:t>
             </a:r>
             <a:endParaRPr lang="en-US" altLang="ko-KR" dirty="0"/>
           </a:p>
@@ -4885,10 +4945,10 @@
       </p:sp>
       <p:pic>
         <p:nvPicPr>
-          <p:cNvPr id="4" name="그림 3">
-            <a:extLst>
-              <a:ext uri="{FF2B5EF4-FFF2-40B4-BE49-F238E27FC236}">
-                <a16:creationId xmlns:a16="http://schemas.microsoft.com/office/drawing/2014/main" id="{90B80273-191F-3D25-73A7-C0ED61D48B33}"/>
+          <p:cNvPr id="5" name="그림 4">
+            <a:extLst>
+              <a:ext uri="{FF2B5EF4-FFF2-40B4-BE49-F238E27FC236}">
+                <a16:creationId xmlns:a16="http://schemas.microsoft.com/office/drawing/2014/main" id="{3F6070D5-1195-0B2D-6422-FAF5D0039ABC}"/>
               </a:ext>
             </a:extLst>
           </p:cNvPr>
@@ -4905,124 +4965,18 @@
         </p:blipFill>
         <p:spPr>
           <a:xfrm>
-            <a:off x="85223" y="421376"/>
-            <a:ext cx="6923171" cy="6262165"/>
+            <a:off x="1757523" y="0"/>
+            <a:ext cx="2961953" cy="6858000"/>
           </a:xfrm>
           <a:prstGeom prst="rect">
             <a:avLst/>
           </a:prstGeom>
         </p:spPr>
       </p:pic>
-      <p:sp>
-        <p:nvSpPr>
-          <p:cNvPr id="2" name="TextBox 1">
-            <a:extLst>
-              <a:ext uri="{FF2B5EF4-FFF2-40B4-BE49-F238E27FC236}">
-                <a16:creationId xmlns:a16="http://schemas.microsoft.com/office/drawing/2014/main" id="{EE4294ED-658F-C145-F7C1-B3D1928A53E5}"/>
-              </a:ext>
-            </a:extLst>
-          </p:cNvPr>
-          <p:cNvSpPr txBox="1"/>
-          <p:nvPr/>
-        </p:nvSpPr>
-        <p:spPr>
-          <a:xfrm>
-            <a:off x="7400109" y="483326"/>
-            <a:ext cx="4706668" cy="1754326"/>
-          </a:xfrm>
-          <a:prstGeom prst="rect">
-            <a:avLst/>
-          </a:prstGeom>
-          <a:noFill/>
-        </p:spPr>
-        <p:txBody>
-          <a:bodyPr wrap="square" rtlCol="0">
-            <a:spAutoFit/>
-          </a:bodyPr>
-          <a:lstStyle/>
-          <a:p>
-            <a:pPr marL="342900" indent="-342900">
-              <a:buFontTx/>
-              <a:buAutoNum type="arabicPeriod"/>
-            </a:pPr>
-            <a:r>
-              <a:rPr lang="en-US" altLang="ko-KR" dirty="0"/>
-              <a:t>return </a:t>
-            </a:r>
-            <a:r>
-              <a:rPr lang="ko-KR" altLang="en-US" dirty="0"/>
-              <a:t>부분은 같이 작성</a:t>
-            </a:r>
-            <a:endParaRPr lang="en-US" altLang="ko-KR" dirty="0"/>
-          </a:p>
-          <a:p>
-            <a:pPr marL="342900" indent="-342900">
-              <a:buAutoNum type="arabicPeriod"/>
-            </a:pPr>
-            <a:endParaRPr lang="en-US" altLang="ko-KR" dirty="0"/>
-          </a:p>
-          <a:p>
-            <a:pPr marL="342900" indent="-342900">
-              <a:buAutoNum type="arabicPeriod"/>
-            </a:pPr>
-            <a:r>
-              <a:rPr lang="ko-KR" altLang="en-US" dirty="0" err="1"/>
-              <a:t>디스패처로</a:t>
-            </a:r>
-            <a:r>
-              <a:rPr lang="ko-KR" altLang="en-US" dirty="0"/>
-              <a:t> </a:t>
-            </a:r>
-            <a:r>
-              <a:rPr lang="en-US" altLang="ko-KR" dirty="0" err="1"/>
-              <a:t>removeFromCart</a:t>
-            </a:r>
-            <a:r>
-              <a:rPr lang="en-US" altLang="ko-KR" dirty="0"/>
-              <a:t> </a:t>
-            </a:r>
-            <a:r>
-              <a:rPr lang="ko-KR" altLang="en-US" dirty="0" err="1"/>
-              <a:t>사용시키기</a:t>
-            </a:r>
-            <a:r>
-              <a:rPr lang="ko-KR" altLang="en-US" dirty="0"/>
-              <a:t> </a:t>
-            </a:r>
-            <a:r>
-              <a:rPr lang="en-US" altLang="ko-KR" dirty="0"/>
-              <a:t>=&gt; </a:t>
-            </a:r>
-            <a:r>
-              <a:rPr lang="ko-KR" altLang="en-US" dirty="0" err="1"/>
-              <a:t>카트아이템의</a:t>
-            </a:r>
-            <a:r>
-              <a:rPr lang="ko-KR" altLang="en-US" dirty="0"/>
-              <a:t> </a:t>
-            </a:r>
-            <a:r>
-              <a:rPr lang="en-US" altLang="ko-KR" dirty="0"/>
-              <a:t>ID</a:t>
-            </a:r>
-            <a:r>
-              <a:rPr lang="ko-KR" altLang="en-US" dirty="0"/>
-              <a:t>를 사용할 것이라고 알려주기</a:t>
-            </a:r>
-            <a:endParaRPr lang="en-US" altLang="ko-KR" dirty="0"/>
-          </a:p>
-          <a:p>
-            <a:pPr marL="342900" indent="-342900">
-              <a:buAutoNum type="arabicPeriod"/>
-            </a:pPr>
-            <a:endParaRPr lang="en-US" altLang="ko-KR" dirty="0"/>
-          </a:p>
-        </p:txBody>
-      </p:sp>
     </p:spTree>
     <p:extLst>
       <p:ext uri="{BB962C8B-B14F-4D97-AF65-F5344CB8AC3E}">
-        <p14:creationId xmlns:p14="http://schemas.microsoft.com/office/powerpoint/2010/main" val="2004848385"/>
+        <p14:creationId xmlns:p14="http://schemas.microsoft.com/office/powerpoint/2010/main" val="3797363164"/>
       </p:ext>
     </p:extLst>
   </p:cSld>
@@ -5090,10 +5044,10 @@
       </p:sp>
       <p:pic>
         <p:nvPicPr>
-          <p:cNvPr id="5" name="그림 4">
-            <a:extLst>
-              <a:ext uri="{FF2B5EF4-FFF2-40B4-BE49-F238E27FC236}">
-                <a16:creationId xmlns:a16="http://schemas.microsoft.com/office/drawing/2014/main" id="{573E7671-E4B6-9C80-E3F0-CF21B7747F85}"/>
+          <p:cNvPr id="4" name="그림 3">
+            <a:extLst>
+              <a:ext uri="{FF2B5EF4-FFF2-40B4-BE49-F238E27FC236}">
+                <a16:creationId xmlns:a16="http://schemas.microsoft.com/office/drawing/2014/main" id="{90B80273-191F-3D25-73A7-C0ED61D48B33}"/>
               </a:ext>
             </a:extLst>
           </p:cNvPr>
@@ -5110,78 +5064,124 @@
         </p:blipFill>
         <p:spPr>
           <a:xfrm>
-            <a:off x="0" y="465833"/>
-            <a:ext cx="5001323" cy="6392167"/>
+            <a:off x="85223" y="421376"/>
+            <a:ext cx="6923171" cy="6262165"/>
           </a:xfrm>
           <a:prstGeom prst="rect">
             <a:avLst/>
           </a:prstGeom>
         </p:spPr>
       </p:pic>
-      <p:pic>
-        <p:nvPicPr>
-          <p:cNvPr id="8" name="그림 7">
-            <a:extLst>
-              <a:ext uri="{FF2B5EF4-FFF2-40B4-BE49-F238E27FC236}">
-                <a16:creationId xmlns:a16="http://schemas.microsoft.com/office/drawing/2014/main" id="{91732F83-D55F-5D7F-60D5-03B878104F94}"/>
-              </a:ext>
-            </a:extLst>
-          </p:cNvPr>
-          <p:cNvPicPr>
-            <a:picLocks noChangeAspect="1"/>
-          </p:cNvPicPr>
+      <p:sp>
+        <p:nvSpPr>
+          <p:cNvPr id="2" name="TextBox 1">
+            <a:extLst>
+              <a:ext uri="{FF2B5EF4-FFF2-40B4-BE49-F238E27FC236}">
+                <a16:creationId xmlns:a16="http://schemas.microsoft.com/office/drawing/2014/main" id="{EE4294ED-658F-C145-F7C1-B3D1928A53E5}"/>
+              </a:ext>
+            </a:extLst>
+          </p:cNvPr>
+          <p:cNvSpPr txBox="1"/>
           <p:nvPr/>
-        </p:nvPicPr>
-        <p:blipFill>
-          <a:blip r:embed="rId3"/>
-          <a:stretch>
-            <a:fillRect/>
-          </a:stretch>
-        </p:blipFill>
-        <p:spPr>
-          <a:xfrm>
-            <a:off x="5070571" y="0"/>
-            <a:ext cx="5296639" cy="6382641"/>
+        </p:nvSpPr>
+        <p:spPr>
+          <a:xfrm>
+            <a:off x="7400109" y="483326"/>
+            <a:ext cx="4706668" cy="1754326"/>
           </a:xfrm>
           <a:prstGeom prst="rect">
             <a:avLst/>
           </a:prstGeom>
-        </p:spPr>
-      </p:pic>
-      <p:pic>
-        <p:nvPicPr>
-          <p:cNvPr id="10" name="그림 9">
-            <a:extLst>
-              <a:ext uri="{FF2B5EF4-FFF2-40B4-BE49-F238E27FC236}">
-                <a16:creationId xmlns:a16="http://schemas.microsoft.com/office/drawing/2014/main" id="{53C62C7D-48C6-E621-5C78-9FAA6CA60D2E}"/>
-              </a:ext>
-            </a:extLst>
-          </p:cNvPr>
-          <p:cNvPicPr>
-            <a:picLocks noChangeAspect="1"/>
-          </p:cNvPicPr>
-          <p:nvPr/>
-        </p:nvPicPr>
-        <p:blipFill>
-          <a:blip r:embed="rId4"/>
-          <a:stretch>
-            <a:fillRect/>
-          </a:stretch>
-        </p:blipFill>
-        <p:spPr>
-          <a:xfrm>
-            <a:off x="8392786" y="5638630"/>
-            <a:ext cx="3467584" cy="1219370"/>
-          </a:xfrm>
-          <a:prstGeom prst="rect">
-            <a:avLst/>
-          </a:prstGeom>
-        </p:spPr>
-      </p:pic>
+          <a:noFill/>
+        </p:spPr>
+        <p:txBody>
+          <a:bodyPr wrap="square" rtlCol="0">
+            <a:spAutoFit/>
+          </a:bodyPr>
+          <a:lstStyle/>
+          <a:p>
+            <a:pPr marL="342900" indent="-342900">
+              <a:buFontTx/>
+              <a:buAutoNum type="arabicPeriod"/>
+            </a:pPr>
+            <a:r>
+              <a:rPr lang="en-US" altLang="ko-KR" dirty="0"/>
+              <a:t>return </a:t>
+            </a:r>
+            <a:r>
+              <a:rPr lang="ko-KR" altLang="en-US" dirty="0"/>
+              <a:t>부분은 같이 작성</a:t>
+            </a:r>
+            <a:endParaRPr lang="en-US" altLang="ko-KR" dirty="0"/>
+          </a:p>
+          <a:p>
+            <a:pPr marL="342900" indent="-342900">
+              <a:buAutoNum type="arabicPeriod"/>
+            </a:pPr>
+            <a:endParaRPr lang="en-US" altLang="ko-KR" dirty="0"/>
+          </a:p>
+          <a:p>
+            <a:pPr marL="342900" indent="-342900">
+              <a:buAutoNum type="arabicPeriod"/>
+            </a:pPr>
+            <a:r>
+              <a:rPr lang="ko-KR" altLang="en-US" dirty="0" err="1"/>
+              <a:t>디스패처로</a:t>
+            </a:r>
+            <a:r>
+              <a:rPr lang="ko-KR" altLang="en-US" dirty="0"/>
+              <a:t> </a:t>
+            </a:r>
+            <a:r>
+              <a:rPr lang="en-US" altLang="ko-KR" dirty="0" err="1"/>
+              <a:t>removeFromCart</a:t>
+            </a:r>
+            <a:r>
+              <a:rPr lang="en-US" altLang="ko-KR" dirty="0"/>
+              <a:t> </a:t>
+            </a:r>
+            <a:r>
+              <a:rPr lang="ko-KR" altLang="en-US" dirty="0" err="1"/>
+              <a:t>사용시키기</a:t>
+            </a:r>
+            <a:r>
+              <a:rPr lang="ko-KR" altLang="en-US" dirty="0"/>
+              <a:t> </a:t>
+            </a:r>
+            <a:r>
+              <a:rPr lang="en-US" altLang="ko-KR" dirty="0"/>
+              <a:t>=&gt; </a:t>
+            </a:r>
+            <a:r>
+              <a:rPr lang="ko-KR" altLang="en-US" dirty="0" err="1"/>
+              <a:t>카트아이템의</a:t>
+            </a:r>
+            <a:r>
+              <a:rPr lang="ko-KR" altLang="en-US" dirty="0"/>
+              <a:t> </a:t>
+            </a:r>
+            <a:r>
+              <a:rPr lang="en-US" altLang="ko-KR" dirty="0"/>
+              <a:t>ID</a:t>
+            </a:r>
+            <a:r>
+              <a:rPr lang="ko-KR" altLang="en-US" dirty="0"/>
+              <a:t>를 사용할 것이라고 알려주기</a:t>
+            </a:r>
+            <a:endParaRPr lang="en-US" altLang="ko-KR" dirty="0"/>
+          </a:p>
+          <a:p>
+            <a:pPr marL="342900" indent="-342900">
+              <a:buAutoNum type="arabicPeriod"/>
+            </a:pPr>
+            <a:endParaRPr lang="en-US" altLang="ko-KR" dirty="0"/>
+          </a:p>
+        </p:txBody>
+      </p:sp>
     </p:spTree>
     <p:extLst>
       <p:ext uri="{BB962C8B-B14F-4D97-AF65-F5344CB8AC3E}">
-        <p14:creationId xmlns:p14="http://schemas.microsoft.com/office/powerpoint/2010/main" val="1147454389"/>
+        <p14:creationId xmlns:p14="http://schemas.microsoft.com/office/powerpoint/2010/main" val="2004848385"/>
       </p:ext>
     </p:extLst>
   </p:cSld>
@@ -5391,10 +5391,10 @@
       </p:pic>
       <p:pic>
         <p:nvPicPr>
-          <p:cNvPr id="6" name="그림 5">
-            <a:extLst>
-              <a:ext uri="{FF2B5EF4-FFF2-40B4-BE49-F238E27FC236}">
-                <a16:creationId xmlns:a16="http://schemas.microsoft.com/office/drawing/2014/main" id="{A1848D81-9AD9-280F-8C96-1040EBA79185}"/>
+          <p:cNvPr id="4" name="그림 3">
+            <a:extLst>
+              <a:ext uri="{FF2B5EF4-FFF2-40B4-BE49-F238E27FC236}">
+                <a16:creationId xmlns:a16="http://schemas.microsoft.com/office/drawing/2014/main" id="{FF026E27-BE1B-9352-0D33-FA080E484FCA}"/>
               </a:ext>
             </a:extLst>
           </p:cNvPr>
@@ -5411,8 +5411,8 @@
         </p:blipFill>
         <p:spPr>
           <a:xfrm>
-            <a:off x="0" y="2729315"/>
-            <a:ext cx="2351314" cy="4128685"/>
+            <a:off x="77282" y="2733099"/>
+            <a:ext cx="2448267" cy="4124901"/>
           </a:xfrm>
           <a:prstGeom prst="rect">
             <a:avLst/>
@@ -5478,6 +5478,165 @@
             <a:pPr algn="l"/>
             <a:r>
               <a:rPr lang="ko-KR" altLang="en-US" dirty="0"/>
+              <a:t>카트 타일 컴포넌트</a:t>
+            </a:r>
+            <a:endParaRPr lang="en-US" altLang="ko-KR" dirty="0"/>
+          </a:p>
+          <a:p>
+            <a:pPr algn="l"/>
+            <a:endParaRPr lang="en-US" altLang="ko-KR" dirty="0"/>
+          </a:p>
+        </p:txBody>
+      </p:sp>
+      <p:pic>
+        <p:nvPicPr>
+          <p:cNvPr id="5" name="그림 4">
+            <a:extLst>
+              <a:ext uri="{FF2B5EF4-FFF2-40B4-BE49-F238E27FC236}">
+                <a16:creationId xmlns:a16="http://schemas.microsoft.com/office/drawing/2014/main" id="{573E7671-E4B6-9C80-E3F0-CF21B7747F85}"/>
+              </a:ext>
+            </a:extLst>
+          </p:cNvPr>
+          <p:cNvPicPr>
+            <a:picLocks noChangeAspect="1"/>
+          </p:cNvPicPr>
+          <p:nvPr/>
+        </p:nvPicPr>
+        <p:blipFill>
+          <a:blip r:embed="rId2"/>
+          <a:stretch>
+            <a:fillRect/>
+          </a:stretch>
+        </p:blipFill>
+        <p:spPr>
+          <a:xfrm>
+            <a:off x="0" y="465833"/>
+            <a:ext cx="5001323" cy="6392167"/>
+          </a:xfrm>
+          <a:prstGeom prst="rect">
+            <a:avLst/>
+          </a:prstGeom>
+        </p:spPr>
+      </p:pic>
+      <p:pic>
+        <p:nvPicPr>
+          <p:cNvPr id="8" name="그림 7">
+            <a:extLst>
+              <a:ext uri="{FF2B5EF4-FFF2-40B4-BE49-F238E27FC236}">
+                <a16:creationId xmlns:a16="http://schemas.microsoft.com/office/drawing/2014/main" id="{91732F83-D55F-5D7F-60D5-03B878104F94}"/>
+              </a:ext>
+            </a:extLst>
+          </p:cNvPr>
+          <p:cNvPicPr>
+            <a:picLocks noChangeAspect="1"/>
+          </p:cNvPicPr>
+          <p:nvPr/>
+        </p:nvPicPr>
+        <p:blipFill>
+          <a:blip r:embed="rId3"/>
+          <a:stretch>
+            <a:fillRect/>
+          </a:stretch>
+        </p:blipFill>
+        <p:spPr>
+          <a:xfrm>
+            <a:off x="5070571" y="0"/>
+            <a:ext cx="5296639" cy="6382641"/>
+          </a:xfrm>
+          <a:prstGeom prst="rect">
+            <a:avLst/>
+          </a:prstGeom>
+        </p:spPr>
+      </p:pic>
+      <p:pic>
+        <p:nvPicPr>
+          <p:cNvPr id="10" name="그림 9">
+            <a:extLst>
+              <a:ext uri="{FF2B5EF4-FFF2-40B4-BE49-F238E27FC236}">
+                <a16:creationId xmlns:a16="http://schemas.microsoft.com/office/drawing/2014/main" id="{53C62C7D-48C6-E621-5C78-9FAA6CA60D2E}"/>
+              </a:ext>
+            </a:extLst>
+          </p:cNvPr>
+          <p:cNvPicPr>
+            <a:picLocks noChangeAspect="1"/>
+          </p:cNvPicPr>
+          <p:nvPr/>
+        </p:nvPicPr>
+        <p:blipFill>
+          <a:blip r:embed="rId4"/>
+          <a:stretch>
+            <a:fillRect/>
+          </a:stretch>
+        </p:blipFill>
+        <p:spPr>
+          <a:xfrm>
+            <a:off x="8392786" y="5638630"/>
+            <a:ext cx="3467584" cy="1219370"/>
+          </a:xfrm>
+          <a:prstGeom prst="rect">
+            <a:avLst/>
+          </a:prstGeom>
+        </p:spPr>
+      </p:pic>
+    </p:spTree>
+    <p:extLst>
+      <p:ext uri="{BB962C8B-B14F-4D97-AF65-F5344CB8AC3E}">
+        <p14:creationId xmlns:p14="http://schemas.microsoft.com/office/powerpoint/2010/main" val="1147454389"/>
+      </p:ext>
+    </p:extLst>
+  </p:cSld>
+  <p:clrMapOvr>
+    <a:masterClrMapping/>
+  </p:clrMapOvr>
+</p:sld>
+</file>
+
+<file path=ppt/slides/slide21.xml><?xml version="1.0" encoding="utf-8"?>
+<p:sld xmlns:a="http://schemas.openxmlformats.org/drawingml/2006/main" xmlns:r="http://schemas.openxmlformats.org/officeDocument/2006/relationships" xmlns:p="http://schemas.openxmlformats.org/presentationml/2006/main">
+  <p:cSld>
+    <p:spTree>
+      <p:nvGrpSpPr>
+        <p:cNvPr id="1" name=""/>
+        <p:cNvGrpSpPr/>
+        <p:nvPr/>
+      </p:nvGrpSpPr>
+      <p:grpSpPr>
+        <a:xfrm>
+          <a:off x="0" y="0"/>
+          <a:ext cx="0" cy="0"/>
+          <a:chOff x="0" y="0"/>
+          <a:chExt cx="0" cy="0"/>
+        </a:xfrm>
+      </p:grpSpPr>
+      <p:sp>
+        <p:nvSpPr>
+          <p:cNvPr id="3" name="부제목 2">
+            <a:extLst>
+              <a:ext uri="{FF2B5EF4-FFF2-40B4-BE49-F238E27FC236}">
+                <a16:creationId xmlns:a16="http://schemas.microsoft.com/office/drawing/2014/main" id="{2EC22DAF-6BD8-D3A3-055B-1F29B6C85F5D}"/>
+              </a:ext>
+            </a:extLst>
+          </p:cNvPr>
+          <p:cNvSpPr>
+            <a:spLocks noGrp="1"/>
+          </p:cNvSpPr>
+          <p:nvPr>
+            <p:ph type="subTitle" idx="1"/>
+          </p:nvPr>
+        </p:nvSpPr>
+        <p:spPr>
+          <a:xfrm>
+            <a:off x="0" y="0"/>
+            <a:ext cx="12192000" cy="6858000"/>
+          </a:xfrm>
+        </p:spPr>
+        <p:txBody>
+          <a:bodyPr/>
+          <a:lstStyle/>
+          <a:p>
+            <a:pPr algn="l"/>
+            <a:r>
+              <a:rPr lang="ko-KR" altLang="en-US" dirty="0"/>
               <a:t>카트 페이지</a:t>
             </a:r>
             <a:endParaRPr lang="en-US" altLang="ko-KR" dirty="0"/>
@@ -5600,7 +5759,7 @@
 </p:sld>
 </file>
 
-<file path=ppt/slides/slide21.xml><?xml version="1.0" encoding="utf-8"?>
+<file path=ppt/slides/slide22.xml><?xml version="1.0" encoding="utf-8"?>
 <p:sld xmlns:a="http://schemas.openxmlformats.org/drawingml/2006/main" xmlns:r="http://schemas.openxmlformats.org/officeDocument/2006/relationships" xmlns:p="http://schemas.openxmlformats.org/presentationml/2006/main">
   <p:cSld>
     <p:spTree>
@@ -6245,68 +6404,8 @@
         </p:blipFill>
         <p:spPr>
           <a:xfrm>
-            <a:off x="81974" y="1168180"/>
+            <a:off x="361150" y="1132554"/>
             <a:ext cx="5734850" cy="5544324"/>
-          </a:xfrm>
-          <a:prstGeom prst="rect">
-            <a:avLst/>
-          </a:prstGeom>
-        </p:spPr>
-      </p:pic>
-      <p:pic>
-        <p:nvPicPr>
-          <p:cNvPr id="7" name="그림 6">
-            <a:extLst>
-              <a:ext uri="{FF2B5EF4-FFF2-40B4-BE49-F238E27FC236}">
-                <a16:creationId xmlns:a16="http://schemas.microsoft.com/office/drawing/2014/main" id="{52D3AF52-0A16-3331-BFB9-5ECC003DF168}"/>
-              </a:ext>
-            </a:extLst>
-          </p:cNvPr>
-          <p:cNvPicPr>
-            <a:picLocks noChangeAspect="1"/>
-          </p:cNvPicPr>
-          <p:nvPr/>
-        </p:nvPicPr>
-        <p:blipFill>
-          <a:blip r:embed="rId3"/>
-          <a:stretch>
-            <a:fillRect/>
-          </a:stretch>
-        </p:blipFill>
-        <p:spPr>
-          <a:xfrm>
-            <a:off x="6375178" y="1168180"/>
-            <a:ext cx="3524742" cy="1257475"/>
-          </a:xfrm>
-          <a:prstGeom prst="rect">
-            <a:avLst/>
-          </a:prstGeom>
-        </p:spPr>
-      </p:pic>
-      <p:pic>
-        <p:nvPicPr>
-          <p:cNvPr id="10" name="그림 9">
-            <a:extLst>
-              <a:ext uri="{FF2B5EF4-FFF2-40B4-BE49-F238E27FC236}">
-                <a16:creationId xmlns:a16="http://schemas.microsoft.com/office/drawing/2014/main" id="{C6735D59-80EA-65F4-FEA5-069B28385F1E}"/>
-              </a:ext>
-            </a:extLst>
-          </p:cNvPr>
-          <p:cNvPicPr>
-            <a:picLocks noChangeAspect="1"/>
-          </p:cNvPicPr>
-          <p:nvPr/>
-        </p:nvPicPr>
-        <p:blipFill>
-          <a:blip r:embed="rId4"/>
-          <a:stretch>
-            <a:fillRect/>
-          </a:stretch>
-        </p:blipFill>
-        <p:spPr>
-          <a:xfrm>
-            <a:off x="6096000" y="3082972"/>
-            <a:ext cx="6014026" cy="3629532"/>
           </a:xfrm>
           <a:prstGeom prst="rect">
             <a:avLst/>
@@ -6378,244 +6477,134 @@
           </a:p>
           <a:p>
             <a:pPr algn="l"/>
-            <a:endParaRPr lang="en-US" altLang="ko-KR" dirty="0"/>
-          </a:p>
-          <a:p>
-            <a:pPr marL="457200" indent="-457200" algn="l">
-              <a:buAutoNum type="arabicPeriod"/>
-            </a:pPr>
+            <a:r>
+              <a:rPr lang="en-US" altLang="ko-KR" dirty="0" err="1">
+                <a:solidFill>
+                  <a:srgbClr val="FF0000"/>
+                </a:solidFill>
+              </a:rPr>
+              <a:t>useEffect</a:t>
+            </a:r>
             <a:r>
               <a:rPr lang="ko-KR" altLang="en-US" dirty="0">
-                <a:hlinkClick r:id="rId2">
-                  <a:extLst>
-                    <a:ext uri="{A12FA001-AC4F-418D-AE19-62706E023703}">
-                      <ahyp:hlinkClr xmlns:ahyp="http://schemas.microsoft.com/office/drawing/2018/hyperlinkcolor" val="tx"/>
-                    </a:ext>
-                  </a:extLst>
-                </a:hlinkClick>
+                <a:solidFill>
+                  <a:srgbClr val="FF0000"/>
+                </a:solidFill>
               </a:rPr>
-              <a:t>페이지와 컴포넌트 함수 생성하기 </a:t>
+              <a:t>와 </a:t>
             </a:r>
             <a:r>
               <a:rPr lang="en-US" altLang="ko-KR" dirty="0">
-                <a:hlinkClick r:id="rId2">
-                  <a:extLst>
-                    <a:ext uri="{A12FA001-AC4F-418D-AE19-62706E023703}">
-                      <ahyp:hlinkClr xmlns:ahyp="http://schemas.microsoft.com/office/drawing/2018/hyperlinkcolor" val="tx"/>
-                    </a:ext>
-                  </a:extLst>
-                </a:hlinkClick>
+                <a:solidFill>
+                  <a:srgbClr val="FF0000"/>
+                </a:solidFill>
               </a:rPr>
-              <a:t>+ state</a:t>
+              <a:t>fetch </a:t>
             </a:r>
             <a:r>
               <a:rPr lang="ko-KR" altLang="en-US" dirty="0">
-                <a:hlinkClick r:id="rId2">
-                  <a:extLst>
-                    <a:ext uri="{A12FA001-AC4F-418D-AE19-62706E023703}">
-                      <ahyp:hlinkClr xmlns:ahyp="http://schemas.microsoft.com/office/drawing/2018/hyperlinkcolor" val="tx"/>
-                    </a:ext>
-                  </a:extLst>
-                </a:hlinkClick>
+                <a:solidFill>
+                  <a:srgbClr val="FF0000"/>
+                </a:solidFill>
               </a:rPr>
-              <a:t>까지 같이 만들기</a:t>
-            </a:r>
-            <a:endParaRPr lang="en-US" altLang="ko-KR" dirty="0">
-              <a:hlinkClick r:id="rId2">
-                <a:extLst>
-                  <a:ext uri="{A12FA001-AC4F-418D-AE19-62706E023703}">
-                    <ahyp:hlinkClr xmlns:ahyp="http://schemas.microsoft.com/office/drawing/2018/hyperlinkcolor" val="tx"/>
-                  </a:ext>
-                </a:extLst>
-              </a:hlinkClick>
-            </a:endParaRPr>
-          </a:p>
-          <a:p>
-            <a:pPr marL="457200" indent="-457200" algn="l">
-              <a:buAutoNum type="arabicPeriod"/>
-            </a:pPr>
+              <a:t>로 </a:t>
+            </a:r>
             <a:r>
               <a:rPr lang="en-US" altLang="ko-KR" dirty="0">
-                <a:hlinkClick r:id="rId2">
-                  <a:extLst>
-                    <a:ext uri="{A12FA001-AC4F-418D-AE19-62706E023703}">
-                      <ahyp:hlinkClr xmlns:ahyp="http://schemas.microsoft.com/office/drawing/2018/hyperlinkcolor" val="tx"/>
-                    </a:ext>
-                  </a:extLst>
-                </a:hlinkClick>
+                <a:solidFill>
+                  <a:srgbClr val="FF0000"/>
+                </a:solidFill>
               </a:rPr>
               <a:t>https://fakestoreapi.com/products</a:t>
             </a:r>
             <a:r>
-              <a:rPr lang="en-US" altLang="ko-KR" dirty="0"/>
-              <a:t> </a:t>
-            </a:r>
-            <a:r>
-              <a:rPr lang="ko-KR" altLang="en-US" dirty="0"/>
-              <a:t>에 </a:t>
-            </a:r>
-            <a:r>
-              <a:rPr lang="en-US" altLang="ko-KR" dirty="0"/>
-              <a:t>Get</a:t>
-            </a:r>
-            <a:r>
-              <a:rPr lang="ko-KR" altLang="en-US" dirty="0"/>
-              <a:t>요청 통해서 </a:t>
-            </a:r>
-            <a:r>
-              <a:rPr lang="en-US" altLang="ko-KR" dirty="0"/>
-              <a:t>console.log </a:t>
-            </a:r>
-            <a:r>
-              <a:rPr lang="ko-KR" altLang="en-US" dirty="0" err="1"/>
-              <a:t>찍게하기</a:t>
-            </a:r>
-            <a:br>
-              <a:rPr lang="en-US" altLang="ko-KR" dirty="0"/>
-            </a:br>
-            <a:r>
-              <a:rPr lang="ko-KR" altLang="en-US" dirty="0"/>
-              <a:t>힌트로 </a:t>
-            </a:r>
-            <a:r>
-              <a:rPr lang="en-US" altLang="ko-KR" dirty="0"/>
-              <a:t>fetch</a:t>
-            </a:r>
-            <a:r>
-              <a:rPr lang="ko-KR" altLang="en-US" dirty="0"/>
-              <a:t>와 </a:t>
-            </a:r>
-            <a:r>
-              <a:rPr lang="en-US" altLang="ko-KR" dirty="0" err="1"/>
-              <a:t>useEffect</a:t>
-            </a:r>
-            <a:r>
-              <a:rPr lang="ko-KR" altLang="en-US" dirty="0"/>
-              <a:t>를 사용하라고 이야기하기</a:t>
-            </a:r>
+              <a:rPr lang="ko-KR" altLang="en-US" dirty="0">
+                <a:solidFill>
+                  <a:srgbClr val="FF0000"/>
+                </a:solidFill>
+              </a:rPr>
+              <a:t> 에서 데이터 가져오기</a:t>
+            </a:r>
+            <a:endParaRPr lang="en-US" altLang="ko-KR" dirty="0">
+              <a:solidFill>
+                <a:srgbClr val="FF0000"/>
+              </a:solidFill>
+            </a:endParaRPr>
+          </a:p>
+          <a:p>
+            <a:pPr algn="l"/>
             <a:endParaRPr lang="en-US" altLang="ko-KR" dirty="0"/>
           </a:p>
           <a:p>
-            <a:pPr marL="457200" indent="-457200" algn="l">
-              <a:buAutoNum type="arabicPeriod"/>
-            </a:pPr>
-            <a:r>
-              <a:rPr lang="ko-KR" altLang="en-US" dirty="0"/>
-              <a:t>로딩 추가는 같이</a:t>
-            </a:r>
-            <a:endParaRPr lang="en-US" altLang="ko-KR" dirty="0"/>
-          </a:p>
-          <a:p>
-            <a:pPr marL="457200" indent="-457200" algn="l">
-              <a:buAutoNum type="arabicPeriod"/>
-            </a:pPr>
-            <a:r>
-              <a:rPr lang="ko-KR" altLang="en-US" dirty="0"/>
-              <a:t>로딩 중이면 </a:t>
-            </a:r>
-            <a:r>
-              <a:rPr lang="en-US" altLang="ko-KR" dirty="0"/>
-              <a:t>‘&lt;div&gt;</a:t>
-            </a:r>
-            <a:r>
-              <a:rPr lang="ko-KR" altLang="en-US" dirty="0"/>
-              <a:t>로딩 중</a:t>
-            </a:r>
-            <a:r>
-              <a:rPr lang="en-US" altLang="ko-KR" dirty="0"/>
-              <a:t>…&lt;/div&gt;’ </a:t>
-            </a:r>
-            <a:r>
-              <a:rPr lang="ko-KR" altLang="en-US" dirty="0"/>
-              <a:t>으로 </a:t>
-            </a:r>
-            <a:r>
-              <a:rPr lang="ko-KR" altLang="en-US" dirty="0" err="1"/>
-              <a:t>만들게하고</a:t>
-            </a:r>
-            <a:br>
-              <a:rPr lang="en-US" altLang="ko-KR" dirty="0"/>
-            </a:br>
-            <a:r>
-              <a:rPr lang="ko-KR" altLang="en-US" dirty="0"/>
-              <a:t>로딩 완료면 </a:t>
-            </a:r>
-            <a:r>
-              <a:rPr lang="en-US" altLang="ko-KR" dirty="0"/>
-              <a:t>‘&lt;div&gt;</a:t>
-            </a:r>
-            <a:r>
-              <a:rPr lang="ko-KR" altLang="en-US" dirty="0"/>
-              <a:t>로딩 완료</a:t>
-            </a:r>
-            <a:r>
-              <a:rPr lang="en-US" altLang="ko-KR" dirty="0"/>
-              <a:t>!&lt;/div&gt;’ </a:t>
-            </a:r>
-            <a:r>
-              <a:rPr lang="ko-KR" altLang="en-US" dirty="0"/>
-              <a:t>로 만들게 하기</a:t>
-            </a:r>
-            <a:endParaRPr lang="en-US" altLang="ko-KR" dirty="0"/>
-          </a:p>
-          <a:p>
-            <a:pPr marL="457200" indent="-457200" algn="l">
-              <a:buAutoNum type="arabicPeriod"/>
-            </a:pPr>
-            <a:r>
-              <a:rPr lang="ko-KR" altLang="en-US" dirty="0"/>
-              <a:t>그 후 </a:t>
-            </a:r>
-            <a:r>
-              <a:rPr lang="en-US" altLang="ko-KR" dirty="0"/>
-              <a:t>return </a:t>
-            </a:r>
-            <a:r>
-              <a:rPr lang="ko-KR" altLang="en-US" dirty="0"/>
-              <a:t>문 작성</a:t>
-            </a:r>
-            <a:endParaRPr lang="en-US" altLang="ko-KR" dirty="0"/>
-          </a:p>
-          <a:p>
-            <a:pPr marL="457200" indent="-457200" algn="l">
-              <a:buAutoNum type="arabicPeriod"/>
-            </a:pPr>
-            <a:r>
-              <a:rPr lang="ko-KR" altLang="en-US" dirty="0"/>
-              <a:t>클래스명과 스타일은 </a:t>
-            </a:r>
-            <a:r>
-              <a:rPr lang="ko-KR" altLang="en-US" dirty="0" err="1"/>
-              <a:t>화면보면서</a:t>
-            </a:r>
-            <a:r>
-              <a:rPr lang="ko-KR" altLang="en-US" dirty="0"/>
-              <a:t> 같이</a:t>
-            </a:r>
-            <a:endParaRPr lang="en-US" altLang="ko-KR" dirty="0"/>
-          </a:p>
-          <a:p>
-            <a:pPr marL="457200" indent="-457200" algn="l">
-              <a:buAutoNum type="arabicPeriod"/>
-            </a:pPr>
-            <a:endParaRPr lang="en-US" altLang="ko-KR" dirty="0"/>
-          </a:p>
-          <a:p>
-            <a:pPr marL="457200" indent="-457200" algn="l">
-              <a:buAutoNum type="arabicPeriod"/>
-            </a:pPr>
-            <a:r>
-              <a:rPr lang="ko-KR" altLang="en-US" dirty="0"/>
-              <a:t>타일은 그냥 같이 만들기</a:t>
-            </a:r>
-            <a:endParaRPr lang="en-US" altLang="ko-KR" dirty="0"/>
-          </a:p>
-        </p:txBody>
-      </p:sp>
+            <a:pPr algn="l"/>
+            <a:endParaRPr lang="ko-KR" altLang="en-US" dirty="0"/>
+          </a:p>
+        </p:txBody>
+      </p:sp>
+      <p:pic>
+        <p:nvPicPr>
+          <p:cNvPr id="7" name="그림 6">
+            <a:extLst>
+              <a:ext uri="{FF2B5EF4-FFF2-40B4-BE49-F238E27FC236}">
+                <a16:creationId xmlns:a16="http://schemas.microsoft.com/office/drawing/2014/main" id="{52D3AF52-0A16-3331-BFB9-5ECC003DF168}"/>
+              </a:ext>
+            </a:extLst>
+          </p:cNvPr>
+          <p:cNvPicPr>
+            <a:picLocks noChangeAspect="1"/>
+          </p:cNvPicPr>
+          <p:nvPr/>
+        </p:nvPicPr>
+        <p:blipFill>
+          <a:blip r:embed="rId2"/>
+          <a:stretch>
+            <a:fillRect/>
+          </a:stretch>
+        </p:blipFill>
+        <p:spPr>
+          <a:xfrm>
+            <a:off x="6802690" y="1904451"/>
+            <a:ext cx="3524742" cy="1257475"/>
+          </a:xfrm>
+          <a:prstGeom prst="rect">
+            <a:avLst/>
+          </a:prstGeom>
+        </p:spPr>
+      </p:pic>
+      <p:pic>
+        <p:nvPicPr>
+          <p:cNvPr id="10" name="그림 9">
+            <a:extLst>
+              <a:ext uri="{FF2B5EF4-FFF2-40B4-BE49-F238E27FC236}">
+                <a16:creationId xmlns:a16="http://schemas.microsoft.com/office/drawing/2014/main" id="{C6735D59-80EA-65F4-FEA5-069B28385F1E}"/>
+              </a:ext>
+            </a:extLst>
+          </p:cNvPr>
+          <p:cNvPicPr>
+            <a:picLocks noChangeAspect="1"/>
+          </p:cNvPicPr>
+          <p:nvPr/>
+        </p:nvPicPr>
+        <p:blipFill>
+          <a:blip r:embed="rId3"/>
+          <a:stretch>
+            <a:fillRect/>
+          </a:stretch>
+        </p:blipFill>
+        <p:spPr>
+          <a:xfrm>
+            <a:off x="81974" y="1156305"/>
+            <a:ext cx="6014026" cy="3629532"/>
+          </a:xfrm>
+          <a:prstGeom prst="rect">
+            <a:avLst/>
+          </a:prstGeom>
+        </p:spPr>
+      </p:pic>
     </p:spTree>
     <p:extLst>
       <p:ext uri="{BB962C8B-B14F-4D97-AF65-F5344CB8AC3E}">
-        <p14:creationId xmlns:p14="http://schemas.microsoft.com/office/powerpoint/2010/main" val="2975642550"/>
+        <p14:creationId xmlns:p14="http://schemas.microsoft.com/office/powerpoint/2010/main" val="1562982543"/>
       </p:ext>
     </p:extLst>
   </p:cSld>
@@ -6671,88 +6660,250 @@
             <a:pPr algn="l"/>
             <a:r>
               <a:rPr lang="ko-KR" altLang="en-US" dirty="0"/>
-              <a:t>홈</a:t>
+              <a:t>홈 페이지</a:t>
             </a:r>
             <a:endParaRPr lang="en-US" altLang="ko-KR" dirty="0"/>
           </a:p>
           <a:p>
             <a:pPr algn="l"/>
+            <a:endParaRPr lang="en-US" altLang="ko-KR" dirty="0"/>
+          </a:p>
+          <a:p>
+            <a:pPr marL="457200" indent="-457200" algn="l">
+              <a:buAutoNum type="arabicPeriod"/>
+            </a:pPr>
+            <a:r>
+              <a:rPr lang="ko-KR" altLang="en-US" dirty="0">
+                <a:hlinkClick r:id="rId2">
+                  <a:extLst>
+                    <a:ext uri="{A12FA001-AC4F-418D-AE19-62706E023703}">
+                      <ahyp:hlinkClr xmlns:ahyp="http://schemas.microsoft.com/office/drawing/2018/hyperlinkcolor" val="tx"/>
+                    </a:ext>
+                  </a:extLst>
+                </a:hlinkClick>
+              </a:rPr>
+              <a:t>페이지와 컴포넌트 함수 생성하기 </a:t>
+            </a:r>
+            <a:r>
+              <a:rPr lang="en-US" altLang="ko-KR" dirty="0">
+                <a:hlinkClick r:id="rId2">
+                  <a:extLst>
+                    <a:ext uri="{A12FA001-AC4F-418D-AE19-62706E023703}">
+                      <ahyp:hlinkClr xmlns:ahyp="http://schemas.microsoft.com/office/drawing/2018/hyperlinkcolor" val="tx"/>
+                    </a:ext>
+                  </a:extLst>
+                </a:hlinkClick>
+              </a:rPr>
+              <a:t>+ state</a:t>
+            </a:r>
+            <a:r>
+              <a:rPr lang="ko-KR" altLang="en-US" dirty="0">
+                <a:hlinkClick r:id="rId2">
+                  <a:extLst>
+                    <a:ext uri="{A12FA001-AC4F-418D-AE19-62706E023703}">
+                      <ahyp:hlinkClr xmlns:ahyp="http://schemas.microsoft.com/office/drawing/2018/hyperlinkcolor" val="tx"/>
+                    </a:ext>
+                  </a:extLst>
+                </a:hlinkClick>
+              </a:rPr>
+              <a:t>까지 같이 만들기</a:t>
+            </a:r>
+            <a:endParaRPr lang="en-US" altLang="ko-KR" dirty="0">
+              <a:hlinkClick r:id="rId2">
+                <a:extLst>
+                  <a:ext uri="{A12FA001-AC4F-418D-AE19-62706E023703}">
+                    <ahyp:hlinkClr xmlns:ahyp="http://schemas.microsoft.com/office/drawing/2018/hyperlinkcolor" val="tx"/>
+                  </a:ext>
+                </a:extLst>
+              </a:hlinkClick>
+            </a:endParaRPr>
+          </a:p>
+          <a:p>
+            <a:pPr marL="457200" indent="-457200" algn="l">
+              <a:buAutoNum type="arabicPeriod"/>
+            </a:pPr>
+            <a:r>
+              <a:rPr lang="en-US" altLang="ko-KR" dirty="0">
+                <a:hlinkClick r:id="rId2">
+                  <a:extLst>
+                    <a:ext uri="{A12FA001-AC4F-418D-AE19-62706E023703}">
+                      <ahyp:hlinkClr xmlns:ahyp="http://schemas.microsoft.com/office/drawing/2018/hyperlinkcolor" val="tx"/>
+                    </a:ext>
+                  </a:extLst>
+                </a:hlinkClick>
+              </a:rPr>
+              <a:t>https://fakestoreapi.com/products</a:t>
+            </a:r>
+            <a:r>
+              <a:rPr lang="en-US" altLang="ko-KR" dirty="0"/>
+              <a:t> </a:t>
+            </a:r>
             <a:r>
               <a:rPr lang="ko-KR" altLang="en-US" dirty="0"/>
-              <a:t>전체</a:t>
+              <a:t>에 </a:t>
+            </a:r>
+            <a:r>
+              <a:rPr lang="en-US" altLang="ko-KR" dirty="0"/>
+              <a:t>Get</a:t>
+            </a:r>
+            <a:r>
+              <a:rPr lang="ko-KR" altLang="en-US" dirty="0"/>
+              <a:t>요청 통해서 </a:t>
+            </a:r>
+            <a:r>
+              <a:rPr lang="en-US" altLang="ko-KR" dirty="0"/>
+              <a:t>console.log </a:t>
+            </a:r>
+            <a:r>
+              <a:rPr lang="ko-KR" altLang="en-US" dirty="0" err="1"/>
+              <a:t>찍게하기</a:t>
+            </a:r>
+            <a:br>
+              <a:rPr lang="en-US" altLang="ko-KR" dirty="0"/>
+            </a:br>
+            <a:r>
+              <a:rPr lang="ko-KR" altLang="en-US" dirty="0"/>
+              <a:t>힌트로 </a:t>
+            </a:r>
+            <a:r>
+              <a:rPr lang="en-US" altLang="ko-KR" dirty="0"/>
+              <a:t>fetch</a:t>
+            </a:r>
+            <a:r>
+              <a:rPr lang="ko-KR" altLang="en-US" dirty="0"/>
+              <a:t>와 </a:t>
+            </a:r>
+            <a:r>
+              <a:rPr lang="en-US" altLang="ko-KR" dirty="0" err="1"/>
+              <a:t>useEffect</a:t>
+            </a:r>
+            <a:r>
+              <a:rPr lang="ko-KR" altLang="en-US" dirty="0"/>
+              <a:t>를 사용하라고 이야기하기</a:t>
             </a:r>
             <a:endParaRPr lang="en-US" altLang="ko-KR" dirty="0"/>
           </a:p>
           <a:p>
-            <a:pPr algn="l"/>
-            <a:endParaRPr lang="ko-KR" altLang="en-US" dirty="0"/>
-          </a:p>
-        </p:txBody>
-      </p:sp>
-      <p:pic>
-        <p:nvPicPr>
-          <p:cNvPr id="5" name="그림 4">
-            <a:extLst>
-              <a:ext uri="{FF2B5EF4-FFF2-40B4-BE49-F238E27FC236}">
-                <a16:creationId xmlns:a16="http://schemas.microsoft.com/office/drawing/2014/main" id="{5CF3D6E8-0426-9BB6-98DF-C71311E61950}"/>
-              </a:ext>
-            </a:extLst>
-          </p:cNvPr>
-          <p:cNvPicPr>
-            <a:picLocks noChangeAspect="1"/>
-          </p:cNvPicPr>
-          <p:nvPr/>
-        </p:nvPicPr>
-        <p:blipFill>
-          <a:blip r:embed="rId2"/>
-          <a:stretch>
-            <a:fillRect/>
-          </a:stretch>
-        </p:blipFill>
-        <p:spPr>
-          <a:xfrm>
-            <a:off x="770745" y="0"/>
-            <a:ext cx="5898034" cy="6858000"/>
-          </a:xfrm>
-          <a:prstGeom prst="rect">
-            <a:avLst/>
-          </a:prstGeom>
-        </p:spPr>
-      </p:pic>
-      <p:pic>
-        <p:nvPicPr>
-          <p:cNvPr id="8" name="그림 7">
-            <a:extLst>
-              <a:ext uri="{FF2B5EF4-FFF2-40B4-BE49-F238E27FC236}">
-                <a16:creationId xmlns:a16="http://schemas.microsoft.com/office/drawing/2014/main" id="{1E97BBDF-F56A-D8E9-6966-0CED8EDE2D43}"/>
-              </a:ext>
-            </a:extLst>
-          </p:cNvPr>
-          <p:cNvPicPr>
-            <a:picLocks noChangeAspect="1"/>
-          </p:cNvPicPr>
-          <p:nvPr/>
-        </p:nvPicPr>
-        <p:blipFill>
-          <a:blip r:embed="rId3"/>
-          <a:stretch>
-            <a:fillRect/>
-          </a:stretch>
-        </p:blipFill>
-        <p:spPr>
-          <a:xfrm>
-            <a:off x="6892134" y="0"/>
-            <a:ext cx="5022368" cy="6858000"/>
-          </a:xfrm>
-          <a:prstGeom prst="rect">
-            <a:avLst/>
-          </a:prstGeom>
-        </p:spPr>
-      </p:pic>
+            <a:pPr marL="457200" indent="-457200" algn="l">
+              <a:buAutoNum type="arabicPeriod"/>
+            </a:pPr>
+            <a:r>
+              <a:rPr lang="ko-KR" altLang="en-US" dirty="0"/>
+              <a:t>로딩 추가는 같이</a:t>
+            </a:r>
+            <a:endParaRPr lang="en-US" altLang="ko-KR" dirty="0"/>
+          </a:p>
+          <a:p>
+            <a:pPr marL="457200" indent="-457200" algn="l">
+              <a:buAutoNum type="arabicPeriod"/>
+            </a:pPr>
+            <a:r>
+              <a:rPr lang="ko-KR" altLang="en-US" dirty="0"/>
+              <a:t>로딩 중이면 </a:t>
+            </a:r>
+            <a:r>
+              <a:rPr lang="en-US" altLang="ko-KR" dirty="0"/>
+              <a:t>‘&lt;div&gt;</a:t>
+            </a:r>
+            <a:r>
+              <a:rPr lang="ko-KR" altLang="en-US" dirty="0"/>
+              <a:t>로딩 중</a:t>
+            </a:r>
+            <a:r>
+              <a:rPr lang="en-US" altLang="ko-KR" dirty="0"/>
+              <a:t>…&lt;/div&gt;’ </a:t>
+            </a:r>
+            <a:r>
+              <a:rPr lang="ko-KR" altLang="en-US" dirty="0"/>
+              <a:t>으로 </a:t>
+            </a:r>
+            <a:r>
+              <a:rPr lang="ko-KR" altLang="en-US" dirty="0" err="1"/>
+              <a:t>만들게하고</a:t>
+            </a:r>
+            <a:br>
+              <a:rPr lang="en-US" altLang="ko-KR" dirty="0"/>
+            </a:br>
+            <a:r>
+              <a:rPr lang="ko-KR" altLang="en-US" dirty="0"/>
+              <a:t>로딩 완료면 </a:t>
+            </a:r>
+            <a:r>
+              <a:rPr lang="en-US" altLang="ko-KR" dirty="0"/>
+              <a:t>‘&lt;div&gt;</a:t>
+            </a:r>
+            <a:r>
+              <a:rPr lang="ko-KR" altLang="en-US" dirty="0"/>
+              <a:t>로딩 완료</a:t>
+            </a:r>
+            <a:r>
+              <a:rPr lang="en-US" altLang="ko-KR" dirty="0"/>
+              <a:t>!&lt;/div&gt;’ </a:t>
+            </a:r>
+            <a:r>
+              <a:rPr lang="ko-KR" altLang="en-US" dirty="0"/>
+              <a:t>로 만들게 하기</a:t>
+            </a:r>
+            <a:endParaRPr lang="en-US" altLang="ko-KR" dirty="0"/>
+          </a:p>
+          <a:p>
+            <a:pPr marL="457200" indent="-457200" algn="l">
+              <a:buAutoNum type="arabicPeriod"/>
+            </a:pPr>
+            <a:r>
+              <a:rPr lang="ko-KR" altLang="en-US" dirty="0"/>
+              <a:t>그 후 </a:t>
+            </a:r>
+            <a:r>
+              <a:rPr lang="en-US" altLang="ko-KR" dirty="0"/>
+              <a:t>return </a:t>
+            </a:r>
+            <a:r>
+              <a:rPr lang="ko-KR" altLang="en-US" dirty="0"/>
+              <a:t>문 작성</a:t>
+            </a:r>
+            <a:endParaRPr lang="en-US" altLang="ko-KR" dirty="0"/>
+          </a:p>
+          <a:p>
+            <a:pPr marL="457200" indent="-457200" algn="l">
+              <a:buAutoNum type="arabicPeriod"/>
+            </a:pPr>
+            <a:r>
+              <a:rPr lang="ko-KR" altLang="en-US" dirty="0"/>
+              <a:t>클래스명과 스타일은 </a:t>
+            </a:r>
+            <a:r>
+              <a:rPr lang="ko-KR" altLang="en-US" dirty="0" err="1"/>
+              <a:t>화면보면서</a:t>
+            </a:r>
+            <a:r>
+              <a:rPr lang="ko-KR" altLang="en-US" dirty="0"/>
+              <a:t> 같이</a:t>
+            </a:r>
+            <a:endParaRPr lang="en-US" altLang="ko-KR" dirty="0"/>
+          </a:p>
+          <a:p>
+            <a:pPr marL="457200" indent="-457200" algn="l">
+              <a:buAutoNum type="arabicPeriod"/>
+            </a:pPr>
+            <a:endParaRPr lang="en-US" altLang="ko-KR" dirty="0"/>
+          </a:p>
+          <a:p>
+            <a:pPr marL="457200" indent="-457200" algn="l">
+              <a:buAutoNum type="arabicPeriod"/>
+            </a:pPr>
+            <a:r>
+              <a:rPr lang="ko-KR" altLang="en-US" dirty="0"/>
+              <a:t>타일은 그냥 같이 만들기</a:t>
+            </a:r>
+            <a:endParaRPr lang="en-US" altLang="ko-KR" dirty="0"/>
+          </a:p>
+        </p:txBody>
+      </p:sp>
     </p:spTree>
     <p:extLst>
       <p:ext uri="{BB962C8B-B14F-4D97-AF65-F5344CB8AC3E}">
-        <p14:creationId xmlns:p14="http://schemas.microsoft.com/office/powerpoint/2010/main" val="3723184925"/>
+        <p14:creationId xmlns:p14="http://schemas.microsoft.com/office/powerpoint/2010/main" val="2975642550"/>
       </p:ext>
     </p:extLst>
   </p:cSld>
@@ -6808,15 +6959,15 @@
             <a:pPr algn="l"/>
             <a:r>
               <a:rPr lang="ko-KR" altLang="en-US" dirty="0"/>
-              <a:t>홈 </a:t>
-            </a:r>
-            <a:r>
-              <a:rPr lang="en-US" altLang="ko-KR" dirty="0"/>
-              <a:t>– </a:t>
-            </a:r>
+              <a:t>홈</a:t>
+            </a:r>
+            <a:endParaRPr lang="en-US" altLang="ko-KR" dirty="0"/>
+          </a:p>
+          <a:p>
+            <a:pPr algn="l"/>
             <a:r>
               <a:rPr lang="ko-KR" altLang="en-US" dirty="0"/>
-              <a:t>상품 타일</a:t>
+              <a:t>전체</a:t>
             </a:r>
             <a:endParaRPr lang="en-US" altLang="ko-KR" dirty="0"/>
           </a:p>
@@ -6828,10 +6979,10 @@
       </p:sp>
       <p:pic>
         <p:nvPicPr>
-          <p:cNvPr id="4" name="그림 3">
-            <a:extLst>
-              <a:ext uri="{FF2B5EF4-FFF2-40B4-BE49-F238E27FC236}">
-                <a16:creationId xmlns:a16="http://schemas.microsoft.com/office/drawing/2014/main" id="{C40091DE-B4FC-6AB6-E16B-DA26C9A262FC}"/>
+          <p:cNvPr id="5" name="그림 4">
+            <a:extLst>
+              <a:ext uri="{FF2B5EF4-FFF2-40B4-BE49-F238E27FC236}">
+                <a16:creationId xmlns:a16="http://schemas.microsoft.com/office/drawing/2014/main" id="{5CF3D6E8-0426-9BB6-98DF-C71311E61950}"/>
               </a:ext>
             </a:extLst>
           </p:cNvPr>
@@ -6848,8 +6999,8 @@
         </p:blipFill>
         <p:spPr>
           <a:xfrm>
-            <a:off x="0" y="476025"/>
-            <a:ext cx="7249537" cy="2362530"/>
+            <a:off x="770745" y="0"/>
+            <a:ext cx="5898034" cy="6858000"/>
           </a:xfrm>
           <a:prstGeom prst="rect">
             <a:avLst/>
@@ -6858,10 +7009,10 @@
       </p:pic>
       <p:pic>
         <p:nvPicPr>
-          <p:cNvPr id="7" name="그림 6">
-            <a:extLst>
-              <a:ext uri="{FF2B5EF4-FFF2-40B4-BE49-F238E27FC236}">
-                <a16:creationId xmlns:a16="http://schemas.microsoft.com/office/drawing/2014/main" id="{5B80F41B-FDB3-AD39-B70E-A6687F43CA5A}"/>
+          <p:cNvPr id="8" name="그림 7">
+            <a:extLst>
+              <a:ext uri="{FF2B5EF4-FFF2-40B4-BE49-F238E27FC236}">
+                <a16:creationId xmlns:a16="http://schemas.microsoft.com/office/drawing/2014/main" id="{1E97BBDF-F56A-D8E9-6966-0CED8EDE2D43}"/>
               </a:ext>
             </a:extLst>
           </p:cNvPr>
@@ -6878,8 +7029,8 @@
         </p:blipFill>
         <p:spPr>
           <a:xfrm>
-            <a:off x="0" y="2850588"/>
-            <a:ext cx="6587289" cy="4007411"/>
+            <a:off x="6892134" y="0"/>
+            <a:ext cx="5022368" cy="6858000"/>
           </a:xfrm>
           <a:prstGeom prst="rect">
             <a:avLst/>
@@ -6889,7 +7040,7 @@
     </p:spTree>
     <p:extLst>
       <p:ext uri="{BB962C8B-B14F-4D97-AF65-F5344CB8AC3E}">
-        <p14:creationId xmlns:p14="http://schemas.microsoft.com/office/powerpoint/2010/main" val="3423073067"/>
+        <p14:creationId xmlns:p14="http://schemas.microsoft.com/office/powerpoint/2010/main" val="3723184925"/>
       </p:ext>
     </p:extLst>
   </p:cSld>
